--- a/docs/energy-source-visual.pptx
+++ b/docs/energy-source-visual.pptx
@@ -6,16 +6,19 @@
   </p:sldMasterIdLst>
   <p:sldIdLst>
     <p:sldId id="256" r:id="rId2"/>
-    <p:sldId id="257" r:id="rId3"/>
-    <p:sldId id="264" r:id="rId4"/>
-    <p:sldId id="263" r:id="rId5"/>
-    <p:sldId id="265" r:id="rId6"/>
-    <p:sldId id="258" r:id="rId7"/>
-    <p:sldId id="259" r:id="rId8"/>
-    <p:sldId id="262" r:id="rId9"/>
-    <p:sldId id="266" r:id="rId10"/>
-    <p:sldId id="267" r:id="rId11"/>
-    <p:sldId id="268" r:id="rId12"/>
+    <p:sldId id="270" r:id="rId3"/>
+    <p:sldId id="269" r:id="rId4"/>
+    <p:sldId id="257" r:id="rId5"/>
+    <p:sldId id="264" r:id="rId6"/>
+    <p:sldId id="263" r:id="rId7"/>
+    <p:sldId id="265" r:id="rId8"/>
+    <p:sldId id="258" r:id="rId9"/>
+    <p:sldId id="259" r:id="rId10"/>
+    <p:sldId id="262" r:id="rId11"/>
+    <p:sldId id="266" r:id="rId12"/>
+    <p:sldId id="267" r:id="rId13"/>
+    <p:sldId id="271" r:id="rId14"/>
+    <p:sldId id="268" r:id="rId15"/>
   </p:sldIdLst>
   <p:sldSz cx="12192000" cy="6858000"/>
   <p:notesSz cx="6858000" cy="9144000"/>
@@ -114,6 +117,11 @@
       </a:defRPr>
     </a:lvl9pPr>
   </p:defaultTextStyle>
+  <p:extLst>
+    <p:ext uri="{EFAFB233-063F-42B5-8137-9DF3F51BA10A}">
+      <p15:sldGuideLst xmlns:p15="http://schemas.microsoft.com/office/powerpoint/2012/main"/>
+    </p:ext>
+  </p:extLst>
 </p:presentation>
 </file>
 
@@ -264,7 +272,7 @@
           <a:p>
             <a:fld id="{D0B69F4E-5382-40EE-826E-090782B1F98E}" type="datetimeFigureOut">
               <a:rPr lang="en-US" smtClean="0"/>
-              <a:t>3/1/2023</a:t>
+              <a:t>3/2/2023</a:t>
             </a:fld>
             <a:endParaRPr lang="en-US"/>
           </a:p>
@@ -462,7 +470,7 @@
           <a:p>
             <a:fld id="{D0B69F4E-5382-40EE-826E-090782B1F98E}" type="datetimeFigureOut">
               <a:rPr lang="en-US" smtClean="0"/>
-              <a:t>3/1/2023</a:t>
+              <a:t>3/2/2023</a:t>
             </a:fld>
             <a:endParaRPr lang="en-US"/>
           </a:p>
@@ -670,7 +678,7 @@
           <a:p>
             <a:fld id="{D0B69F4E-5382-40EE-826E-090782B1F98E}" type="datetimeFigureOut">
               <a:rPr lang="en-US" smtClean="0"/>
-              <a:t>3/1/2023</a:t>
+              <a:t>3/2/2023</a:t>
             </a:fld>
             <a:endParaRPr lang="en-US"/>
           </a:p>
@@ -868,7 +876,7 @@
           <a:p>
             <a:fld id="{D0B69F4E-5382-40EE-826E-090782B1F98E}" type="datetimeFigureOut">
               <a:rPr lang="en-US" smtClean="0"/>
-              <a:t>3/1/2023</a:t>
+              <a:t>3/2/2023</a:t>
             </a:fld>
             <a:endParaRPr lang="en-US"/>
           </a:p>
@@ -1143,7 +1151,7 @@
           <a:p>
             <a:fld id="{D0B69F4E-5382-40EE-826E-090782B1F98E}" type="datetimeFigureOut">
               <a:rPr lang="en-US" smtClean="0"/>
-              <a:t>3/1/2023</a:t>
+              <a:t>3/2/2023</a:t>
             </a:fld>
             <a:endParaRPr lang="en-US"/>
           </a:p>
@@ -1408,7 +1416,7 @@
           <a:p>
             <a:fld id="{D0B69F4E-5382-40EE-826E-090782B1F98E}" type="datetimeFigureOut">
               <a:rPr lang="en-US" smtClean="0"/>
-              <a:t>3/1/2023</a:t>
+              <a:t>3/2/2023</a:t>
             </a:fld>
             <a:endParaRPr lang="en-US"/>
           </a:p>
@@ -1820,7 +1828,7 @@
           <a:p>
             <a:fld id="{D0B69F4E-5382-40EE-826E-090782B1F98E}" type="datetimeFigureOut">
               <a:rPr lang="en-US" smtClean="0"/>
-              <a:t>3/1/2023</a:t>
+              <a:t>3/2/2023</a:t>
             </a:fld>
             <a:endParaRPr lang="en-US"/>
           </a:p>
@@ -1961,7 +1969,7 @@
           <a:p>
             <a:fld id="{D0B69F4E-5382-40EE-826E-090782B1F98E}" type="datetimeFigureOut">
               <a:rPr lang="en-US" smtClean="0"/>
-              <a:t>3/1/2023</a:t>
+              <a:t>3/2/2023</a:t>
             </a:fld>
             <a:endParaRPr lang="en-US"/>
           </a:p>
@@ -2074,7 +2082,7 @@
           <a:p>
             <a:fld id="{D0B69F4E-5382-40EE-826E-090782B1F98E}" type="datetimeFigureOut">
               <a:rPr lang="en-US" smtClean="0"/>
-              <a:t>3/1/2023</a:t>
+              <a:t>3/2/2023</a:t>
             </a:fld>
             <a:endParaRPr lang="en-US"/>
           </a:p>
@@ -2385,7 +2393,7 @@
           <a:p>
             <a:fld id="{D0B69F4E-5382-40EE-826E-090782B1F98E}" type="datetimeFigureOut">
               <a:rPr lang="en-US" smtClean="0"/>
-              <a:t>3/1/2023</a:t>
+              <a:t>3/2/2023</a:t>
             </a:fld>
             <a:endParaRPr lang="en-US"/>
           </a:p>
@@ -2673,7 +2681,7 @@
           <a:p>
             <a:fld id="{D0B69F4E-5382-40EE-826E-090782B1F98E}" type="datetimeFigureOut">
               <a:rPr lang="en-US" smtClean="0"/>
-              <a:t>3/1/2023</a:t>
+              <a:t>3/2/2023</a:t>
             </a:fld>
             <a:endParaRPr lang="en-US"/>
           </a:p>
@@ -2914,7 +2922,7 @@
           <a:p>
             <a:fld id="{D0B69F4E-5382-40EE-826E-090782B1F98E}" type="datetimeFigureOut">
               <a:rPr lang="en-US" smtClean="0"/>
-              <a:t>3/1/2023</a:t>
+              <a:t>3/2/2023</a:t>
             </a:fld>
             <a:endParaRPr lang="en-US"/>
           </a:p>
@@ -3629,151 +3637,13 @@
             </a:p>
           </p:txBody>
         </p:sp>
-        <p:sp>
-          <p:nvSpPr>
-            <p:cNvPr id="11" name="Rectangle 10">
-              <a:extLst>
-                <a:ext uri="{FF2B5EF4-FFF2-40B4-BE49-F238E27FC236}">
-                  <a16:creationId xmlns:a16="http://schemas.microsoft.com/office/drawing/2014/main" id="{097030ED-57A7-4636-7474-C890EC92C08B}"/>
-                </a:ext>
-              </a:extLst>
-            </p:cNvPr>
-            <p:cNvSpPr/>
-            <p:nvPr/>
-          </p:nvSpPr>
-          <p:spPr>
-            <a:xfrm>
-              <a:off x="1753576" y="1954294"/>
-              <a:ext cx="142061" cy="126722"/>
-            </a:xfrm>
-            <a:prstGeom prst="rect">
-              <a:avLst/>
-            </a:prstGeom>
-          </p:spPr>
-          <p:style>
-            <a:lnRef idx="2">
-              <a:schemeClr val="accent6">
-                <a:shade val="50000"/>
-              </a:schemeClr>
-            </a:lnRef>
-            <a:fillRef idx="1">
-              <a:schemeClr val="accent6"/>
-            </a:fillRef>
-            <a:effectRef idx="0">
-              <a:schemeClr val="accent6"/>
-            </a:effectRef>
-            <a:fontRef idx="minor">
-              <a:schemeClr val="lt1"/>
-            </a:fontRef>
-          </p:style>
-          <p:txBody>
-            <a:bodyPr rtlCol="0" anchor="ctr"/>
-            <a:lstStyle/>
-            <a:p>
-              <a:pPr algn="ctr"/>
-              <a:endParaRPr lang="en-US"/>
-            </a:p>
-          </p:txBody>
-        </p:sp>
-        <p:sp>
-          <p:nvSpPr>
-            <p:cNvPr id="12" name="Rectangle 11">
-              <a:extLst>
-                <a:ext uri="{FF2B5EF4-FFF2-40B4-BE49-F238E27FC236}">
-                  <a16:creationId xmlns:a16="http://schemas.microsoft.com/office/drawing/2014/main" id="{72D60381-00D0-B337-6A07-F53A2D1560F3}"/>
-                </a:ext>
-              </a:extLst>
-            </p:cNvPr>
-            <p:cNvSpPr/>
-            <p:nvPr/>
-          </p:nvSpPr>
-          <p:spPr>
-            <a:xfrm>
-              <a:off x="2178600" y="1954294"/>
-              <a:ext cx="142061" cy="126722"/>
-            </a:xfrm>
-            <a:prstGeom prst="rect">
-              <a:avLst/>
-            </a:prstGeom>
-          </p:spPr>
-          <p:style>
-            <a:lnRef idx="2">
-              <a:schemeClr val="accent6">
-                <a:shade val="50000"/>
-              </a:schemeClr>
-            </a:lnRef>
-            <a:fillRef idx="1">
-              <a:schemeClr val="accent6"/>
-            </a:fillRef>
-            <a:effectRef idx="0">
-              <a:schemeClr val="accent6"/>
-            </a:effectRef>
-            <a:fontRef idx="minor">
-              <a:schemeClr val="lt1"/>
-            </a:fontRef>
-          </p:style>
-          <p:txBody>
-            <a:bodyPr rtlCol="0" anchor="ctr"/>
-            <a:lstStyle/>
-            <a:p>
-              <a:pPr algn="ctr"/>
-              <a:endParaRPr lang="en-US"/>
-            </a:p>
-          </p:txBody>
-        </p:sp>
-        <p:sp>
-          <p:nvSpPr>
-            <p:cNvPr id="13" name="Rectangle 12">
-              <a:extLst>
-                <a:ext uri="{FF2B5EF4-FFF2-40B4-BE49-F238E27FC236}">
-                  <a16:creationId xmlns:a16="http://schemas.microsoft.com/office/drawing/2014/main" id="{BAE4548E-92EC-66F2-4290-183B9CF74A60}"/>
-                </a:ext>
-              </a:extLst>
-            </p:cNvPr>
-            <p:cNvSpPr/>
-            <p:nvPr/>
-          </p:nvSpPr>
-          <p:spPr>
-            <a:xfrm>
-              <a:off x="1980354" y="2244089"/>
-              <a:ext cx="142061" cy="126722"/>
-            </a:xfrm>
-            <a:prstGeom prst="rect">
-              <a:avLst/>
-            </a:prstGeom>
-          </p:spPr>
-          <p:style>
-            <a:lnRef idx="2">
-              <a:schemeClr val="accent6">
-                <a:shade val="50000"/>
-              </a:schemeClr>
-            </a:lnRef>
-            <a:fillRef idx="1">
-              <a:schemeClr val="accent6"/>
-            </a:fillRef>
-            <a:effectRef idx="0">
-              <a:schemeClr val="accent6"/>
-            </a:effectRef>
-            <a:fontRef idx="minor">
-              <a:schemeClr val="lt1"/>
-            </a:fontRef>
-          </p:style>
-          <p:txBody>
-            <a:bodyPr rtlCol="0" anchor="ctr"/>
-            <a:lstStyle/>
-            <a:p>
-              <a:pPr algn="ctr"/>
-              <a:endParaRPr lang="en-US"/>
-            </a:p>
-          </p:txBody>
-        </p:sp>
       </p:grpSp>
       <p:sp>
         <p:nvSpPr>
-          <p:cNvPr id="19" name="TextBox 18">
-            <a:extLst>
-              <a:ext uri="{FF2B5EF4-FFF2-40B4-BE49-F238E27FC236}">
-                <a16:creationId xmlns:a16="http://schemas.microsoft.com/office/drawing/2014/main" id="{95820402-4911-587F-EEB0-A08406B24F5B}"/>
+          <p:cNvPr id="2" name="TextBox 1">
+            <a:extLst>
+              <a:ext uri="{FF2B5EF4-FFF2-40B4-BE49-F238E27FC236}">
+                <a16:creationId xmlns:a16="http://schemas.microsoft.com/office/drawing/2014/main" id="{2265FC53-344D-F973-D54D-D352E6EFAB43}"/>
               </a:ext>
             </a:extLst>
           </p:cNvPr>
@@ -3782,8 +3652,8 @@
         </p:nvSpPr>
         <p:spPr>
           <a:xfrm>
-            <a:off x="2045258" y="1420925"/>
-            <a:ext cx="3875713" cy="2246769"/>
+            <a:off x="8759487" y="4101176"/>
+            <a:ext cx="2281971" cy="369332"/>
           </a:xfrm>
           <a:prstGeom prst="rect">
             <a:avLst/>
@@ -3791,15 +3661,49 @@
           <a:noFill/>
         </p:spPr>
         <p:txBody>
-          <a:bodyPr wrap="square" rtlCol="0">
+          <a:bodyPr wrap="none" rtlCol="0">
             <a:spAutoFit/>
           </a:bodyPr>
           <a:lstStyle/>
           <a:p>
-            <a:pPr algn="ctr"/>
             <a:r>
-              <a:rPr lang="en-US" sz="2800" dirty="0"/>
-              <a:t>A pump requires 3 units of energy to life water from the well, and to push it into the pipe at a given pressure</a:t>
+              <a:rPr lang="en-US" dirty="0"/>
+              <a:t>Depth to water source</a:t>
+            </a:r>
+          </a:p>
+        </p:txBody>
+      </p:sp>
+      <p:sp>
+        <p:nvSpPr>
+          <p:cNvPr id="3" name="TextBox 2">
+            <a:extLst>
+              <a:ext uri="{FF2B5EF4-FFF2-40B4-BE49-F238E27FC236}">
+                <a16:creationId xmlns:a16="http://schemas.microsoft.com/office/drawing/2014/main" id="{A91E23F6-14CA-E4F4-9554-5703F41364E2}"/>
+              </a:ext>
+            </a:extLst>
+          </p:cNvPr>
+          <p:cNvSpPr txBox="1"/>
+          <p:nvPr/>
+        </p:nvSpPr>
+        <p:spPr>
+          <a:xfrm>
+            <a:off x="9113482" y="1365840"/>
+            <a:ext cx="1852558" cy="369332"/>
+          </a:xfrm>
+          <a:prstGeom prst="rect">
+            <a:avLst/>
+          </a:prstGeom>
+          <a:noFill/>
+        </p:spPr>
+        <p:txBody>
+          <a:bodyPr wrap="none" rtlCol="0">
+            <a:spAutoFit/>
+          </a:bodyPr>
+          <a:lstStyle/>
+          <a:p>
+            <a:r>
+              <a:rPr lang="en-US" dirty="0"/>
+              <a:t>Pressure of outlet</a:t>
             </a:r>
           </a:p>
         </p:txBody>
@@ -3834,52 +3738,6 @@
           <a:chExt cx="0" cy="0"/>
         </a:xfrm>
       </p:grpSpPr>
-      <p:sp>
-        <p:nvSpPr>
-          <p:cNvPr id="29" name="Lightning Bolt 28">
-            <a:extLst>
-              <a:ext uri="{FF2B5EF4-FFF2-40B4-BE49-F238E27FC236}">
-                <a16:creationId xmlns:a16="http://schemas.microsoft.com/office/drawing/2014/main" id="{A08C1F35-5C7D-EC49-2B65-7EBDE76DA3BC}"/>
-              </a:ext>
-            </a:extLst>
-          </p:cNvPr>
-          <p:cNvSpPr/>
-          <p:nvPr/>
-        </p:nvSpPr>
-        <p:spPr>
-          <a:xfrm>
-            <a:off x="2109399" y="4587849"/>
-            <a:ext cx="1452675" cy="1067544"/>
-          </a:xfrm>
-          <a:prstGeom prst="lightningBolt">
-            <a:avLst/>
-          </a:prstGeom>
-        </p:spPr>
-        <p:style>
-          <a:lnRef idx="2">
-            <a:schemeClr val="accent1">
-              <a:shade val="50000"/>
-            </a:schemeClr>
-          </a:lnRef>
-          <a:fillRef idx="1">
-            <a:schemeClr val="accent1"/>
-          </a:fillRef>
-          <a:effectRef idx="0">
-            <a:schemeClr val="accent1"/>
-          </a:effectRef>
-          <a:fontRef idx="minor">
-            <a:schemeClr val="lt1"/>
-          </a:fontRef>
-        </p:style>
-        <p:txBody>
-          <a:bodyPr rtlCol="0" anchor="ctr"/>
-          <a:lstStyle/>
-          <a:p>
-            <a:pPr algn="ctr"/>
-            <a:endParaRPr lang="en-US"/>
-          </a:p>
-        </p:txBody>
-      </p:sp>
       <p:grpSp>
         <p:nvGrpSpPr>
           <p:cNvPr id="14" name="Group 13">
@@ -4328,274 +4186,24 @@
       </p:grpSp>
       <p:sp>
         <p:nvSpPr>
-          <p:cNvPr id="2" name="TextBox 1">
-            <a:extLst>
-              <a:ext uri="{FF2B5EF4-FFF2-40B4-BE49-F238E27FC236}">
-                <a16:creationId xmlns:a16="http://schemas.microsoft.com/office/drawing/2014/main" id="{8ED2EC39-5780-4896-C587-D48C46B975E3}"/>
-              </a:ext>
-            </a:extLst>
-          </p:cNvPr>
-          <p:cNvSpPr txBox="1"/>
+          <p:cNvPr id="15" name="Rectangle: Top Corners Rounded 14">
+            <a:extLst>
+              <a:ext uri="{FF2B5EF4-FFF2-40B4-BE49-F238E27FC236}">
+                <a16:creationId xmlns:a16="http://schemas.microsoft.com/office/drawing/2014/main" id="{AACC89AC-C5E6-28C3-1301-4DE46ABEF622}"/>
+              </a:ext>
+            </a:extLst>
+          </p:cNvPr>
+          <p:cNvSpPr/>
           <p:nvPr/>
         </p:nvSpPr>
         <p:spPr>
           <a:xfrm>
-            <a:off x="502458" y="439413"/>
-            <a:ext cx="7693586" cy="523220"/>
-          </a:xfrm>
-          <a:prstGeom prst="rect">
-            <a:avLst/>
-          </a:prstGeom>
-          <a:noFill/>
-        </p:spPr>
-        <p:txBody>
-          <a:bodyPr wrap="square" rtlCol="0">
-            <a:spAutoFit/>
-          </a:bodyPr>
-          <a:lstStyle/>
-          <a:p>
-            <a:pPr algn="ctr"/>
-            <a:r>
-              <a:rPr lang="en-US" sz="2800" i="1" dirty="0"/>
-              <a:t>Different energy sources have different efficiencies</a:t>
-            </a:r>
-          </a:p>
-        </p:txBody>
-      </p:sp>
-      <p:grpSp>
-        <p:nvGrpSpPr>
-          <p:cNvPr id="3" name="Group 2">
-            <a:extLst>
-              <a:ext uri="{FF2B5EF4-FFF2-40B4-BE49-F238E27FC236}">
-                <a16:creationId xmlns:a16="http://schemas.microsoft.com/office/drawing/2014/main" id="{2FC76C02-F57D-2954-FEEB-53F0116599BF}"/>
-              </a:ext>
-            </a:extLst>
-          </p:cNvPr>
-          <p:cNvGrpSpPr/>
-          <p:nvPr/>
-        </p:nvGrpSpPr>
-        <p:grpSpPr>
-          <a:xfrm>
-            <a:off x="2133582" y="1795094"/>
-            <a:ext cx="1375795" cy="1067543"/>
-            <a:chOff x="4236440" y="3182620"/>
-            <a:chExt cx="1375795" cy="1067543"/>
-          </a:xfrm>
-        </p:grpSpPr>
-        <p:sp>
-          <p:nvSpPr>
-            <p:cNvPr id="9" name="Rectangle: Top Corners Rounded 8">
-              <a:extLst>
-                <a:ext uri="{FF2B5EF4-FFF2-40B4-BE49-F238E27FC236}">
-                  <a16:creationId xmlns:a16="http://schemas.microsoft.com/office/drawing/2014/main" id="{CD8C437A-B141-11EC-D7EA-8E3072A2CA8A}"/>
-                </a:ext>
-              </a:extLst>
-            </p:cNvPr>
-            <p:cNvSpPr/>
-            <p:nvPr/>
-          </p:nvSpPr>
-          <p:spPr>
-            <a:xfrm>
-              <a:off x="4236440" y="3182620"/>
-              <a:ext cx="1375795" cy="1067543"/>
-            </a:xfrm>
-            <a:prstGeom prst="round2SameRect">
-              <a:avLst/>
-            </a:prstGeom>
-          </p:spPr>
-          <p:style>
-            <a:lnRef idx="2">
-              <a:schemeClr val="accent2">
-                <a:shade val="50000"/>
-              </a:schemeClr>
-            </a:lnRef>
-            <a:fillRef idx="1">
-              <a:schemeClr val="accent2"/>
-            </a:fillRef>
-            <a:effectRef idx="0">
-              <a:schemeClr val="accent2"/>
-            </a:effectRef>
-            <a:fontRef idx="minor">
-              <a:schemeClr val="lt1"/>
-            </a:fontRef>
-          </p:style>
-          <p:txBody>
-            <a:bodyPr rtlCol="0" anchor="ctr"/>
-            <a:lstStyle/>
-            <a:p>
-              <a:pPr algn="ctr"/>
-              <a:endParaRPr lang="en-US"/>
-            </a:p>
-          </p:txBody>
-        </p:sp>
-        <p:sp>
-          <p:nvSpPr>
-            <p:cNvPr id="15" name="Rectangle 14">
-              <a:extLst>
-                <a:ext uri="{FF2B5EF4-FFF2-40B4-BE49-F238E27FC236}">
-                  <a16:creationId xmlns:a16="http://schemas.microsoft.com/office/drawing/2014/main" id="{852FA641-0BFA-8C24-D33E-D750758A8BC4}"/>
-                </a:ext>
-              </a:extLst>
-            </p:cNvPr>
-            <p:cNvSpPr/>
-            <p:nvPr/>
-          </p:nvSpPr>
-          <p:spPr>
-            <a:xfrm>
-              <a:off x="4640787" y="3554791"/>
-              <a:ext cx="142061" cy="126722"/>
-            </a:xfrm>
-            <a:prstGeom prst="rect">
-              <a:avLst/>
-            </a:prstGeom>
-            <a:solidFill>
-              <a:schemeClr val="bg1"/>
-            </a:solidFill>
-          </p:spPr>
-          <p:style>
-            <a:lnRef idx="2">
-              <a:schemeClr val="accent6">
-                <a:shade val="50000"/>
-              </a:schemeClr>
-            </a:lnRef>
-            <a:fillRef idx="1">
-              <a:schemeClr val="accent6"/>
-            </a:fillRef>
-            <a:effectRef idx="0">
-              <a:schemeClr val="accent6"/>
-            </a:effectRef>
-            <a:fontRef idx="minor">
-              <a:schemeClr val="lt1"/>
-            </a:fontRef>
-          </p:style>
-          <p:txBody>
-            <a:bodyPr rtlCol="0" anchor="ctr"/>
-            <a:lstStyle/>
-            <a:p>
-              <a:pPr algn="ctr"/>
-              <a:endParaRPr lang="en-US"/>
-            </a:p>
-          </p:txBody>
-        </p:sp>
-        <p:sp>
-          <p:nvSpPr>
-            <p:cNvPr id="16" name="Rectangle 15">
-              <a:extLst>
-                <a:ext uri="{FF2B5EF4-FFF2-40B4-BE49-F238E27FC236}">
-                  <a16:creationId xmlns:a16="http://schemas.microsoft.com/office/drawing/2014/main" id="{E7AAC86F-99B5-6D82-CF7E-DEA5EDBC3F3C}"/>
-                </a:ext>
-              </a:extLst>
-            </p:cNvPr>
-            <p:cNvSpPr/>
-            <p:nvPr/>
-          </p:nvSpPr>
-          <p:spPr>
-            <a:xfrm>
-              <a:off x="5065811" y="3554791"/>
-              <a:ext cx="142061" cy="126722"/>
-            </a:xfrm>
-            <a:prstGeom prst="rect">
-              <a:avLst/>
-            </a:prstGeom>
-            <a:solidFill>
-              <a:schemeClr val="bg1"/>
-            </a:solidFill>
-          </p:spPr>
-          <p:style>
-            <a:lnRef idx="2">
-              <a:schemeClr val="accent6">
-                <a:shade val="50000"/>
-              </a:schemeClr>
-            </a:lnRef>
-            <a:fillRef idx="1">
-              <a:schemeClr val="accent6"/>
-            </a:fillRef>
-            <a:effectRef idx="0">
-              <a:schemeClr val="accent6"/>
-            </a:effectRef>
-            <a:fontRef idx="minor">
-              <a:schemeClr val="lt1"/>
-            </a:fontRef>
-          </p:style>
-          <p:txBody>
-            <a:bodyPr rtlCol="0" anchor="ctr"/>
-            <a:lstStyle/>
-            <a:p>
-              <a:pPr algn="ctr"/>
-              <a:endParaRPr lang="en-US"/>
-            </a:p>
-          </p:txBody>
-        </p:sp>
-        <p:sp>
-          <p:nvSpPr>
-            <p:cNvPr id="17" name="Rectangle 16">
-              <a:extLst>
-                <a:ext uri="{FF2B5EF4-FFF2-40B4-BE49-F238E27FC236}">
-                  <a16:creationId xmlns:a16="http://schemas.microsoft.com/office/drawing/2014/main" id="{46398220-389A-2FAD-D4AE-24B16D2B96ED}"/>
-                </a:ext>
-              </a:extLst>
-            </p:cNvPr>
-            <p:cNvSpPr/>
-            <p:nvPr/>
-          </p:nvSpPr>
-          <p:spPr>
-            <a:xfrm>
-              <a:off x="4867565" y="3844586"/>
-              <a:ext cx="142061" cy="126722"/>
-            </a:xfrm>
-            <a:prstGeom prst="rect">
-              <a:avLst/>
-            </a:prstGeom>
-          </p:spPr>
-          <p:style>
-            <a:lnRef idx="2">
-              <a:schemeClr val="accent6">
-                <a:shade val="50000"/>
-              </a:schemeClr>
-            </a:lnRef>
-            <a:fillRef idx="1">
-              <a:schemeClr val="accent6"/>
-            </a:fillRef>
-            <a:effectRef idx="0">
-              <a:schemeClr val="accent6"/>
-            </a:effectRef>
-            <a:fontRef idx="minor">
-              <a:schemeClr val="lt1"/>
-            </a:fontRef>
-          </p:style>
-          <p:txBody>
-            <a:bodyPr rtlCol="0" anchor="ctr"/>
-            <a:lstStyle/>
-            <a:p>
-              <a:pPr algn="ctr"/>
-              <a:endParaRPr lang="en-US"/>
-            </a:p>
-          </p:txBody>
-        </p:sp>
-      </p:grpSp>
-      <p:sp>
-        <p:nvSpPr>
-          <p:cNvPr id="19" name="Rectangle: Top Corners Rounded 18">
-            <a:extLst>
-              <a:ext uri="{FF2B5EF4-FFF2-40B4-BE49-F238E27FC236}">
-                <a16:creationId xmlns:a16="http://schemas.microsoft.com/office/drawing/2014/main" id="{E4FA4EC2-0514-E8B6-78D0-FF5E67C2A870}"/>
-              </a:ext>
-            </a:extLst>
-          </p:cNvPr>
-          <p:cNvSpPr/>
-          <p:nvPr/>
-        </p:nvSpPr>
-        <p:spPr>
-          <a:xfrm>
-            <a:off x="2154262" y="3102603"/>
+            <a:off x="6462302" y="732410"/>
             <a:ext cx="1375795" cy="1067543"/>
           </a:xfrm>
           <a:prstGeom prst="round2SameRect">
             <a:avLst/>
           </a:prstGeom>
-          <a:solidFill>
-            <a:schemeClr val="accent4"/>
-          </a:solidFill>
         </p:spPr>
         <p:style>
           <a:lnRef idx="2">
@@ -4624,10 +4232,10 @@
       </p:sp>
       <p:sp>
         <p:nvSpPr>
-          <p:cNvPr id="20" name="Rectangle 19">
-            <a:extLst>
-              <a:ext uri="{FF2B5EF4-FFF2-40B4-BE49-F238E27FC236}">
-                <a16:creationId xmlns:a16="http://schemas.microsoft.com/office/drawing/2014/main" id="{B09A22E6-09C0-6A74-4155-C684838A5CC6}"/>
+          <p:cNvPr id="16" name="Rectangle 15">
+            <a:extLst>
+              <a:ext uri="{FF2B5EF4-FFF2-40B4-BE49-F238E27FC236}">
+                <a16:creationId xmlns:a16="http://schemas.microsoft.com/office/drawing/2014/main" id="{21230576-4A87-E48C-9802-0EBB6F7ECCF3}"/>
               </a:ext>
             </a:extLst>
           </p:cNvPr>
@@ -4636,7 +4244,7 @@
         </p:nvSpPr>
         <p:spPr>
           <a:xfrm>
-            <a:off x="2785386" y="3429000"/>
+            <a:off x="6866649" y="1104581"/>
             <a:ext cx="142061" cy="126722"/>
           </a:xfrm>
           <a:prstGeom prst="rect">
@@ -4673,10 +4281,10 @@
       </p:sp>
       <p:sp>
         <p:nvSpPr>
-          <p:cNvPr id="22" name="Rectangle 21">
-            <a:extLst>
-              <a:ext uri="{FF2B5EF4-FFF2-40B4-BE49-F238E27FC236}">
-                <a16:creationId xmlns:a16="http://schemas.microsoft.com/office/drawing/2014/main" id="{EDC071E7-5DBC-2A3A-34CD-75E715D0662E}"/>
+          <p:cNvPr id="17" name="Rectangle 16">
+            <a:extLst>
+              <a:ext uri="{FF2B5EF4-FFF2-40B4-BE49-F238E27FC236}">
+                <a16:creationId xmlns:a16="http://schemas.microsoft.com/office/drawing/2014/main" id="{7640ED9B-B87E-5C3A-F9F2-B5221FFBF672}"/>
               </a:ext>
             </a:extLst>
           </p:cNvPr>
@@ -4685,7 +4293,7 @@
         </p:nvSpPr>
         <p:spPr>
           <a:xfrm>
-            <a:off x="2785387" y="3764569"/>
+            <a:off x="7291673" y="1104581"/>
             <a:ext cx="142061" cy="126722"/>
           </a:xfrm>
           <a:prstGeom prst="rect">
@@ -4722,10 +4330,10 @@
       </p:sp>
       <p:sp>
         <p:nvSpPr>
-          <p:cNvPr id="23" name="Rectangle 22">
-            <a:extLst>
-              <a:ext uri="{FF2B5EF4-FFF2-40B4-BE49-F238E27FC236}">
-                <a16:creationId xmlns:a16="http://schemas.microsoft.com/office/drawing/2014/main" id="{A029C7E2-9F91-112E-BCD9-BD5F6994C7AB}"/>
+          <p:cNvPr id="18" name="Rectangle 17">
+            <a:extLst>
+              <a:ext uri="{FF2B5EF4-FFF2-40B4-BE49-F238E27FC236}">
+                <a16:creationId xmlns:a16="http://schemas.microsoft.com/office/drawing/2014/main" id="{8293DFAF-577F-9BA8-1071-5DF7C7C56FDD}"/>
               </a:ext>
             </a:extLst>
           </p:cNvPr>
@@ -4734,8 +4342,129 @@
         </p:nvSpPr>
         <p:spPr>
           <a:xfrm>
-            <a:off x="2782554" y="3853315"/>
-            <a:ext cx="142061" cy="71532"/>
+            <a:off x="7093427" y="1394376"/>
+            <a:ext cx="142061" cy="126722"/>
+          </a:xfrm>
+          <a:prstGeom prst="rect">
+            <a:avLst/>
+          </a:prstGeom>
+          <a:solidFill>
+            <a:schemeClr val="bg1"/>
+          </a:solidFill>
+        </p:spPr>
+        <p:style>
+          <a:lnRef idx="2">
+            <a:schemeClr val="accent6">
+              <a:shade val="50000"/>
+            </a:schemeClr>
+          </a:lnRef>
+          <a:fillRef idx="1">
+            <a:schemeClr val="accent6"/>
+          </a:fillRef>
+          <a:effectRef idx="0">
+            <a:schemeClr val="accent6"/>
+          </a:effectRef>
+          <a:fontRef idx="minor">
+            <a:schemeClr val="lt1"/>
+          </a:fontRef>
+        </p:style>
+        <p:txBody>
+          <a:bodyPr rtlCol="0" anchor="ctr"/>
+          <a:lstStyle/>
+          <a:p>
+            <a:pPr algn="ctr"/>
+            <a:endParaRPr lang="en-US"/>
+          </a:p>
+        </p:txBody>
+      </p:sp>
+      <p:sp>
+        <p:nvSpPr>
+          <p:cNvPr id="2" name="TextBox 1">
+            <a:extLst>
+              <a:ext uri="{FF2B5EF4-FFF2-40B4-BE49-F238E27FC236}">
+                <a16:creationId xmlns:a16="http://schemas.microsoft.com/office/drawing/2014/main" id="{8ED2EC39-5780-4896-C587-D48C46B975E3}"/>
+              </a:ext>
+            </a:extLst>
+          </p:cNvPr>
+          <p:cNvSpPr txBox="1"/>
+          <p:nvPr/>
+        </p:nvSpPr>
+        <p:spPr>
+          <a:xfrm>
+            <a:off x="502458" y="439413"/>
+            <a:ext cx="4634383" cy="523220"/>
+          </a:xfrm>
+          <a:prstGeom prst="rect">
+            <a:avLst/>
+          </a:prstGeom>
+          <a:noFill/>
+        </p:spPr>
+        <p:txBody>
+          <a:bodyPr wrap="square" rtlCol="0">
+            <a:spAutoFit/>
+          </a:bodyPr>
+          <a:lstStyle/>
+          <a:p>
+            <a:pPr algn="ctr"/>
+            <a:r>
+              <a:rPr lang="en-US" sz="2800" i="1" dirty="0"/>
+              <a:t>Say the pump uses diesel.</a:t>
+            </a:r>
+          </a:p>
+        </p:txBody>
+      </p:sp>
+      <p:sp>
+        <p:nvSpPr>
+          <p:cNvPr id="3" name="TextBox 2">
+            <a:extLst>
+              <a:ext uri="{FF2B5EF4-FFF2-40B4-BE49-F238E27FC236}">
+                <a16:creationId xmlns:a16="http://schemas.microsoft.com/office/drawing/2014/main" id="{807C7986-C97E-7089-23D8-5FFC7985C8C8}"/>
+              </a:ext>
+            </a:extLst>
+          </p:cNvPr>
+          <p:cNvSpPr txBox="1"/>
+          <p:nvPr/>
+        </p:nvSpPr>
+        <p:spPr>
+          <a:xfrm>
+            <a:off x="261853" y="2088927"/>
+            <a:ext cx="4634383" cy="1384995"/>
+          </a:xfrm>
+          <a:prstGeom prst="rect">
+            <a:avLst/>
+          </a:prstGeom>
+          <a:noFill/>
+        </p:spPr>
+        <p:txBody>
+          <a:bodyPr wrap="square" rtlCol="0">
+            <a:spAutoFit/>
+          </a:bodyPr>
+          <a:lstStyle/>
+          <a:p>
+            <a:pPr algn="ctr"/>
+            <a:r>
+              <a:rPr lang="en-US" sz="2800" dirty="0"/>
+              <a:t>You will therefore actually need 3 units of diesel to run the pump. </a:t>
+            </a:r>
+          </a:p>
+        </p:txBody>
+      </p:sp>
+      <p:sp>
+        <p:nvSpPr>
+          <p:cNvPr id="21" name="Rectangle 20">
+            <a:extLst>
+              <a:ext uri="{FF2B5EF4-FFF2-40B4-BE49-F238E27FC236}">
+                <a16:creationId xmlns:a16="http://schemas.microsoft.com/office/drawing/2014/main" id="{273B94B4-C584-53A3-2066-E27EE720BE2B}"/>
+              </a:ext>
+            </a:extLst>
+          </p:cNvPr>
+          <p:cNvSpPr/>
+          <p:nvPr/>
+        </p:nvSpPr>
+        <p:spPr>
+          <a:xfrm>
+            <a:off x="8260344" y="1912349"/>
+            <a:ext cx="142061" cy="126722"/>
           </a:xfrm>
           <a:prstGeom prst="rect">
             <a:avLst/>
@@ -4766,138 +4495,536 @@
           </a:p>
         </p:txBody>
       </p:sp>
-      <p:grpSp>
-        <p:nvGrpSpPr>
-          <p:cNvPr id="28" name="Group 27">
-            <a:extLst>
-              <a:ext uri="{FF2B5EF4-FFF2-40B4-BE49-F238E27FC236}">
-                <a16:creationId xmlns:a16="http://schemas.microsoft.com/office/drawing/2014/main" id="{0A261888-782F-28D1-A8FB-41BEA11EAC07}"/>
-              </a:ext>
-            </a:extLst>
-          </p:cNvPr>
-          <p:cNvGrpSpPr/>
+      <p:sp>
+        <p:nvSpPr>
+          <p:cNvPr id="9" name="Rectangle: Top Corners Rounded 8">
+            <a:extLst>
+              <a:ext uri="{FF2B5EF4-FFF2-40B4-BE49-F238E27FC236}">
+                <a16:creationId xmlns:a16="http://schemas.microsoft.com/office/drawing/2014/main" id="{7794CDA2-F6FB-200B-B9A3-D548D4F6AD8B}"/>
+              </a:ext>
+            </a:extLst>
+          </p:cNvPr>
+          <p:cNvSpPr/>
           <p:nvPr/>
-        </p:nvGrpSpPr>
-        <p:grpSpPr>
+        </p:nvSpPr>
+        <p:spPr>
           <a:xfrm>
-            <a:off x="2825076" y="5058823"/>
-            <a:ext cx="98965" cy="92243"/>
-            <a:chOff x="2810500" y="5215223"/>
-            <a:chExt cx="144894" cy="148558"/>
+            <a:off x="6462302" y="2039071"/>
+            <a:ext cx="1375795" cy="1067543"/>
           </a:xfrm>
-        </p:grpSpPr>
-        <p:sp>
-          <p:nvSpPr>
-            <p:cNvPr id="26" name="Rectangle 25">
-              <a:extLst>
-                <a:ext uri="{FF2B5EF4-FFF2-40B4-BE49-F238E27FC236}">
-                  <a16:creationId xmlns:a16="http://schemas.microsoft.com/office/drawing/2014/main" id="{FBDB1AA1-3C6E-2D91-5CD8-3449B22CE56E}"/>
-                </a:ext>
-              </a:extLst>
-            </p:cNvPr>
-            <p:cNvSpPr/>
-            <p:nvPr/>
-          </p:nvSpPr>
-          <p:spPr>
-            <a:xfrm>
-              <a:off x="2813333" y="5215223"/>
-              <a:ext cx="142061" cy="126722"/>
-            </a:xfrm>
-            <a:prstGeom prst="rect">
-              <a:avLst/>
-            </a:prstGeom>
-            <a:solidFill>
-              <a:schemeClr val="bg1"/>
-            </a:solidFill>
-            <a:ln>
-              <a:solidFill>
-                <a:schemeClr val="tx1"/>
-              </a:solidFill>
-            </a:ln>
-          </p:spPr>
-          <p:style>
-            <a:lnRef idx="2">
-              <a:schemeClr val="accent6">
-                <a:shade val="50000"/>
-              </a:schemeClr>
-            </a:lnRef>
-            <a:fillRef idx="1">
-              <a:schemeClr val="accent6"/>
-            </a:fillRef>
-            <a:effectRef idx="0">
-              <a:schemeClr val="accent6"/>
-            </a:effectRef>
-            <a:fontRef idx="minor">
-              <a:schemeClr val="lt1"/>
-            </a:fontRef>
-          </p:style>
-          <p:txBody>
-            <a:bodyPr rtlCol="0" anchor="ctr"/>
-            <a:lstStyle/>
-            <a:p>
-              <a:pPr algn="ctr"/>
-              <a:endParaRPr lang="en-US"/>
-            </a:p>
-          </p:txBody>
-        </p:sp>
-        <p:sp>
-          <p:nvSpPr>
-            <p:cNvPr id="27" name="Rectangle 26">
-              <a:extLst>
-                <a:ext uri="{FF2B5EF4-FFF2-40B4-BE49-F238E27FC236}">
-                  <a16:creationId xmlns:a16="http://schemas.microsoft.com/office/drawing/2014/main" id="{4077885F-CF1D-00A9-D423-A36C61A82A7F}"/>
-                </a:ext>
-              </a:extLst>
-            </p:cNvPr>
-            <p:cNvSpPr/>
-            <p:nvPr/>
-          </p:nvSpPr>
-          <p:spPr>
-            <a:xfrm>
-              <a:off x="2810500" y="5248578"/>
-              <a:ext cx="142061" cy="115203"/>
-            </a:xfrm>
-            <a:prstGeom prst="rect">
-              <a:avLst/>
-            </a:prstGeom>
-            <a:ln>
-              <a:solidFill>
-                <a:schemeClr val="tx1"/>
-              </a:solidFill>
-            </a:ln>
-          </p:spPr>
-          <p:style>
-            <a:lnRef idx="2">
-              <a:schemeClr val="accent6">
-                <a:shade val="50000"/>
-              </a:schemeClr>
-            </a:lnRef>
-            <a:fillRef idx="1">
-              <a:schemeClr val="accent6"/>
-            </a:fillRef>
-            <a:effectRef idx="0">
-              <a:schemeClr val="accent6"/>
-            </a:effectRef>
-            <a:fontRef idx="minor">
-              <a:schemeClr val="lt1"/>
-            </a:fontRef>
-          </p:style>
-          <p:txBody>
-            <a:bodyPr rtlCol="0" anchor="ctr"/>
-            <a:lstStyle/>
-            <a:p>
-              <a:pPr algn="ctr"/>
-              <a:endParaRPr lang="en-US"/>
-            </a:p>
-          </p:txBody>
-        </p:sp>
-      </p:grpSp>
-      <p:sp>
-        <p:nvSpPr>
-          <p:cNvPr id="30" name="TextBox 29">
-            <a:extLst>
-              <a:ext uri="{FF2B5EF4-FFF2-40B4-BE49-F238E27FC236}">
-                <a16:creationId xmlns:a16="http://schemas.microsoft.com/office/drawing/2014/main" id="{DD3D64C3-727A-B53C-2FEA-4CE0ECCD4E0A}"/>
+          <a:prstGeom prst="round2SameRect">
+            <a:avLst/>
+          </a:prstGeom>
+        </p:spPr>
+        <p:style>
+          <a:lnRef idx="2">
+            <a:schemeClr val="accent2">
+              <a:shade val="50000"/>
+            </a:schemeClr>
+          </a:lnRef>
+          <a:fillRef idx="1">
+            <a:schemeClr val="accent2"/>
+          </a:fillRef>
+          <a:effectRef idx="0">
+            <a:schemeClr val="accent2"/>
+          </a:effectRef>
+          <a:fontRef idx="minor">
+            <a:schemeClr val="lt1"/>
+          </a:fontRef>
+        </p:style>
+        <p:txBody>
+          <a:bodyPr rtlCol="0" anchor="ctr"/>
+          <a:lstStyle/>
+          <a:p>
+            <a:pPr algn="ctr"/>
+            <a:endParaRPr lang="en-US"/>
+          </a:p>
+        </p:txBody>
+      </p:sp>
+      <p:sp>
+        <p:nvSpPr>
+          <p:cNvPr id="22" name="Rectangle 21">
+            <a:extLst>
+              <a:ext uri="{FF2B5EF4-FFF2-40B4-BE49-F238E27FC236}">
+                <a16:creationId xmlns:a16="http://schemas.microsoft.com/office/drawing/2014/main" id="{0AC3551A-8361-C3A0-DB98-229F8215A00C}"/>
+              </a:ext>
+            </a:extLst>
+          </p:cNvPr>
+          <p:cNvSpPr/>
+          <p:nvPr/>
+        </p:nvSpPr>
+        <p:spPr>
+          <a:xfrm>
+            <a:off x="6866649" y="2411242"/>
+            <a:ext cx="142061" cy="126722"/>
+          </a:xfrm>
+          <a:prstGeom prst="rect">
+            <a:avLst/>
+          </a:prstGeom>
+          <a:solidFill>
+            <a:schemeClr val="bg1"/>
+          </a:solidFill>
+        </p:spPr>
+        <p:style>
+          <a:lnRef idx="2">
+            <a:schemeClr val="accent6">
+              <a:shade val="50000"/>
+            </a:schemeClr>
+          </a:lnRef>
+          <a:fillRef idx="1">
+            <a:schemeClr val="accent6"/>
+          </a:fillRef>
+          <a:effectRef idx="0">
+            <a:schemeClr val="accent6"/>
+          </a:effectRef>
+          <a:fontRef idx="minor">
+            <a:schemeClr val="lt1"/>
+          </a:fontRef>
+        </p:style>
+        <p:txBody>
+          <a:bodyPr rtlCol="0" anchor="ctr"/>
+          <a:lstStyle/>
+          <a:p>
+            <a:pPr algn="ctr"/>
+            <a:endParaRPr lang="en-US"/>
+          </a:p>
+        </p:txBody>
+      </p:sp>
+      <p:sp>
+        <p:nvSpPr>
+          <p:cNvPr id="24" name="Rectangle 23">
+            <a:extLst>
+              <a:ext uri="{FF2B5EF4-FFF2-40B4-BE49-F238E27FC236}">
+                <a16:creationId xmlns:a16="http://schemas.microsoft.com/office/drawing/2014/main" id="{D35BFFB4-62D0-8AE0-C13A-B02ED3E62F52}"/>
+              </a:ext>
+            </a:extLst>
+          </p:cNvPr>
+          <p:cNvSpPr/>
+          <p:nvPr/>
+        </p:nvSpPr>
+        <p:spPr>
+          <a:xfrm>
+            <a:off x="7291673" y="2411242"/>
+            <a:ext cx="142061" cy="126722"/>
+          </a:xfrm>
+          <a:prstGeom prst="rect">
+            <a:avLst/>
+          </a:prstGeom>
+          <a:solidFill>
+            <a:schemeClr val="bg1"/>
+          </a:solidFill>
+        </p:spPr>
+        <p:style>
+          <a:lnRef idx="2">
+            <a:schemeClr val="accent6">
+              <a:shade val="50000"/>
+            </a:schemeClr>
+          </a:lnRef>
+          <a:fillRef idx="1">
+            <a:schemeClr val="accent6"/>
+          </a:fillRef>
+          <a:effectRef idx="0">
+            <a:schemeClr val="accent6"/>
+          </a:effectRef>
+          <a:fontRef idx="minor">
+            <a:schemeClr val="lt1"/>
+          </a:fontRef>
+        </p:style>
+        <p:txBody>
+          <a:bodyPr rtlCol="0" anchor="ctr"/>
+          <a:lstStyle/>
+          <a:p>
+            <a:pPr algn="ctr"/>
+            <a:endParaRPr lang="en-US"/>
+          </a:p>
+        </p:txBody>
+      </p:sp>
+      <p:sp>
+        <p:nvSpPr>
+          <p:cNvPr id="26" name="Rectangle 25">
+            <a:extLst>
+              <a:ext uri="{FF2B5EF4-FFF2-40B4-BE49-F238E27FC236}">
+                <a16:creationId xmlns:a16="http://schemas.microsoft.com/office/drawing/2014/main" id="{AC3459C3-27A5-F24B-0706-024D51E6D53E}"/>
+              </a:ext>
+            </a:extLst>
+          </p:cNvPr>
+          <p:cNvSpPr/>
+          <p:nvPr/>
+        </p:nvSpPr>
+        <p:spPr>
+          <a:xfrm>
+            <a:off x="7093427" y="2701037"/>
+            <a:ext cx="142061" cy="126722"/>
+          </a:xfrm>
+          <a:prstGeom prst="rect">
+            <a:avLst/>
+          </a:prstGeom>
+          <a:solidFill>
+            <a:schemeClr val="accent6"/>
+          </a:solidFill>
+        </p:spPr>
+        <p:style>
+          <a:lnRef idx="2">
+            <a:schemeClr val="accent6">
+              <a:shade val="50000"/>
+            </a:schemeClr>
+          </a:lnRef>
+          <a:fillRef idx="1">
+            <a:schemeClr val="accent6"/>
+          </a:fillRef>
+          <a:effectRef idx="0">
+            <a:schemeClr val="accent6"/>
+          </a:effectRef>
+          <a:fontRef idx="minor">
+            <a:schemeClr val="lt1"/>
+          </a:fontRef>
+        </p:style>
+        <p:txBody>
+          <a:bodyPr rtlCol="0" anchor="ctr"/>
+          <a:lstStyle/>
+          <a:p>
+            <a:pPr algn="ctr"/>
+            <a:endParaRPr lang="en-US"/>
+          </a:p>
+        </p:txBody>
+      </p:sp>
+      <p:sp>
+        <p:nvSpPr>
+          <p:cNvPr id="27" name="Rectangle: Top Corners Rounded 26">
+            <a:extLst>
+              <a:ext uri="{FF2B5EF4-FFF2-40B4-BE49-F238E27FC236}">
+                <a16:creationId xmlns:a16="http://schemas.microsoft.com/office/drawing/2014/main" id="{78597618-615C-1621-8057-EFD9EF1B2F33}"/>
+              </a:ext>
+            </a:extLst>
+          </p:cNvPr>
+          <p:cNvSpPr/>
+          <p:nvPr/>
+        </p:nvSpPr>
+        <p:spPr>
+          <a:xfrm>
+            <a:off x="6464616" y="3378367"/>
+            <a:ext cx="1375795" cy="1067543"/>
+          </a:xfrm>
+          <a:prstGeom prst="round2SameRect">
+            <a:avLst/>
+          </a:prstGeom>
+        </p:spPr>
+        <p:style>
+          <a:lnRef idx="2">
+            <a:schemeClr val="accent2">
+              <a:shade val="50000"/>
+            </a:schemeClr>
+          </a:lnRef>
+          <a:fillRef idx="1">
+            <a:schemeClr val="accent2"/>
+          </a:fillRef>
+          <a:effectRef idx="0">
+            <a:schemeClr val="accent2"/>
+          </a:effectRef>
+          <a:fontRef idx="minor">
+            <a:schemeClr val="lt1"/>
+          </a:fontRef>
+        </p:style>
+        <p:txBody>
+          <a:bodyPr rtlCol="0" anchor="ctr"/>
+          <a:lstStyle/>
+          <a:p>
+            <a:pPr algn="ctr"/>
+            <a:endParaRPr lang="en-US"/>
+          </a:p>
+        </p:txBody>
+      </p:sp>
+      <p:sp>
+        <p:nvSpPr>
+          <p:cNvPr id="29" name="Rectangle 28">
+            <a:extLst>
+              <a:ext uri="{FF2B5EF4-FFF2-40B4-BE49-F238E27FC236}">
+                <a16:creationId xmlns:a16="http://schemas.microsoft.com/office/drawing/2014/main" id="{70B86746-FDA2-CB49-B94E-9C0214CEB2A0}"/>
+              </a:ext>
+            </a:extLst>
+          </p:cNvPr>
+          <p:cNvSpPr/>
+          <p:nvPr/>
+        </p:nvSpPr>
+        <p:spPr>
+          <a:xfrm>
+            <a:off x="6868963" y="3750538"/>
+            <a:ext cx="142061" cy="126722"/>
+          </a:xfrm>
+          <a:prstGeom prst="rect">
+            <a:avLst/>
+          </a:prstGeom>
+          <a:solidFill>
+            <a:schemeClr val="bg1"/>
+          </a:solidFill>
+        </p:spPr>
+        <p:style>
+          <a:lnRef idx="2">
+            <a:schemeClr val="accent6">
+              <a:shade val="50000"/>
+            </a:schemeClr>
+          </a:lnRef>
+          <a:fillRef idx="1">
+            <a:schemeClr val="accent6"/>
+          </a:fillRef>
+          <a:effectRef idx="0">
+            <a:schemeClr val="accent6"/>
+          </a:effectRef>
+          <a:fontRef idx="minor">
+            <a:schemeClr val="lt1"/>
+          </a:fontRef>
+        </p:style>
+        <p:txBody>
+          <a:bodyPr rtlCol="0" anchor="ctr"/>
+          <a:lstStyle/>
+          <a:p>
+            <a:pPr algn="ctr"/>
+            <a:endParaRPr lang="en-US"/>
+          </a:p>
+        </p:txBody>
+      </p:sp>
+      <p:sp>
+        <p:nvSpPr>
+          <p:cNvPr id="30" name="Rectangle 29">
+            <a:extLst>
+              <a:ext uri="{FF2B5EF4-FFF2-40B4-BE49-F238E27FC236}">
+                <a16:creationId xmlns:a16="http://schemas.microsoft.com/office/drawing/2014/main" id="{6442A2E0-B241-7868-C30D-522586AA10B4}"/>
+              </a:ext>
+            </a:extLst>
+          </p:cNvPr>
+          <p:cNvSpPr/>
+          <p:nvPr/>
+        </p:nvSpPr>
+        <p:spPr>
+          <a:xfrm>
+            <a:off x="7293987" y="3750538"/>
+            <a:ext cx="142061" cy="126722"/>
+          </a:xfrm>
+          <a:prstGeom prst="rect">
+            <a:avLst/>
+          </a:prstGeom>
+          <a:solidFill>
+            <a:schemeClr val="bg1"/>
+          </a:solidFill>
+        </p:spPr>
+        <p:style>
+          <a:lnRef idx="2">
+            <a:schemeClr val="accent6">
+              <a:shade val="50000"/>
+            </a:schemeClr>
+          </a:lnRef>
+          <a:fillRef idx="1">
+            <a:schemeClr val="accent6"/>
+          </a:fillRef>
+          <a:effectRef idx="0">
+            <a:schemeClr val="accent6"/>
+          </a:effectRef>
+          <a:fontRef idx="minor">
+            <a:schemeClr val="lt1"/>
+          </a:fontRef>
+        </p:style>
+        <p:txBody>
+          <a:bodyPr rtlCol="0" anchor="ctr"/>
+          <a:lstStyle/>
+          <a:p>
+            <a:pPr algn="ctr"/>
+            <a:endParaRPr lang="en-US"/>
+          </a:p>
+        </p:txBody>
+      </p:sp>
+      <p:sp>
+        <p:nvSpPr>
+          <p:cNvPr id="31" name="Rectangle 30">
+            <a:extLst>
+              <a:ext uri="{FF2B5EF4-FFF2-40B4-BE49-F238E27FC236}">
+                <a16:creationId xmlns:a16="http://schemas.microsoft.com/office/drawing/2014/main" id="{1AEB48C7-6EF5-85CB-9165-E37674A76AB7}"/>
+              </a:ext>
+            </a:extLst>
+          </p:cNvPr>
+          <p:cNvSpPr/>
+          <p:nvPr/>
+        </p:nvSpPr>
+        <p:spPr>
+          <a:xfrm>
+            <a:off x="7095741" y="4040333"/>
+            <a:ext cx="142061" cy="126722"/>
+          </a:xfrm>
+          <a:prstGeom prst="rect">
+            <a:avLst/>
+          </a:prstGeom>
+          <a:solidFill>
+            <a:schemeClr val="accent6"/>
+          </a:solidFill>
+        </p:spPr>
+        <p:style>
+          <a:lnRef idx="2">
+            <a:schemeClr val="accent6">
+              <a:shade val="50000"/>
+            </a:schemeClr>
+          </a:lnRef>
+          <a:fillRef idx="1">
+            <a:schemeClr val="accent6"/>
+          </a:fillRef>
+          <a:effectRef idx="0">
+            <a:schemeClr val="accent6"/>
+          </a:effectRef>
+          <a:fontRef idx="minor">
+            <a:schemeClr val="lt1"/>
+          </a:fontRef>
+        </p:style>
+        <p:txBody>
+          <a:bodyPr rtlCol="0" anchor="ctr"/>
+          <a:lstStyle/>
+          <a:p>
+            <a:pPr algn="ctr"/>
+            <a:endParaRPr lang="en-US"/>
+          </a:p>
+        </p:txBody>
+      </p:sp>
+      <p:sp>
+        <p:nvSpPr>
+          <p:cNvPr id="32" name="Rectangle 31">
+            <a:extLst>
+              <a:ext uri="{FF2B5EF4-FFF2-40B4-BE49-F238E27FC236}">
+                <a16:creationId xmlns:a16="http://schemas.microsoft.com/office/drawing/2014/main" id="{34ADCD22-39EA-95E7-0DE1-A415013AF1B9}"/>
+              </a:ext>
+            </a:extLst>
+          </p:cNvPr>
+          <p:cNvSpPr/>
+          <p:nvPr/>
+        </p:nvSpPr>
+        <p:spPr>
+          <a:xfrm>
+            <a:off x="8475054" y="2202144"/>
+            <a:ext cx="142061" cy="126722"/>
+          </a:xfrm>
+          <a:prstGeom prst="rect">
+            <a:avLst/>
+          </a:prstGeom>
+        </p:spPr>
+        <p:style>
+          <a:lnRef idx="2">
+            <a:schemeClr val="accent6">
+              <a:shade val="50000"/>
+            </a:schemeClr>
+          </a:lnRef>
+          <a:fillRef idx="1">
+            <a:schemeClr val="accent6"/>
+          </a:fillRef>
+          <a:effectRef idx="0">
+            <a:schemeClr val="accent6"/>
+          </a:effectRef>
+          <a:fontRef idx="minor">
+            <a:schemeClr val="lt1"/>
+          </a:fontRef>
+        </p:style>
+        <p:txBody>
+          <a:bodyPr rtlCol="0" anchor="ctr"/>
+          <a:lstStyle/>
+          <a:p>
+            <a:pPr algn="ctr"/>
+            <a:endParaRPr lang="en-US"/>
+          </a:p>
+        </p:txBody>
+      </p:sp>
+      <p:sp>
+        <p:nvSpPr>
+          <p:cNvPr id="33" name="Rectangle 32">
+            <a:extLst>
+              <a:ext uri="{FF2B5EF4-FFF2-40B4-BE49-F238E27FC236}">
+                <a16:creationId xmlns:a16="http://schemas.microsoft.com/office/drawing/2014/main" id="{DAB563DC-94A1-6EF5-4DEC-ABF7AAFB861C}"/>
+              </a:ext>
+            </a:extLst>
+          </p:cNvPr>
+          <p:cNvSpPr/>
+          <p:nvPr/>
+        </p:nvSpPr>
+        <p:spPr>
+          <a:xfrm>
+            <a:off x="8692351" y="1907562"/>
+            <a:ext cx="142061" cy="126722"/>
+          </a:xfrm>
+          <a:prstGeom prst="rect">
+            <a:avLst/>
+          </a:prstGeom>
+        </p:spPr>
+        <p:style>
+          <a:lnRef idx="2">
+            <a:schemeClr val="accent6">
+              <a:shade val="50000"/>
+            </a:schemeClr>
+          </a:lnRef>
+          <a:fillRef idx="1">
+            <a:schemeClr val="accent6"/>
+          </a:fillRef>
+          <a:effectRef idx="0">
+            <a:schemeClr val="accent6"/>
+          </a:effectRef>
+          <a:fontRef idx="minor">
+            <a:schemeClr val="lt1"/>
+          </a:fontRef>
+        </p:style>
+        <p:txBody>
+          <a:bodyPr rtlCol="0" anchor="ctr"/>
+          <a:lstStyle/>
+          <a:p>
+            <a:pPr algn="ctr"/>
+            <a:endParaRPr lang="en-US"/>
+          </a:p>
+        </p:txBody>
+      </p:sp>
+      <p:sp>
+        <p:nvSpPr>
+          <p:cNvPr id="39" name="Rectangle 38">
+            <a:extLst>
+              <a:ext uri="{FF2B5EF4-FFF2-40B4-BE49-F238E27FC236}">
+                <a16:creationId xmlns:a16="http://schemas.microsoft.com/office/drawing/2014/main" id="{71B58748-CF19-5B3F-0475-EAFDFA21C315}"/>
+              </a:ext>
+            </a:extLst>
+          </p:cNvPr>
+          <p:cNvSpPr/>
+          <p:nvPr/>
+        </p:nvSpPr>
+        <p:spPr>
+          <a:xfrm>
+            <a:off x="7093427" y="1401865"/>
+            <a:ext cx="142061" cy="126722"/>
+          </a:xfrm>
+          <a:prstGeom prst="rect">
+            <a:avLst/>
+          </a:prstGeom>
+        </p:spPr>
+        <p:style>
+          <a:lnRef idx="2">
+            <a:schemeClr val="accent6">
+              <a:shade val="50000"/>
+            </a:schemeClr>
+          </a:lnRef>
+          <a:fillRef idx="1">
+            <a:schemeClr val="accent6"/>
+          </a:fillRef>
+          <a:effectRef idx="0">
+            <a:schemeClr val="accent6"/>
+          </a:effectRef>
+          <a:fontRef idx="minor">
+            <a:schemeClr val="lt1"/>
+          </a:fontRef>
+        </p:style>
+        <p:txBody>
+          <a:bodyPr rtlCol="0" anchor="ctr"/>
+          <a:lstStyle/>
+          <a:p>
+            <a:pPr algn="ctr"/>
+            <a:endParaRPr lang="en-US"/>
+          </a:p>
+        </p:txBody>
+      </p:sp>
+      <p:sp>
+        <p:nvSpPr>
+          <p:cNvPr id="19" name="TextBox 18">
+            <a:extLst>
+              <a:ext uri="{FF2B5EF4-FFF2-40B4-BE49-F238E27FC236}">
+                <a16:creationId xmlns:a16="http://schemas.microsoft.com/office/drawing/2014/main" id="{D06948E1-EA55-1B13-85BF-B628BE910C83}"/>
               </a:ext>
             </a:extLst>
           </p:cNvPr>
@@ -4906,8 +5033,8 @@
         </p:nvSpPr>
         <p:spPr>
           <a:xfrm>
-            <a:off x="3813002" y="1768961"/>
-            <a:ext cx="2460753" cy="923330"/>
+            <a:off x="416896" y="3877260"/>
+            <a:ext cx="4634383" cy="1815882"/>
           </a:xfrm>
           <a:prstGeom prst="rect">
             <a:avLst/>
@@ -4920,79 +5047,10 @@
           </a:bodyPr>
           <a:lstStyle/>
           <a:p>
+            <a:pPr algn="ctr"/>
             <a:r>
-              <a:rPr lang="en-US" dirty="0"/>
-              <a:t>Diesel contains the most energy per unit, and is 30% efficient.</a:t>
-            </a:r>
-          </a:p>
-        </p:txBody>
-      </p:sp>
-      <p:sp>
-        <p:nvSpPr>
-          <p:cNvPr id="31" name="TextBox 30">
-            <a:extLst>
-              <a:ext uri="{FF2B5EF4-FFF2-40B4-BE49-F238E27FC236}">
-                <a16:creationId xmlns:a16="http://schemas.microsoft.com/office/drawing/2014/main" id="{601EECA5-1652-7516-BA89-47D3A2153BC1}"/>
-              </a:ext>
-            </a:extLst>
-          </p:cNvPr>
-          <p:cNvSpPr txBox="1"/>
-          <p:nvPr/>
-        </p:nvSpPr>
-        <p:spPr>
-          <a:xfrm>
-            <a:off x="3678693" y="3174709"/>
-            <a:ext cx="2460753" cy="923330"/>
-          </a:xfrm>
-          <a:prstGeom prst="rect">
-            <a:avLst/>
-          </a:prstGeom>
-          <a:noFill/>
-        </p:spPr>
-        <p:txBody>
-          <a:bodyPr wrap="square" rtlCol="0">
-            <a:spAutoFit/>
-          </a:bodyPr>
-          <a:lstStyle/>
-          <a:p>
-            <a:r>
-              <a:rPr lang="en-US" dirty="0"/>
-              <a:t>Gasoline contains less energy per unit, and is only 25% efficient.</a:t>
-            </a:r>
-          </a:p>
-        </p:txBody>
-      </p:sp>
-      <p:sp>
-        <p:nvSpPr>
-          <p:cNvPr id="32" name="TextBox 31">
-            <a:extLst>
-              <a:ext uri="{FF2B5EF4-FFF2-40B4-BE49-F238E27FC236}">
-                <a16:creationId xmlns:a16="http://schemas.microsoft.com/office/drawing/2014/main" id="{CBD9064D-3032-08D7-6711-158A31DFB344}"/>
-              </a:ext>
-            </a:extLst>
-          </p:cNvPr>
-          <p:cNvSpPr txBox="1"/>
-          <p:nvPr/>
-        </p:nvSpPr>
-        <p:spPr>
-          <a:xfrm>
-            <a:off x="3678693" y="4587849"/>
-            <a:ext cx="2460753" cy="1200329"/>
-          </a:xfrm>
-          <a:prstGeom prst="rect">
-            <a:avLst/>
-          </a:prstGeom>
-          <a:noFill/>
-        </p:spPr>
-        <p:txBody>
-          <a:bodyPr wrap="square" rtlCol="0">
-            <a:spAutoFit/>
-          </a:bodyPr>
-          <a:lstStyle/>
-          <a:p>
-            <a:r>
-              <a:rPr lang="en-US" dirty="0"/>
-              <a:t>Electricity contains a small amount of energy per unit, but is 90% efficient.</a:t>
+              <a:rPr lang="en-US" sz="2800" dirty="0"/>
+              <a:t>This translates to needing 9 units of energy for this pump, when you are using diesel to power it. </a:t>
             </a:r>
           </a:p>
         </p:txBody>
@@ -5000,7 +5058,7 @@
     </p:spTree>
     <p:extLst>
       <p:ext uri="{BB962C8B-B14F-4D97-AF65-F5344CB8AC3E}">
-        <p14:creationId xmlns:p14="http://schemas.microsoft.com/office/powerpoint/2010/main" val="1615860687"/>
+        <p14:creationId xmlns:p14="http://schemas.microsoft.com/office/powerpoint/2010/main" val="3364723588"/>
       </p:ext>
     </p:extLst>
   </p:cSld>
@@ -5027,52 +5085,231 @@
           <a:chExt cx="0" cy="0"/>
         </a:xfrm>
       </p:grpSpPr>
-      <p:pic>
-        <p:nvPicPr>
-          <p:cNvPr id="5" name="Picture 4">
-            <a:extLst>
-              <a:ext uri="{FF2B5EF4-FFF2-40B4-BE49-F238E27FC236}">
-                <a16:creationId xmlns:a16="http://schemas.microsoft.com/office/drawing/2014/main" id="{FECB5824-0EF7-AE2B-536B-36BC46CB2619}"/>
-              </a:ext>
-            </a:extLst>
-          </p:cNvPr>
-          <p:cNvPicPr>
-            <a:picLocks noChangeAspect="1"/>
-          </p:cNvPicPr>
+      <p:graphicFrame>
+        <p:nvGraphicFramePr>
+          <p:cNvPr id="4" name="Table 4">
+            <a:extLst>
+              <a:ext uri="{FF2B5EF4-FFF2-40B4-BE49-F238E27FC236}">
+                <a16:creationId xmlns:a16="http://schemas.microsoft.com/office/drawing/2014/main" id="{E74CF41D-972B-EFA0-6089-DDCEA5FC7137}"/>
+              </a:ext>
+            </a:extLst>
+          </p:cNvPr>
+          <p:cNvGraphicFramePr>
+            <a:graphicFrameLocks noGrp="1"/>
+          </p:cNvGraphicFramePr>
+          <p:nvPr>
+            <p:extLst>
+              <p:ext uri="{D42A27DB-BD31-4B8C-83A1-F6EECF244321}">
+                <p14:modId xmlns:p14="http://schemas.microsoft.com/office/powerpoint/2010/main" val="3996188539"/>
+              </p:ext>
+            </p:extLst>
+          </p:nvPr>
+        </p:nvGraphicFramePr>
+        <p:xfrm>
+          <a:off x="2032000" y="1147504"/>
+          <a:ext cx="8127999" cy="1554480"/>
+        </p:xfrm>
+        <a:graphic>
+          <a:graphicData uri="http://schemas.openxmlformats.org/drawingml/2006/table">
+            <a:tbl>
+              <a:tblPr firstRow="1" bandRow="1">
+                <a:tableStyleId>{5C22544A-7EE6-4342-B048-85BDC9FD1C3A}</a:tableStyleId>
+              </a:tblPr>
+              <a:tblGrid>
+                <a:gridCol w="2709333">
+                  <a:extLst>
+                    <a:ext uri="{9D8B030D-6E8A-4147-A177-3AD203B41FA5}">
+                      <a16:colId xmlns:a16="http://schemas.microsoft.com/office/drawing/2014/main" val="3650148558"/>
+                    </a:ext>
+                  </a:extLst>
+                </a:gridCol>
+                <a:gridCol w="2709333">
+                  <a:extLst>
+                    <a:ext uri="{9D8B030D-6E8A-4147-A177-3AD203B41FA5}">
+                      <a16:colId xmlns:a16="http://schemas.microsoft.com/office/drawing/2014/main" val="3171507288"/>
+                    </a:ext>
+                  </a:extLst>
+                </a:gridCol>
+                <a:gridCol w="2709333">
+                  <a:extLst>
+                    <a:ext uri="{9D8B030D-6E8A-4147-A177-3AD203B41FA5}">
+                      <a16:colId xmlns:a16="http://schemas.microsoft.com/office/drawing/2014/main" val="2069442028"/>
+                    </a:ext>
+                  </a:extLst>
+                </a:gridCol>
+              </a:tblGrid>
+              <a:tr h="370840">
+                <a:tc>
+                  <a:txBody>
+                    <a:bodyPr/>
+                    <a:lstStyle/>
+                    <a:p>
+                      <a:pPr algn="ctr"/>
+                      <a:r>
+                        <a:rPr lang="en-US" sz="2800" dirty="0"/>
+                        <a:t>Methodology</a:t>
+                      </a:r>
+                    </a:p>
+                  </a:txBody>
+                  <a:tcPr/>
+                </a:tc>
+                <a:tc>
+                  <a:txBody>
+                    <a:bodyPr/>
+                    <a:lstStyle/>
+                    <a:p>
+                      <a:pPr algn="ctr"/>
+                      <a:r>
+                        <a:rPr lang="en-US" sz="2800" dirty="0"/>
+                        <a:t>Energy use</a:t>
+                      </a:r>
+                    </a:p>
+                  </a:txBody>
+                  <a:tcPr/>
+                </a:tc>
+                <a:tc>
+                  <a:txBody>
+                    <a:bodyPr/>
+                    <a:lstStyle/>
+                    <a:p>
+                      <a:pPr algn="ctr"/>
+                      <a:r>
+                        <a:rPr lang="en-US" sz="2800" dirty="0"/>
+                        <a:t>Diesel use</a:t>
+                      </a:r>
+                    </a:p>
+                  </a:txBody>
+                  <a:tcPr/>
+                </a:tc>
+                <a:extLst>
+                  <a:ext uri="{0D108BD9-81ED-4DB2-BD59-A6C34878D82A}">
+                    <a16:rowId xmlns:a16="http://schemas.microsoft.com/office/drawing/2014/main" val="994233569"/>
+                  </a:ext>
+                </a:extLst>
+              </a:tr>
+              <a:tr h="370840">
+                <a:tc>
+                  <a:txBody>
+                    <a:bodyPr/>
+                    <a:lstStyle/>
+                    <a:p>
+                      <a:pPr algn="ctr"/>
+                      <a:r>
+                        <a:rPr lang="en-US" sz="2800" dirty="0"/>
+                        <a:t>FTM</a:t>
+                      </a:r>
+                    </a:p>
+                  </a:txBody>
+                  <a:tcPr/>
+                </a:tc>
+                <a:tc>
+                  <a:txBody>
+                    <a:bodyPr/>
+                    <a:lstStyle/>
+                    <a:p>
+                      <a:pPr algn="ctr"/>
+                      <a:r>
+                        <a:rPr lang="en-US" sz="2800" dirty="0"/>
+                        <a:t>3 units</a:t>
+                      </a:r>
+                    </a:p>
+                  </a:txBody>
+                  <a:tcPr/>
+                </a:tc>
+                <a:tc>
+                  <a:txBody>
+                    <a:bodyPr/>
+                    <a:lstStyle/>
+                    <a:p>
+                      <a:pPr algn="ctr"/>
+                      <a:r>
+                        <a:rPr lang="en-US" sz="2800" dirty="0"/>
+                        <a:t>1 unit</a:t>
+                      </a:r>
+                    </a:p>
+                  </a:txBody>
+                  <a:tcPr/>
+                </a:tc>
+                <a:extLst>
+                  <a:ext uri="{0D108BD9-81ED-4DB2-BD59-A6C34878D82A}">
+                    <a16:rowId xmlns:a16="http://schemas.microsoft.com/office/drawing/2014/main" val="2448194996"/>
+                  </a:ext>
+                </a:extLst>
+              </a:tr>
+              <a:tr h="370840">
+                <a:tc>
+                  <a:txBody>
+                    <a:bodyPr/>
+                    <a:lstStyle/>
+                    <a:p>
+                      <a:pPr algn="ctr"/>
+                      <a:r>
+                        <a:rPr lang="en-US" sz="2800"/>
+                        <a:t>NRCS</a:t>
+                      </a:r>
+                      <a:r>
+                        <a:rPr lang="en-US" sz="2800" baseline="30000"/>
+                        <a:t>1</a:t>
+                      </a:r>
+                      <a:endParaRPr lang="en-US" sz="2800" dirty="0"/>
+                    </a:p>
+                  </a:txBody>
+                  <a:tcPr/>
+                </a:tc>
+                <a:tc>
+                  <a:txBody>
+                    <a:bodyPr/>
+                    <a:lstStyle/>
+                    <a:p>
+                      <a:pPr algn="ctr"/>
+                      <a:r>
+                        <a:rPr lang="en-US" sz="2800" dirty="0"/>
+                        <a:t>9 units</a:t>
+                      </a:r>
+                    </a:p>
+                  </a:txBody>
+                  <a:tcPr/>
+                </a:tc>
+                <a:tc>
+                  <a:txBody>
+                    <a:bodyPr/>
+                    <a:lstStyle/>
+                    <a:p>
+                      <a:pPr algn="ctr"/>
+                      <a:r>
+                        <a:rPr lang="en-US" sz="2800" dirty="0"/>
+                        <a:t>3 units</a:t>
+                      </a:r>
+                    </a:p>
+                  </a:txBody>
+                  <a:tcPr/>
+                </a:tc>
+                <a:extLst>
+                  <a:ext uri="{0D108BD9-81ED-4DB2-BD59-A6C34878D82A}">
+                    <a16:rowId xmlns:a16="http://schemas.microsoft.com/office/drawing/2014/main" val="4267585830"/>
+                  </a:ext>
+                </a:extLst>
+              </a:tr>
+            </a:tbl>
+          </a:graphicData>
+        </a:graphic>
+      </p:graphicFrame>
+      <p:sp>
+        <p:nvSpPr>
+          <p:cNvPr id="3" name="TextBox 2">
+            <a:extLst>
+              <a:ext uri="{FF2B5EF4-FFF2-40B4-BE49-F238E27FC236}">
+                <a16:creationId xmlns:a16="http://schemas.microsoft.com/office/drawing/2014/main" id="{7E628DE4-A7A5-0B13-ACD6-9152C95AEFB1}"/>
+              </a:ext>
+            </a:extLst>
+          </p:cNvPr>
+          <p:cNvSpPr txBox="1"/>
           <p:nvPr/>
-        </p:nvPicPr>
-        <p:blipFill>
-          <a:blip r:embed="rId2"/>
-          <a:stretch>
-            <a:fillRect/>
-          </a:stretch>
-        </p:blipFill>
+        </p:nvSpPr>
         <p:spPr>
           <a:xfrm>
-            <a:off x="2007284" y="2436477"/>
-            <a:ext cx="7557156" cy="1732851"/>
-          </a:xfrm>
-          <a:prstGeom prst="rect">
-            <a:avLst/>
-          </a:prstGeom>
-        </p:spPr>
-      </p:pic>
-      <p:sp>
-        <p:nvSpPr>
-          <p:cNvPr id="6" name="TextBox 5">
-            <a:extLst>
-              <a:ext uri="{FF2B5EF4-FFF2-40B4-BE49-F238E27FC236}">
-                <a16:creationId xmlns:a16="http://schemas.microsoft.com/office/drawing/2014/main" id="{DF0A740D-570C-05DE-7C94-DD6FF77FAA54}"/>
-              </a:ext>
-            </a:extLst>
-          </p:cNvPr>
-          <p:cNvSpPr txBox="1"/>
-          <p:nvPr/>
-        </p:nvSpPr>
-        <p:spPr>
-          <a:xfrm>
-            <a:off x="502458" y="439412"/>
-            <a:ext cx="6510738" cy="954107"/>
+            <a:off x="2032000" y="2927649"/>
+            <a:ext cx="6094602" cy="369332"/>
           </a:xfrm>
           <a:prstGeom prst="rect">
             <a:avLst/>
@@ -5080,15 +5317,18 @@
           <a:noFill/>
         </p:spPr>
         <p:txBody>
-          <a:bodyPr wrap="square" rtlCol="0">
+          <a:bodyPr wrap="square">
             <a:spAutoFit/>
           </a:bodyPr>
           <a:lstStyle/>
           <a:p>
-            <a:pPr algn="ctr"/>
             <a:r>
-              <a:rPr lang="en-US" sz="2800" i="1" dirty="0"/>
-              <a:t>The energy used for irrigation should be responsive to the source of energy used. </a:t>
+              <a:rPr lang="en-US" baseline="30000" dirty="0"/>
+              <a:t>1</a:t>
+            </a:r>
+            <a:r>
+              <a:rPr lang="en-US" dirty="0"/>
+              <a:t>https://ipat.sc.egov.usda.gov/Default.aspx</a:t>
             </a:r>
           </a:p>
         </p:txBody>
@@ -5096,7 +5336,7 @@
     </p:spTree>
     <p:extLst>
       <p:ext uri="{BB962C8B-B14F-4D97-AF65-F5344CB8AC3E}">
-        <p14:creationId xmlns:p14="http://schemas.microsoft.com/office/powerpoint/2010/main" val="4201659968"/>
+        <p14:creationId xmlns:p14="http://schemas.microsoft.com/office/powerpoint/2010/main" val="3134908222"/>
       </p:ext>
     </p:extLst>
   </p:cSld>
@@ -5106,7 +5346,7 @@
 </p:sld>
 </file>
 
-<file path=ppt/slides/slide2.xml><?xml version="1.0" encoding="utf-8"?>
+<file path=ppt/slides/slide12.xml><?xml version="1.0" encoding="utf-8"?>
 <p:sld xmlns:a="http://schemas.openxmlformats.org/drawingml/2006/main" xmlns:r="http://schemas.openxmlformats.org/officeDocument/2006/relationships" xmlns:p="http://schemas.openxmlformats.org/presentationml/2006/main">
   <p:cSld>
     <p:spTree>
@@ -5123,6 +5363,52 @@
           <a:chExt cx="0" cy="0"/>
         </a:xfrm>
       </p:grpSpPr>
+      <p:sp>
+        <p:nvSpPr>
+          <p:cNvPr id="29" name="Lightning Bolt 28">
+            <a:extLst>
+              <a:ext uri="{FF2B5EF4-FFF2-40B4-BE49-F238E27FC236}">
+                <a16:creationId xmlns:a16="http://schemas.microsoft.com/office/drawing/2014/main" id="{A08C1F35-5C7D-EC49-2B65-7EBDE76DA3BC}"/>
+              </a:ext>
+            </a:extLst>
+          </p:cNvPr>
+          <p:cNvSpPr/>
+          <p:nvPr/>
+        </p:nvSpPr>
+        <p:spPr>
+          <a:xfrm>
+            <a:off x="2109399" y="4587849"/>
+            <a:ext cx="1452675" cy="1067544"/>
+          </a:xfrm>
+          <a:prstGeom prst="lightningBolt">
+            <a:avLst/>
+          </a:prstGeom>
+        </p:spPr>
+        <p:style>
+          <a:lnRef idx="2">
+            <a:schemeClr val="accent1">
+              <a:shade val="50000"/>
+            </a:schemeClr>
+          </a:lnRef>
+          <a:fillRef idx="1">
+            <a:schemeClr val="accent1"/>
+          </a:fillRef>
+          <a:effectRef idx="0">
+            <a:schemeClr val="accent1"/>
+          </a:effectRef>
+          <a:fontRef idx="minor">
+            <a:schemeClr val="lt1"/>
+          </a:fontRef>
+        </p:style>
+        <p:txBody>
+          <a:bodyPr rtlCol="0" anchor="ctr"/>
+          <a:lstStyle/>
+          <a:p>
+            <a:pPr algn="ctr"/>
+            <a:endParaRPr lang="en-US"/>
+          </a:p>
+        </p:txBody>
+      </p:sp>
       <p:grpSp>
         <p:nvGrpSpPr>
           <p:cNvPr id="14" name="Group 13">
@@ -5584,6 +5870,2294 @@
         <p:spPr>
           <a:xfrm>
             <a:off x="502458" y="439413"/>
+            <a:ext cx="7693586" cy="954107"/>
+          </a:xfrm>
+          <a:prstGeom prst="rect">
+            <a:avLst/>
+          </a:prstGeom>
+          <a:noFill/>
+        </p:spPr>
+        <p:txBody>
+          <a:bodyPr wrap="square" rtlCol="0">
+            <a:spAutoFit/>
+          </a:bodyPr>
+          <a:lstStyle/>
+          <a:p>
+            <a:pPr algn="ctr"/>
+            <a:r>
+              <a:rPr lang="en-US" sz="2800" i="1" dirty="0"/>
+              <a:t>Different energy sources have different energy contents and efficiencies</a:t>
+            </a:r>
+          </a:p>
+        </p:txBody>
+      </p:sp>
+      <p:grpSp>
+        <p:nvGrpSpPr>
+          <p:cNvPr id="3" name="Group 2">
+            <a:extLst>
+              <a:ext uri="{FF2B5EF4-FFF2-40B4-BE49-F238E27FC236}">
+                <a16:creationId xmlns:a16="http://schemas.microsoft.com/office/drawing/2014/main" id="{2FC76C02-F57D-2954-FEEB-53F0116599BF}"/>
+              </a:ext>
+            </a:extLst>
+          </p:cNvPr>
+          <p:cNvGrpSpPr/>
+          <p:nvPr/>
+        </p:nvGrpSpPr>
+        <p:grpSpPr>
+          <a:xfrm>
+            <a:off x="2133582" y="1795094"/>
+            <a:ext cx="1375795" cy="1067543"/>
+            <a:chOff x="4236440" y="3182620"/>
+            <a:chExt cx="1375795" cy="1067543"/>
+          </a:xfrm>
+        </p:grpSpPr>
+        <p:sp>
+          <p:nvSpPr>
+            <p:cNvPr id="9" name="Rectangle: Top Corners Rounded 8">
+              <a:extLst>
+                <a:ext uri="{FF2B5EF4-FFF2-40B4-BE49-F238E27FC236}">
+                  <a16:creationId xmlns:a16="http://schemas.microsoft.com/office/drawing/2014/main" id="{CD8C437A-B141-11EC-D7EA-8E3072A2CA8A}"/>
+                </a:ext>
+              </a:extLst>
+            </p:cNvPr>
+            <p:cNvSpPr/>
+            <p:nvPr/>
+          </p:nvSpPr>
+          <p:spPr>
+            <a:xfrm>
+              <a:off x="4236440" y="3182620"/>
+              <a:ext cx="1375795" cy="1067543"/>
+            </a:xfrm>
+            <a:prstGeom prst="round2SameRect">
+              <a:avLst/>
+            </a:prstGeom>
+          </p:spPr>
+          <p:style>
+            <a:lnRef idx="2">
+              <a:schemeClr val="accent2">
+                <a:shade val="50000"/>
+              </a:schemeClr>
+            </a:lnRef>
+            <a:fillRef idx="1">
+              <a:schemeClr val="accent2"/>
+            </a:fillRef>
+            <a:effectRef idx="0">
+              <a:schemeClr val="accent2"/>
+            </a:effectRef>
+            <a:fontRef idx="minor">
+              <a:schemeClr val="lt1"/>
+            </a:fontRef>
+          </p:style>
+          <p:txBody>
+            <a:bodyPr rtlCol="0" anchor="ctr"/>
+            <a:lstStyle/>
+            <a:p>
+              <a:pPr algn="ctr"/>
+              <a:endParaRPr lang="en-US"/>
+            </a:p>
+          </p:txBody>
+        </p:sp>
+        <p:sp>
+          <p:nvSpPr>
+            <p:cNvPr id="15" name="Rectangle 14">
+              <a:extLst>
+                <a:ext uri="{FF2B5EF4-FFF2-40B4-BE49-F238E27FC236}">
+                  <a16:creationId xmlns:a16="http://schemas.microsoft.com/office/drawing/2014/main" id="{852FA641-0BFA-8C24-D33E-D750758A8BC4}"/>
+                </a:ext>
+              </a:extLst>
+            </p:cNvPr>
+            <p:cNvSpPr/>
+            <p:nvPr/>
+          </p:nvSpPr>
+          <p:spPr>
+            <a:xfrm>
+              <a:off x="4640787" y="3554791"/>
+              <a:ext cx="142061" cy="126722"/>
+            </a:xfrm>
+            <a:prstGeom prst="rect">
+              <a:avLst/>
+            </a:prstGeom>
+            <a:solidFill>
+              <a:schemeClr val="bg1"/>
+            </a:solidFill>
+          </p:spPr>
+          <p:style>
+            <a:lnRef idx="2">
+              <a:schemeClr val="accent6">
+                <a:shade val="50000"/>
+              </a:schemeClr>
+            </a:lnRef>
+            <a:fillRef idx="1">
+              <a:schemeClr val="accent6"/>
+            </a:fillRef>
+            <a:effectRef idx="0">
+              <a:schemeClr val="accent6"/>
+            </a:effectRef>
+            <a:fontRef idx="minor">
+              <a:schemeClr val="lt1"/>
+            </a:fontRef>
+          </p:style>
+          <p:txBody>
+            <a:bodyPr rtlCol="0" anchor="ctr"/>
+            <a:lstStyle/>
+            <a:p>
+              <a:pPr algn="ctr"/>
+              <a:endParaRPr lang="en-US"/>
+            </a:p>
+          </p:txBody>
+        </p:sp>
+        <p:sp>
+          <p:nvSpPr>
+            <p:cNvPr id="16" name="Rectangle 15">
+              <a:extLst>
+                <a:ext uri="{FF2B5EF4-FFF2-40B4-BE49-F238E27FC236}">
+                  <a16:creationId xmlns:a16="http://schemas.microsoft.com/office/drawing/2014/main" id="{E7AAC86F-99B5-6D82-CF7E-DEA5EDBC3F3C}"/>
+                </a:ext>
+              </a:extLst>
+            </p:cNvPr>
+            <p:cNvSpPr/>
+            <p:nvPr/>
+          </p:nvSpPr>
+          <p:spPr>
+            <a:xfrm>
+              <a:off x="5065811" y="3554791"/>
+              <a:ext cx="142061" cy="126722"/>
+            </a:xfrm>
+            <a:prstGeom prst="rect">
+              <a:avLst/>
+            </a:prstGeom>
+            <a:solidFill>
+              <a:schemeClr val="bg1"/>
+            </a:solidFill>
+          </p:spPr>
+          <p:style>
+            <a:lnRef idx="2">
+              <a:schemeClr val="accent6">
+                <a:shade val="50000"/>
+              </a:schemeClr>
+            </a:lnRef>
+            <a:fillRef idx="1">
+              <a:schemeClr val="accent6"/>
+            </a:fillRef>
+            <a:effectRef idx="0">
+              <a:schemeClr val="accent6"/>
+            </a:effectRef>
+            <a:fontRef idx="minor">
+              <a:schemeClr val="lt1"/>
+            </a:fontRef>
+          </p:style>
+          <p:txBody>
+            <a:bodyPr rtlCol="0" anchor="ctr"/>
+            <a:lstStyle/>
+            <a:p>
+              <a:pPr algn="ctr"/>
+              <a:endParaRPr lang="en-US"/>
+            </a:p>
+          </p:txBody>
+        </p:sp>
+        <p:sp>
+          <p:nvSpPr>
+            <p:cNvPr id="17" name="Rectangle 16">
+              <a:extLst>
+                <a:ext uri="{FF2B5EF4-FFF2-40B4-BE49-F238E27FC236}">
+                  <a16:creationId xmlns:a16="http://schemas.microsoft.com/office/drawing/2014/main" id="{46398220-389A-2FAD-D4AE-24B16D2B96ED}"/>
+                </a:ext>
+              </a:extLst>
+            </p:cNvPr>
+            <p:cNvSpPr/>
+            <p:nvPr/>
+          </p:nvSpPr>
+          <p:spPr>
+            <a:xfrm>
+              <a:off x="4867565" y="3844586"/>
+              <a:ext cx="142061" cy="126722"/>
+            </a:xfrm>
+            <a:prstGeom prst="rect">
+              <a:avLst/>
+            </a:prstGeom>
+          </p:spPr>
+          <p:style>
+            <a:lnRef idx="2">
+              <a:schemeClr val="accent6">
+                <a:shade val="50000"/>
+              </a:schemeClr>
+            </a:lnRef>
+            <a:fillRef idx="1">
+              <a:schemeClr val="accent6"/>
+            </a:fillRef>
+            <a:effectRef idx="0">
+              <a:schemeClr val="accent6"/>
+            </a:effectRef>
+            <a:fontRef idx="minor">
+              <a:schemeClr val="lt1"/>
+            </a:fontRef>
+          </p:style>
+          <p:txBody>
+            <a:bodyPr rtlCol="0" anchor="ctr"/>
+            <a:lstStyle/>
+            <a:p>
+              <a:pPr algn="ctr"/>
+              <a:endParaRPr lang="en-US"/>
+            </a:p>
+          </p:txBody>
+        </p:sp>
+      </p:grpSp>
+      <p:sp>
+        <p:nvSpPr>
+          <p:cNvPr id="19" name="Rectangle: Top Corners Rounded 18">
+            <a:extLst>
+              <a:ext uri="{FF2B5EF4-FFF2-40B4-BE49-F238E27FC236}">
+                <a16:creationId xmlns:a16="http://schemas.microsoft.com/office/drawing/2014/main" id="{E4FA4EC2-0514-E8B6-78D0-FF5E67C2A870}"/>
+              </a:ext>
+            </a:extLst>
+          </p:cNvPr>
+          <p:cNvSpPr/>
+          <p:nvPr/>
+        </p:nvSpPr>
+        <p:spPr>
+          <a:xfrm>
+            <a:off x="2154262" y="3102603"/>
+            <a:ext cx="1375795" cy="1067543"/>
+          </a:xfrm>
+          <a:prstGeom prst="round2SameRect">
+            <a:avLst/>
+          </a:prstGeom>
+          <a:solidFill>
+            <a:schemeClr val="accent4"/>
+          </a:solidFill>
+        </p:spPr>
+        <p:style>
+          <a:lnRef idx="2">
+            <a:schemeClr val="accent2">
+              <a:shade val="50000"/>
+            </a:schemeClr>
+          </a:lnRef>
+          <a:fillRef idx="1">
+            <a:schemeClr val="accent2"/>
+          </a:fillRef>
+          <a:effectRef idx="0">
+            <a:schemeClr val="accent2"/>
+          </a:effectRef>
+          <a:fontRef idx="minor">
+            <a:schemeClr val="lt1"/>
+          </a:fontRef>
+        </p:style>
+        <p:txBody>
+          <a:bodyPr rtlCol="0" anchor="ctr"/>
+          <a:lstStyle/>
+          <a:p>
+            <a:pPr algn="ctr"/>
+            <a:endParaRPr lang="en-US"/>
+          </a:p>
+        </p:txBody>
+      </p:sp>
+      <p:sp>
+        <p:nvSpPr>
+          <p:cNvPr id="20" name="Rectangle 19">
+            <a:extLst>
+              <a:ext uri="{FF2B5EF4-FFF2-40B4-BE49-F238E27FC236}">
+                <a16:creationId xmlns:a16="http://schemas.microsoft.com/office/drawing/2014/main" id="{B09A22E6-09C0-6A74-4155-C684838A5CC6}"/>
+              </a:ext>
+            </a:extLst>
+          </p:cNvPr>
+          <p:cNvSpPr/>
+          <p:nvPr/>
+        </p:nvSpPr>
+        <p:spPr>
+          <a:xfrm>
+            <a:off x="2785386" y="3429000"/>
+            <a:ext cx="142061" cy="126722"/>
+          </a:xfrm>
+          <a:prstGeom prst="rect">
+            <a:avLst/>
+          </a:prstGeom>
+          <a:solidFill>
+            <a:schemeClr val="bg1"/>
+          </a:solidFill>
+        </p:spPr>
+        <p:style>
+          <a:lnRef idx="2">
+            <a:schemeClr val="accent6">
+              <a:shade val="50000"/>
+            </a:schemeClr>
+          </a:lnRef>
+          <a:fillRef idx="1">
+            <a:schemeClr val="accent6"/>
+          </a:fillRef>
+          <a:effectRef idx="0">
+            <a:schemeClr val="accent6"/>
+          </a:effectRef>
+          <a:fontRef idx="minor">
+            <a:schemeClr val="lt1"/>
+          </a:fontRef>
+        </p:style>
+        <p:txBody>
+          <a:bodyPr rtlCol="0" anchor="ctr"/>
+          <a:lstStyle/>
+          <a:p>
+            <a:pPr algn="ctr"/>
+            <a:endParaRPr lang="en-US"/>
+          </a:p>
+        </p:txBody>
+      </p:sp>
+      <p:sp>
+        <p:nvSpPr>
+          <p:cNvPr id="22" name="Rectangle 21">
+            <a:extLst>
+              <a:ext uri="{FF2B5EF4-FFF2-40B4-BE49-F238E27FC236}">
+                <a16:creationId xmlns:a16="http://schemas.microsoft.com/office/drawing/2014/main" id="{EDC071E7-5DBC-2A3A-34CD-75E715D0662E}"/>
+              </a:ext>
+            </a:extLst>
+          </p:cNvPr>
+          <p:cNvSpPr/>
+          <p:nvPr/>
+        </p:nvSpPr>
+        <p:spPr>
+          <a:xfrm>
+            <a:off x="2785387" y="3764569"/>
+            <a:ext cx="142061" cy="126722"/>
+          </a:xfrm>
+          <a:prstGeom prst="rect">
+            <a:avLst/>
+          </a:prstGeom>
+          <a:solidFill>
+            <a:schemeClr val="bg1"/>
+          </a:solidFill>
+        </p:spPr>
+        <p:style>
+          <a:lnRef idx="2">
+            <a:schemeClr val="accent6">
+              <a:shade val="50000"/>
+            </a:schemeClr>
+          </a:lnRef>
+          <a:fillRef idx="1">
+            <a:schemeClr val="accent6"/>
+          </a:fillRef>
+          <a:effectRef idx="0">
+            <a:schemeClr val="accent6"/>
+          </a:effectRef>
+          <a:fontRef idx="minor">
+            <a:schemeClr val="lt1"/>
+          </a:fontRef>
+        </p:style>
+        <p:txBody>
+          <a:bodyPr rtlCol="0" anchor="ctr"/>
+          <a:lstStyle/>
+          <a:p>
+            <a:pPr algn="ctr"/>
+            <a:endParaRPr lang="en-US"/>
+          </a:p>
+        </p:txBody>
+      </p:sp>
+      <p:sp>
+        <p:nvSpPr>
+          <p:cNvPr id="23" name="Rectangle 22">
+            <a:extLst>
+              <a:ext uri="{FF2B5EF4-FFF2-40B4-BE49-F238E27FC236}">
+                <a16:creationId xmlns:a16="http://schemas.microsoft.com/office/drawing/2014/main" id="{A029C7E2-9F91-112E-BCD9-BD5F6994C7AB}"/>
+              </a:ext>
+            </a:extLst>
+          </p:cNvPr>
+          <p:cNvSpPr/>
+          <p:nvPr/>
+        </p:nvSpPr>
+        <p:spPr>
+          <a:xfrm>
+            <a:off x="2782554" y="3853315"/>
+            <a:ext cx="142061" cy="71532"/>
+          </a:xfrm>
+          <a:prstGeom prst="rect">
+            <a:avLst/>
+          </a:prstGeom>
+        </p:spPr>
+        <p:style>
+          <a:lnRef idx="2">
+            <a:schemeClr val="accent6">
+              <a:shade val="50000"/>
+            </a:schemeClr>
+          </a:lnRef>
+          <a:fillRef idx="1">
+            <a:schemeClr val="accent6"/>
+          </a:fillRef>
+          <a:effectRef idx="0">
+            <a:schemeClr val="accent6"/>
+          </a:effectRef>
+          <a:fontRef idx="minor">
+            <a:schemeClr val="lt1"/>
+          </a:fontRef>
+        </p:style>
+        <p:txBody>
+          <a:bodyPr rtlCol="0" anchor="ctr"/>
+          <a:lstStyle/>
+          <a:p>
+            <a:pPr algn="ctr"/>
+            <a:endParaRPr lang="en-US"/>
+          </a:p>
+        </p:txBody>
+      </p:sp>
+      <p:grpSp>
+        <p:nvGrpSpPr>
+          <p:cNvPr id="28" name="Group 27">
+            <a:extLst>
+              <a:ext uri="{FF2B5EF4-FFF2-40B4-BE49-F238E27FC236}">
+                <a16:creationId xmlns:a16="http://schemas.microsoft.com/office/drawing/2014/main" id="{0A261888-782F-28D1-A8FB-41BEA11EAC07}"/>
+              </a:ext>
+            </a:extLst>
+          </p:cNvPr>
+          <p:cNvGrpSpPr/>
+          <p:nvPr/>
+        </p:nvGrpSpPr>
+        <p:grpSpPr>
+          <a:xfrm>
+            <a:off x="2825076" y="5058823"/>
+            <a:ext cx="98965" cy="92243"/>
+            <a:chOff x="2810500" y="5215223"/>
+            <a:chExt cx="144894" cy="148558"/>
+          </a:xfrm>
+        </p:grpSpPr>
+        <p:sp>
+          <p:nvSpPr>
+            <p:cNvPr id="26" name="Rectangle 25">
+              <a:extLst>
+                <a:ext uri="{FF2B5EF4-FFF2-40B4-BE49-F238E27FC236}">
+                  <a16:creationId xmlns:a16="http://schemas.microsoft.com/office/drawing/2014/main" id="{FBDB1AA1-3C6E-2D91-5CD8-3449B22CE56E}"/>
+                </a:ext>
+              </a:extLst>
+            </p:cNvPr>
+            <p:cNvSpPr/>
+            <p:nvPr/>
+          </p:nvSpPr>
+          <p:spPr>
+            <a:xfrm>
+              <a:off x="2813333" y="5215223"/>
+              <a:ext cx="142061" cy="126722"/>
+            </a:xfrm>
+            <a:prstGeom prst="rect">
+              <a:avLst/>
+            </a:prstGeom>
+            <a:solidFill>
+              <a:schemeClr val="bg1"/>
+            </a:solidFill>
+            <a:ln>
+              <a:solidFill>
+                <a:schemeClr val="tx1"/>
+              </a:solidFill>
+            </a:ln>
+          </p:spPr>
+          <p:style>
+            <a:lnRef idx="2">
+              <a:schemeClr val="accent6">
+                <a:shade val="50000"/>
+              </a:schemeClr>
+            </a:lnRef>
+            <a:fillRef idx="1">
+              <a:schemeClr val="accent6"/>
+            </a:fillRef>
+            <a:effectRef idx="0">
+              <a:schemeClr val="accent6"/>
+            </a:effectRef>
+            <a:fontRef idx="minor">
+              <a:schemeClr val="lt1"/>
+            </a:fontRef>
+          </p:style>
+          <p:txBody>
+            <a:bodyPr rtlCol="0" anchor="ctr"/>
+            <a:lstStyle/>
+            <a:p>
+              <a:pPr algn="ctr"/>
+              <a:endParaRPr lang="en-US"/>
+            </a:p>
+          </p:txBody>
+        </p:sp>
+        <p:sp>
+          <p:nvSpPr>
+            <p:cNvPr id="27" name="Rectangle 26">
+              <a:extLst>
+                <a:ext uri="{FF2B5EF4-FFF2-40B4-BE49-F238E27FC236}">
+                  <a16:creationId xmlns:a16="http://schemas.microsoft.com/office/drawing/2014/main" id="{4077885F-CF1D-00A9-D423-A36C61A82A7F}"/>
+                </a:ext>
+              </a:extLst>
+            </p:cNvPr>
+            <p:cNvSpPr/>
+            <p:nvPr/>
+          </p:nvSpPr>
+          <p:spPr>
+            <a:xfrm>
+              <a:off x="2810500" y="5248578"/>
+              <a:ext cx="142061" cy="115203"/>
+            </a:xfrm>
+            <a:prstGeom prst="rect">
+              <a:avLst/>
+            </a:prstGeom>
+            <a:ln>
+              <a:solidFill>
+                <a:schemeClr val="tx1"/>
+              </a:solidFill>
+            </a:ln>
+          </p:spPr>
+          <p:style>
+            <a:lnRef idx="2">
+              <a:schemeClr val="accent6">
+                <a:shade val="50000"/>
+              </a:schemeClr>
+            </a:lnRef>
+            <a:fillRef idx="1">
+              <a:schemeClr val="accent6"/>
+            </a:fillRef>
+            <a:effectRef idx="0">
+              <a:schemeClr val="accent6"/>
+            </a:effectRef>
+            <a:fontRef idx="minor">
+              <a:schemeClr val="lt1"/>
+            </a:fontRef>
+          </p:style>
+          <p:txBody>
+            <a:bodyPr rtlCol="0" anchor="ctr"/>
+            <a:lstStyle/>
+            <a:p>
+              <a:pPr algn="ctr"/>
+              <a:endParaRPr lang="en-US"/>
+            </a:p>
+          </p:txBody>
+        </p:sp>
+      </p:grpSp>
+      <p:sp>
+        <p:nvSpPr>
+          <p:cNvPr id="30" name="TextBox 29">
+            <a:extLst>
+              <a:ext uri="{FF2B5EF4-FFF2-40B4-BE49-F238E27FC236}">
+                <a16:creationId xmlns:a16="http://schemas.microsoft.com/office/drawing/2014/main" id="{DD3D64C3-727A-B53C-2FEA-4CE0ECCD4E0A}"/>
+              </a:ext>
+            </a:extLst>
+          </p:cNvPr>
+          <p:cNvSpPr txBox="1"/>
+          <p:nvPr/>
+        </p:nvSpPr>
+        <p:spPr>
+          <a:xfrm>
+            <a:off x="3813002" y="1768961"/>
+            <a:ext cx="2460753" cy="923330"/>
+          </a:xfrm>
+          <a:prstGeom prst="rect">
+            <a:avLst/>
+          </a:prstGeom>
+          <a:noFill/>
+        </p:spPr>
+        <p:txBody>
+          <a:bodyPr wrap="square" rtlCol="0">
+            <a:spAutoFit/>
+          </a:bodyPr>
+          <a:lstStyle/>
+          <a:p>
+            <a:r>
+              <a:rPr lang="en-US" dirty="0"/>
+              <a:t>Diesel contains the most energy per unit, and is 30% efficient.</a:t>
+            </a:r>
+          </a:p>
+        </p:txBody>
+      </p:sp>
+      <p:sp>
+        <p:nvSpPr>
+          <p:cNvPr id="31" name="TextBox 30">
+            <a:extLst>
+              <a:ext uri="{FF2B5EF4-FFF2-40B4-BE49-F238E27FC236}">
+                <a16:creationId xmlns:a16="http://schemas.microsoft.com/office/drawing/2014/main" id="{601EECA5-1652-7516-BA89-47D3A2153BC1}"/>
+              </a:ext>
+            </a:extLst>
+          </p:cNvPr>
+          <p:cNvSpPr txBox="1"/>
+          <p:nvPr/>
+        </p:nvSpPr>
+        <p:spPr>
+          <a:xfrm>
+            <a:off x="3678693" y="3174709"/>
+            <a:ext cx="2460753" cy="923330"/>
+          </a:xfrm>
+          <a:prstGeom prst="rect">
+            <a:avLst/>
+          </a:prstGeom>
+          <a:noFill/>
+        </p:spPr>
+        <p:txBody>
+          <a:bodyPr wrap="square" rtlCol="0">
+            <a:spAutoFit/>
+          </a:bodyPr>
+          <a:lstStyle/>
+          <a:p>
+            <a:r>
+              <a:rPr lang="en-US" dirty="0"/>
+              <a:t>Gasoline contains less energy per unit, and is only 25% efficient.</a:t>
+            </a:r>
+          </a:p>
+        </p:txBody>
+      </p:sp>
+      <p:sp>
+        <p:nvSpPr>
+          <p:cNvPr id="32" name="TextBox 31">
+            <a:extLst>
+              <a:ext uri="{FF2B5EF4-FFF2-40B4-BE49-F238E27FC236}">
+                <a16:creationId xmlns:a16="http://schemas.microsoft.com/office/drawing/2014/main" id="{CBD9064D-3032-08D7-6711-158A31DFB344}"/>
+              </a:ext>
+            </a:extLst>
+          </p:cNvPr>
+          <p:cNvSpPr txBox="1"/>
+          <p:nvPr/>
+        </p:nvSpPr>
+        <p:spPr>
+          <a:xfrm>
+            <a:off x="3678693" y="4587849"/>
+            <a:ext cx="2460753" cy="1200329"/>
+          </a:xfrm>
+          <a:prstGeom prst="rect">
+            <a:avLst/>
+          </a:prstGeom>
+          <a:noFill/>
+        </p:spPr>
+        <p:txBody>
+          <a:bodyPr wrap="square" rtlCol="0">
+            <a:spAutoFit/>
+          </a:bodyPr>
+          <a:lstStyle/>
+          <a:p>
+            <a:r>
+              <a:rPr lang="en-US" dirty="0"/>
+              <a:t>Electricity contains a small amount of energy per unit, but is 90% efficient.</a:t>
+            </a:r>
+          </a:p>
+        </p:txBody>
+      </p:sp>
+    </p:spTree>
+    <p:extLst>
+      <p:ext uri="{BB962C8B-B14F-4D97-AF65-F5344CB8AC3E}">
+        <p14:creationId xmlns:p14="http://schemas.microsoft.com/office/powerpoint/2010/main" val="1615860687"/>
+      </p:ext>
+    </p:extLst>
+  </p:cSld>
+  <p:clrMapOvr>
+    <a:masterClrMapping/>
+  </p:clrMapOvr>
+</p:sld>
+</file>
+
+<file path=ppt/slides/slide13.xml><?xml version="1.0" encoding="utf-8"?>
+<p:sld xmlns:a="http://schemas.openxmlformats.org/drawingml/2006/main" xmlns:r="http://schemas.openxmlformats.org/officeDocument/2006/relationships" xmlns:p="http://schemas.openxmlformats.org/presentationml/2006/main">
+  <p:cSld>
+    <p:spTree>
+      <p:nvGrpSpPr>
+        <p:cNvPr id="1" name=""/>
+        <p:cNvGrpSpPr/>
+        <p:nvPr/>
+      </p:nvGrpSpPr>
+      <p:grpSpPr>
+        <a:xfrm>
+          <a:off x="0" y="0"/>
+          <a:ext cx="0" cy="0"/>
+          <a:chOff x="0" y="0"/>
+          <a:chExt cx="0" cy="0"/>
+        </a:xfrm>
+      </p:grpSpPr>
+      <p:pic>
+        <p:nvPicPr>
+          <p:cNvPr id="5" name="Picture 4">
+            <a:extLst>
+              <a:ext uri="{FF2B5EF4-FFF2-40B4-BE49-F238E27FC236}">
+                <a16:creationId xmlns:a16="http://schemas.microsoft.com/office/drawing/2014/main" id="{BDB1E580-DEB9-80F9-CA11-7054BB460EFA}"/>
+              </a:ext>
+            </a:extLst>
+          </p:cNvPr>
+          <p:cNvPicPr>
+            <a:picLocks noChangeAspect="1"/>
+          </p:cNvPicPr>
+          <p:nvPr/>
+        </p:nvPicPr>
+        <p:blipFill>
+          <a:blip r:embed="rId2"/>
+          <a:stretch>
+            <a:fillRect/>
+          </a:stretch>
+        </p:blipFill>
+        <p:spPr>
+          <a:xfrm>
+            <a:off x="2596934" y="1977394"/>
+            <a:ext cx="6998132" cy="2903211"/>
+          </a:xfrm>
+          <a:prstGeom prst="rect">
+            <a:avLst/>
+          </a:prstGeom>
+        </p:spPr>
+      </p:pic>
+      <p:sp>
+        <p:nvSpPr>
+          <p:cNvPr id="6" name="TextBox 5">
+            <a:extLst>
+              <a:ext uri="{FF2B5EF4-FFF2-40B4-BE49-F238E27FC236}">
+                <a16:creationId xmlns:a16="http://schemas.microsoft.com/office/drawing/2014/main" id="{4516D589-5F60-B365-DDB1-D0B608AF0482}"/>
+              </a:ext>
+            </a:extLst>
+          </p:cNvPr>
+          <p:cNvSpPr txBox="1"/>
+          <p:nvPr/>
+        </p:nvSpPr>
+        <p:spPr>
+          <a:xfrm>
+            <a:off x="502458" y="439412"/>
+            <a:ext cx="6510738" cy="954107"/>
+          </a:xfrm>
+          <a:prstGeom prst="rect">
+            <a:avLst/>
+          </a:prstGeom>
+          <a:noFill/>
+        </p:spPr>
+        <p:txBody>
+          <a:bodyPr wrap="square" rtlCol="0">
+            <a:spAutoFit/>
+          </a:bodyPr>
+          <a:lstStyle/>
+          <a:p>
+            <a:pPr algn="ctr"/>
+            <a:r>
+              <a:rPr lang="en-US" sz="2800" i="1" dirty="0"/>
+              <a:t>Field to Market references this table, but does not use it in its calculations. </a:t>
+            </a:r>
+          </a:p>
+        </p:txBody>
+      </p:sp>
+    </p:spTree>
+    <p:extLst>
+      <p:ext uri="{BB962C8B-B14F-4D97-AF65-F5344CB8AC3E}">
+        <p14:creationId xmlns:p14="http://schemas.microsoft.com/office/powerpoint/2010/main" val="2892941575"/>
+      </p:ext>
+    </p:extLst>
+  </p:cSld>
+  <p:clrMapOvr>
+    <a:masterClrMapping/>
+  </p:clrMapOvr>
+</p:sld>
+</file>
+
+<file path=ppt/slides/slide14.xml><?xml version="1.0" encoding="utf-8"?>
+<p:sld xmlns:a="http://schemas.openxmlformats.org/drawingml/2006/main" xmlns:r="http://schemas.openxmlformats.org/officeDocument/2006/relationships" xmlns:p="http://schemas.openxmlformats.org/presentationml/2006/main">
+  <p:cSld>
+    <p:spTree>
+      <p:nvGrpSpPr>
+        <p:cNvPr id="1" name=""/>
+        <p:cNvGrpSpPr/>
+        <p:nvPr/>
+      </p:nvGrpSpPr>
+      <p:grpSpPr>
+        <a:xfrm>
+          <a:off x="0" y="0"/>
+          <a:ext cx="0" cy="0"/>
+          <a:chOff x="0" y="0"/>
+          <a:chExt cx="0" cy="0"/>
+        </a:xfrm>
+      </p:grpSpPr>
+      <p:pic>
+        <p:nvPicPr>
+          <p:cNvPr id="5" name="Picture 4">
+            <a:extLst>
+              <a:ext uri="{FF2B5EF4-FFF2-40B4-BE49-F238E27FC236}">
+                <a16:creationId xmlns:a16="http://schemas.microsoft.com/office/drawing/2014/main" id="{FECB5824-0EF7-AE2B-536B-36BC46CB2619}"/>
+              </a:ext>
+            </a:extLst>
+          </p:cNvPr>
+          <p:cNvPicPr>
+            <a:picLocks noChangeAspect="1"/>
+          </p:cNvPicPr>
+          <p:nvPr/>
+        </p:nvPicPr>
+        <p:blipFill>
+          <a:blip r:embed="rId2"/>
+          <a:stretch>
+            <a:fillRect/>
+          </a:stretch>
+        </p:blipFill>
+        <p:spPr>
+          <a:xfrm>
+            <a:off x="2007284" y="2436477"/>
+            <a:ext cx="7557156" cy="1732851"/>
+          </a:xfrm>
+          <a:prstGeom prst="rect">
+            <a:avLst/>
+          </a:prstGeom>
+        </p:spPr>
+      </p:pic>
+      <p:sp>
+        <p:nvSpPr>
+          <p:cNvPr id="6" name="TextBox 5">
+            <a:extLst>
+              <a:ext uri="{FF2B5EF4-FFF2-40B4-BE49-F238E27FC236}">
+                <a16:creationId xmlns:a16="http://schemas.microsoft.com/office/drawing/2014/main" id="{DF0A740D-570C-05DE-7C94-DD6FF77FAA54}"/>
+              </a:ext>
+            </a:extLst>
+          </p:cNvPr>
+          <p:cNvSpPr txBox="1"/>
+          <p:nvPr/>
+        </p:nvSpPr>
+        <p:spPr>
+          <a:xfrm>
+            <a:off x="502458" y="439412"/>
+            <a:ext cx="6510738" cy="954107"/>
+          </a:xfrm>
+          <a:prstGeom prst="rect">
+            <a:avLst/>
+          </a:prstGeom>
+          <a:noFill/>
+        </p:spPr>
+        <p:txBody>
+          <a:bodyPr wrap="square" rtlCol="0">
+            <a:spAutoFit/>
+          </a:bodyPr>
+          <a:lstStyle/>
+          <a:p>
+            <a:pPr algn="ctr"/>
+            <a:r>
+              <a:rPr lang="en-US" sz="2800" i="1" dirty="0"/>
+              <a:t>The energy used for irrigation should be responsive to the source of energy used. </a:t>
+            </a:r>
+          </a:p>
+        </p:txBody>
+      </p:sp>
+    </p:spTree>
+    <p:extLst>
+      <p:ext uri="{BB962C8B-B14F-4D97-AF65-F5344CB8AC3E}">
+        <p14:creationId xmlns:p14="http://schemas.microsoft.com/office/powerpoint/2010/main" val="4201659968"/>
+      </p:ext>
+    </p:extLst>
+  </p:cSld>
+  <p:clrMapOvr>
+    <a:masterClrMapping/>
+  </p:clrMapOvr>
+</p:sld>
+</file>
+
+<file path=ppt/slides/slide2.xml><?xml version="1.0" encoding="utf-8"?>
+<p:sld xmlns:a="http://schemas.openxmlformats.org/drawingml/2006/main" xmlns:r="http://schemas.openxmlformats.org/officeDocument/2006/relationships" xmlns:p="http://schemas.openxmlformats.org/presentationml/2006/main">
+  <p:cSld>
+    <p:spTree>
+      <p:nvGrpSpPr>
+        <p:cNvPr id="1" name=""/>
+        <p:cNvGrpSpPr/>
+        <p:nvPr/>
+      </p:nvGrpSpPr>
+      <p:grpSpPr>
+        <a:xfrm>
+          <a:off x="0" y="0"/>
+          <a:ext cx="0" cy="0"/>
+          <a:chOff x="0" y="0"/>
+          <a:chExt cx="0" cy="0"/>
+        </a:xfrm>
+      </p:grpSpPr>
+      <p:grpSp>
+        <p:nvGrpSpPr>
+          <p:cNvPr id="14" name="Group 13">
+            <a:extLst>
+              <a:ext uri="{FF2B5EF4-FFF2-40B4-BE49-F238E27FC236}">
+                <a16:creationId xmlns:a16="http://schemas.microsoft.com/office/drawing/2014/main" id="{8C8CCF37-86D0-4B5A-5FE6-52409E5B3F47}"/>
+              </a:ext>
+            </a:extLst>
+          </p:cNvPr>
+          <p:cNvGrpSpPr/>
+          <p:nvPr/>
+        </p:nvGrpSpPr>
+        <p:grpSpPr>
+          <a:xfrm>
+            <a:off x="7340281" y="1555156"/>
+            <a:ext cx="3107094" cy="4570434"/>
+            <a:chOff x="830424" y="1597101"/>
+            <a:chExt cx="3107094" cy="4570434"/>
+          </a:xfrm>
+        </p:grpSpPr>
+        <p:sp>
+          <p:nvSpPr>
+            <p:cNvPr id="4" name="Oval 3">
+              <a:extLst>
+                <a:ext uri="{FF2B5EF4-FFF2-40B4-BE49-F238E27FC236}">
+                  <a16:creationId xmlns:a16="http://schemas.microsoft.com/office/drawing/2014/main" id="{465B2BE1-D10C-8DF9-7859-A9F433BD86CB}"/>
+                </a:ext>
+              </a:extLst>
+            </p:cNvPr>
+            <p:cNvSpPr/>
+            <p:nvPr/>
+          </p:nvSpPr>
+          <p:spPr>
+            <a:xfrm>
+              <a:off x="830424" y="5570376"/>
+              <a:ext cx="3107094" cy="597159"/>
+            </a:xfrm>
+            <a:prstGeom prst="ellipse">
+              <a:avLst/>
+            </a:prstGeom>
+          </p:spPr>
+          <p:style>
+            <a:lnRef idx="2">
+              <a:schemeClr val="accent1">
+                <a:shade val="50000"/>
+              </a:schemeClr>
+            </a:lnRef>
+            <a:fillRef idx="1">
+              <a:schemeClr val="accent1"/>
+            </a:fillRef>
+            <a:effectRef idx="0">
+              <a:schemeClr val="accent1"/>
+            </a:effectRef>
+            <a:fontRef idx="minor">
+              <a:schemeClr val="lt1"/>
+            </a:fontRef>
+          </p:style>
+          <p:txBody>
+            <a:bodyPr rtlCol="0" anchor="ctr"/>
+            <a:lstStyle/>
+            <a:p>
+              <a:pPr algn="ctr"/>
+              <a:endParaRPr lang="en-US"/>
+            </a:p>
+          </p:txBody>
+        </p:sp>
+        <p:sp>
+          <p:nvSpPr>
+            <p:cNvPr id="5" name="Rectangle 4">
+              <a:extLst>
+                <a:ext uri="{FF2B5EF4-FFF2-40B4-BE49-F238E27FC236}">
+                  <a16:creationId xmlns:a16="http://schemas.microsoft.com/office/drawing/2014/main" id="{FE712F96-E7D5-B99B-34D8-33B324238281}"/>
+                </a:ext>
+              </a:extLst>
+            </p:cNvPr>
+            <p:cNvSpPr/>
+            <p:nvPr/>
+          </p:nvSpPr>
+          <p:spPr>
+            <a:xfrm>
+              <a:off x="2021747" y="3036815"/>
+              <a:ext cx="100668" cy="2751589"/>
+            </a:xfrm>
+            <a:prstGeom prst="rect">
+              <a:avLst/>
+            </a:prstGeom>
+            <a:solidFill>
+              <a:schemeClr val="accent5"/>
+            </a:solidFill>
+            <a:ln>
+              <a:solidFill>
+                <a:schemeClr val="tx1"/>
+              </a:solidFill>
+            </a:ln>
+          </p:spPr>
+          <p:style>
+            <a:lnRef idx="2">
+              <a:schemeClr val="accent1">
+                <a:shade val="50000"/>
+              </a:schemeClr>
+            </a:lnRef>
+            <a:fillRef idx="1">
+              <a:schemeClr val="accent1"/>
+            </a:fillRef>
+            <a:effectRef idx="0">
+              <a:schemeClr val="accent1"/>
+            </a:effectRef>
+            <a:fontRef idx="minor">
+              <a:schemeClr val="lt1"/>
+            </a:fontRef>
+          </p:style>
+          <p:txBody>
+            <a:bodyPr rtlCol="0" anchor="ctr"/>
+            <a:lstStyle/>
+            <a:p>
+              <a:pPr algn="ctr"/>
+              <a:endParaRPr lang="en-US"/>
+            </a:p>
+          </p:txBody>
+        </p:sp>
+        <p:grpSp>
+          <p:nvGrpSpPr>
+            <p:cNvPr id="8" name="Group 7">
+              <a:extLst>
+                <a:ext uri="{FF2B5EF4-FFF2-40B4-BE49-F238E27FC236}">
+                  <a16:creationId xmlns:a16="http://schemas.microsoft.com/office/drawing/2014/main" id="{FF252F10-FD11-BB4A-381C-DA297D8BD3C0}"/>
+                </a:ext>
+              </a:extLst>
+            </p:cNvPr>
+            <p:cNvGrpSpPr/>
+            <p:nvPr/>
+          </p:nvGrpSpPr>
+          <p:grpSpPr>
+            <a:xfrm>
+              <a:off x="1455490" y="1597101"/>
+              <a:ext cx="1233182" cy="1439714"/>
+              <a:chOff x="3937518" y="931178"/>
+              <a:chExt cx="1060704" cy="1233182"/>
+            </a:xfrm>
+          </p:grpSpPr>
+          <p:sp>
+            <p:nvSpPr>
+              <p:cNvPr id="6" name="Isosceles Triangle 5">
+                <a:extLst>
+                  <a:ext uri="{FF2B5EF4-FFF2-40B4-BE49-F238E27FC236}">
+                    <a16:creationId xmlns:a16="http://schemas.microsoft.com/office/drawing/2014/main" id="{33848017-FCF3-5D97-2BDC-17A9E0E39087}"/>
+                  </a:ext>
+                </a:extLst>
+              </p:cNvPr>
+              <p:cNvSpPr/>
+              <p:nvPr/>
+            </p:nvSpPr>
+            <p:spPr>
+              <a:xfrm>
+                <a:off x="3937518" y="1249960"/>
+                <a:ext cx="1060704" cy="914400"/>
+              </a:xfrm>
+              <a:prstGeom prst="triangle">
+                <a:avLst/>
+              </a:prstGeom>
+              <a:solidFill>
+                <a:schemeClr val="bg1"/>
+              </a:solidFill>
+              <a:ln>
+                <a:solidFill>
+                  <a:schemeClr val="tx1"/>
+                </a:solidFill>
+              </a:ln>
+            </p:spPr>
+            <p:style>
+              <a:lnRef idx="2">
+                <a:schemeClr val="accent1">
+                  <a:shade val="50000"/>
+                </a:schemeClr>
+              </a:lnRef>
+              <a:fillRef idx="1">
+                <a:schemeClr val="accent1"/>
+              </a:fillRef>
+              <a:effectRef idx="0">
+                <a:schemeClr val="accent1"/>
+              </a:effectRef>
+              <a:fontRef idx="minor">
+                <a:schemeClr val="lt1"/>
+              </a:fontRef>
+            </p:style>
+            <p:txBody>
+              <a:bodyPr rtlCol="0" anchor="ctr"/>
+              <a:lstStyle/>
+              <a:p>
+                <a:pPr algn="ctr"/>
+                <a:endParaRPr lang="en-US"/>
+              </a:p>
+            </p:txBody>
+          </p:sp>
+          <p:sp>
+            <p:nvSpPr>
+              <p:cNvPr id="7" name="Oval 6">
+                <a:extLst>
+                  <a:ext uri="{FF2B5EF4-FFF2-40B4-BE49-F238E27FC236}">
+                    <a16:creationId xmlns:a16="http://schemas.microsoft.com/office/drawing/2014/main" id="{4601C6FA-F863-ED3A-43EB-CEC91DAB855C}"/>
+                  </a:ext>
+                </a:extLst>
+              </p:cNvPr>
+              <p:cNvSpPr/>
+              <p:nvPr/>
+            </p:nvSpPr>
+            <p:spPr>
+              <a:xfrm>
+                <a:off x="4010670" y="931178"/>
+                <a:ext cx="914400" cy="914400"/>
+              </a:xfrm>
+              <a:prstGeom prst="ellipse">
+                <a:avLst/>
+              </a:prstGeom>
+              <a:solidFill>
+                <a:schemeClr val="bg1"/>
+              </a:solidFill>
+              <a:ln>
+                <a:solidFill>
+                  <a:schemeClr val="tx1"/>
+                </a:solidFill>
+              </a:ln>
+            </p:spPr>
+            <p:style>
+              <a:lnRef idx="2">
+                <a:schemeClr val="accent1">
+                  <a:shade val="50000"/>
+                </a:schemeClr>
+              </a:lnRef>
+              <a:fillRef idx="1">
+                <a:schemeClr val="accent1"/>
+              </a:fillRef>
+              <a:effectRef idx="0">
+                <a:schemeClr val="accent1"/>
+              </a:effectRef>
+              <a:fontRef idx="minor">
+                <a:schemeClr val="lt1"/>
+              </a:fontRef>
+            </p:style>
+            <p:txBody>
+              <a:bodyPr rtlCol="0" anchor="ctr"/>
+              <a:lstStyle/>
+              <a:p>
+                <a:pPr algn="ctr"/>
+                <a:endParaRPr lang="en-US"/>
+              </a:p>
+            </p:txBody>
+          </p:sp>
+        </p:grpSp>
+        <p:sp>
+          <p:nvSpPr>
+            <p:cNvPr id="10" name="Arrow: Right 9">
+              <a:extLst>
+                <a:ext uri="{FF2B5EF4-FFF2-40B4-BE49-F238E27FC236}">
+                  <a16:creationId xmlns:a16="http://schemas.microsoft.com/office/drawing/2014/main" id="{259904AB-F23D-1D96-3F60-4CB810BA7F96}"/>
+                </a:ext>
+              </a:extLst>
+            </p:cNvPr>
+            <p:cNvSpPr/>
+            <p:nvPr/>
+          </p:nvSpPr>
+          <p:spPr>
+            <a:xfrm>
+              <a:off x="2603625" y="2017655"/>
+              <a:ext cx="1233182" cy="226434"/>
+            </a:xfrm>
+            <a:prstGeom prst="rightArrow">
+              <a:avLst/>
+            </a:prstGeom>
+            <a:solidFill>
+              <a:schemeClr val="accent5"/>
+            </a:solidFill>
+          </p:spPr>
+          <p:style>
+            <a:lnRef idx="2">
+              <a:schemeClr val="accent1">
+                <a:shade val="50000"/>
+              </a:schemeClr>
+            </a:lnRef>
+            <a:fillRef idx="1">
+              <a:schemeClr val="accent1"/>
+            </a:fillRef>
+            <a:effectRef idx="0">
+              <a:schemeClr val="accent1"/>
+            </a:effectRef>
+            <a:fontRef idx="minor">
+              <a:schemeClr val="lt1"/>
+            </a:fontRef>
+          </p:style>
+          <p:txBody>
+            <a:bodyPr rtlCol="0" anchor="ctr"/>
+            <a:lstStyle/>
+            <a:p>
+              <a:pPr algn="ctr"/>
+              <a:endParaRPr lang="en-US"/>
+            </a:p>
+          </p:txBody>
+        </p:sp>
+      </p:grpSp>
+      <p:sp>
+        <p:nvSpPr>
+          <p:cNvPr id="2" name="TextBox 1">
+            <a:extLst>
+              <a:ext uri="{FF2B5EF4-FFF2-40B4-BE49-F238E27FC236}">
+                <a16:creationId xmlns:a16="http://schemas.microsoft.com/office/drawing/2014/main" id="{2265FC53-344D-F973-D54D-D352E6EFAB43}"/>
+              </a:ext>
+            </a:extLst>
+          </p:cNvPr>
+          <p:cNvSpPr txBox="1"/>
+          <p:nvPr/>
+        </p:nvSpPr>
+        <p:spPr>
+          <a:xfrm>
+            <a:off x="8759487" y="4101176"/>
+            <a:ext cx="2281971" cy="369332"/>
+          </a:xfrm>
+          <a:prstGeom prst="rect">
+            <a:avLst/>
+          </a:prstGeom>
+          <a:noFill/>
+        </p:spPr>
+        <p:txBody>
+          <a:bodyPr wrap="none" rtlCol="0">
+            <a:spAutoFit/>
+          </a:bodyPr>
+          <a:lstStyle/>
+          <a:p>
+            <a:r>
+              <a:rPr lang="en-US" dirty="0"/>
+              <a:t>Depth to water source</a:t>
+            </a:r>
+          </a:p>
+        </p:txBody>
+      </p:sp>
+      <p:sp>
+        <p:nvSpPr>
+          <p:cNvPr id="3" name="TextBox 2">
+            <a:extLst>
+              <a:ext uri="{FF2B5EF4-FFF2-40B4-BE49-F238E27FC236}">
+                <a16:creationId xmlns:a16="http://schemas.microsoft.com/office/drawing/2014/main" id="{A91E23F6-14CA-E4F4-9554-5703F41364E2}"/>
+              </a:ext>
+            </a:extLst>
+          </p:cNvPr>
+          <p:cNvSpPr txBox="1"/>
+          <p:nvPr/>
+        </p:nvSpPr>
+        <p:spPr>
+          <a:xfrm>
+            <a:off x="9113482" y="1365840"/>
+            <a:ext cx="1852558" cy="369332"/>
+          </a:xfrm>
+          <a:prstGeom prst="rect">
+            <a:avLst/>
+          </a:prstGeom>
+          <a:noFill/>
+        </p:spPr>
+        <p:txBody>
+          <a:bodyPr wrap="none" rtlCol="0">
+            <a:spAutoFit/>
+          </a:bodyPr>
+          <a:lstStyle/>
+          <a:p>
+            <a:r>
+              <a:rPr lang="en-US" dirty="0"/>
+              <a:t>Pressure of outlet</a:t>
+            </a:r>
+          </a:p>
+        </p:txBody>
+      </p:sp>
+      <p:sp>
+        <p:nvSpPr>
+          <p:cNvPr id="9" name="TextBox 8">
+            <a:extLst>
+              <a:ext uri="{FF2B5EF4-FFF2-40B4-BE49-F238E27FC236}">
+                <a16:creationId xmlns:a16="http://schemas.microsoft.com/office/drawing/2014/main" id="{4E34D3A8-6D0D-5AB8-FBDA-D7EF6A020EA5}"/>
+              </a:ext>
+            </a:extLst>
+          </p:cNvPr>
+          <p:cNvSpPr txBox="1"/>
+          <p:nvPr/>
+        </p:nvSpPr>
+        <p:spPr>
+          <a:xfrm>
+            <a:off x="937172" y="2394705"/>
+            <a:ext cx="6068393" cy="1200329"/>
+          </a:xfrm>
+          <a:prstGeom prst="rect">
+            <a:avLst/>
+          </a:prstGeom>
+          <a:noFill/>
+        </p:spPr>
+        <p:txBody>
+          <a:bodyPr wrap="none" rtlCol="0">
+            <a:spAutoFit/>
+          </a:bodyPr>
+          <a:lstStyle/>
+          <a:p>
+            <a:r>
+              <a:rPr lang="en-US" sz="2400" dirty="0"/>
+              <a:t>Energy required ~ f(depth to water, </a:t>
+            </a:r>
+          </a:p>
+          <a:p>
+            <a:r>
+              <a:rPr lang="en-US" sz="2400" dirty="0"/>
+              <a:t>			pressure of outlet, </a:t>
+            </a:r>
+          </a:p>
+          <a:p>
+            <a:r>
+              <a:rPr lang="en-US" sz="2400" dirty="0"/>
+              <a:t>			amount of water moved)</a:t>
+            </a:r>
+          </a:p>
+        </p:txBody>
+      </p:sp>
+    </p:spTree>
+    <p:extLst>
+      <p:ext uri="{BB962C8B-B14F-4D97-AF65-F5344CB8AC3E}">
+        <p14:creationId xmlns:p14="http://schemas.microsoft.com/office/powerpoint/2010/main" val="3471633488"/>
+      </p:ext>
+    </p:extLst>
+  </p:cSld>
+  <p:clrMapOvr>
+    <a:masterClrMapping/>
+  </p:clrMapOvr>
+</p:sld>
+</file>
+
+<file path=ppt/slides/slide3.xml><?xml version="1.0" encoding="utf-8"?>
+<p:sld xmlns:a="http://schemas.openxmlformats.org/drawingml/2006/main" xmlns:r="http://schemas.openxmlformats.org/officeDocument/2006/relationships" xmlns:p="http://schemas.openxmlformats.org/presentationml/2006/main">
+  <p:cSld>
+    <p:spTree>
+      <p:nvGrpSpPr>
+        <p:cNvPr id="1" name=""/>
+        <p:cNvGrpSpPr/>
+        <p:nvPr/>
+      </p:nvGrpSpPr>
+      <p:grpSpPr>
+        <a:xfrm>
+          <a:off x="0" y="0"/>
+          <a:ext cx="0" cy="0"/>
+          <a:chOff x="0" y="0"/>
+          <a:chExt cx="0" cy="0"/>
+        </a:xfrm>
+      </p:grpSpPr>
+      <p:grpSp>
+        <p:nvGrpSpPr>
+          <p:cNvPr id="14" name="Group 13">
+            <a:extLst>
+              <a:ext uri="{FF2B5EF4-FFF2-40B4-BE49-F238E27FC236}">
+                <a16:creationId xmlns:a16="http://schemas.microsoft.com/office/drawing/2014/main" id="{8C8CCF37-86D0-4B5A-5FE6-52409E5B3F47}"/>
+              </a:ext>
+            </a:extLst>
+          </p:cNvPr>
+          <p:cNvGrpSpPr/>
+          <p:nvPr/>
+        </p:nvGrpSpPr>
+        <p:grpSpPr>
+          <a:xfrm>
+            <a:off x="7340281" y="1555156"/>
+            <a:ext cx="3107094" cy="4570434"/>
+            <a:chOff x="830424" y="1597101"/>
+            <a:chExt cx="3107094" cy="4570434"/>
+          </a:xfrm>
+        </p:grpSpPr>
+        <p:sp>
+          <p:nvSpPr>
+            <p:cNvPr id="4" name="Oval 3">
+              <a:extLst>
+                <a:ext uri="{FF2B5EF4-FFF2-40B4-BE49-F238E27FC236}">
+                  <a16:creationId xmlns:a16="http://schemas.microsoft.com/office/drawing/2014/main" id="{465B2BE1-D10C-8DF9-7859-A9F433BD86CB}"/>
+                </a:ext>
+              </a:extLst>
+            </p:cNvPr>
+            <p:cNvSpPr/>
+            <p:nvPr/>
+          </p:nvSpPr>
+          <p:spPr>
+            <a:xfrm>
+              <a:off x="830424" y="5570376"/>
+              <a:ext cx="3107094" cy="597159"/>
+            </a:xfrm>
+            <a:prstGeom prst="ellipse">
+              <a:avLst/>
+            </a:prstGeom>
+          </p:spPr>
+          <p:style>
+            <a:lnRef idx="2">
+              <a:schemeClr val="accent1">
+                <a:shade val="50000"/>
+              </a:schemeClr>
+            </a:lnRef>
+            <a:fillRef idx="1">
+              <a:schemeClr val="accent1"/>
+            </a:fillRef>
+            <a:effectRef idx="0">
+              <a:schemeClr val="accent1"/>
+            </a:effectRef>
+            <a:fontRef idx="minor">
+              <a:schemeClr val="lt1"/>
+            </a:fontRef>
+          </p:style>
+          <p:txBody>
+            <a:bodyPr rtlCol="0" anchor="ctr"/>
+            <a:lstStyle/>
+            <a:p>
+              <a:pPr algn="ctr"/>
+              <a:endParaRPr lang="en-US"/>
+            </a:p>
+          </p:txBody>
+        </p:sp>
+        <p:sp>
+          <p:nvSpPr>
+            <p:cNvPr id="5" name="Rectangle 4">
+              <a:extLst>
+                <a:ext uri="{FF2B5EF4-FFF2-40B4-BE49-F238E27FC236}">
+                  <a16:creationId xmlns:a16="http://schemas.microsoft.com/office/drawing/2014/main" id="{FE712F96-E7D5-B99B-34D8-33B324238281}"/>
+                </a:ext>
+              </a:extLst>
+            </p:cNvPr>
+            <p:cNvSpPr/>
+            <p:nvPr/>
+          </p:nvSpPr>
+          <p:spPr>
+            <a:xfrm>
+              <a:off x="2021747" y="3036815"/>
+              <a:ext cx="100668" cy="2751589"/>
+            </a:xfrm>
+            <a:prstGeom prst="rect">
+              <a:avLst/>
+            </a:prstGeom>
+            <a:solidFill>
+              <a:schemeClr val="accent5"/>
+            </a:solidFill>
+            <a:ln>
+              <a:solidFill>
+                <a:schemeClr val="tx1"/>
+              </a:solidFill>
+            </a:ln>
+          </p:spPr>
+          <p:style>
+            <a:lnRef idx="2">
+              <a:schemeClr val="accent1">
+                <a:shade val="50000"/>
+              </a:schemeClr>
+            </a:lnRef>
+            <a:fillRef idx="1">
+              <a:schemeClr val="accent1"/>
+            </a:fillRef>
+            <a:effectRef idx="0">
+              <a:schemeClr val="accent1"/>
+            </a:effectRef>
+            <a:fontRef idx="minor">
+              <a:schemeClr val="lt1"/>
+            </a:fontRef>
+          </p:style>
+          <p:txBody>
+            <a:bodyPr rtlCol="0" anchor="ctr"/>
+            <a:lstStyle/>
+            <a:p>
+              <a:pPr algn="ctr"/>
+              <a:endParaRPr lang="en-US"/>
+            </a:p>
+          </p:txBody>
+        </p:sp>
+        <p:grpSp>
+          <p:nvGrpSpPr>
+            <p:cNvPr id="8" name="Group 7">
+              <a:extLst>
+                <a:ext uri="{FF2B5EF4-FFF2-40B4-BE49-F238E27FC236}">
+                  <a16:creationId xmlns:a16="http://schemas.microsoft.com/office/drawing/2014/main" id="{FF252F10-FD11-BB4A-381C-DA297D8BD3C0}"/>
+                </a:ext>
+              </a:extLst>
+            </p:cNvPr>
+            <p:cNvGrpSpPr/>
+            <p:nvPr/>
+          </p:nvGrpSpPr>
+          <p:grpSpPr>
+            <a:xfrm>
+              <a:off x="1455490" y="1597101"/>
+              <a:ext cx="1233182" cy="1439714"/>
+              <a:chOff x="3937518" y="931178"/>
+              <a:chExt cx="1060704" cy="1233182"/>
+            </a:xfrm>
+          </p:grpSpPr>
+          <p:sp>
+            <p:nvSpPr>
+              <p:cNvPr id="6" name="Isosceles Triangle 5">
+                <a:extLst>
+                  <a:ext uri="{FF2B5EF4-FFF2-40B4-BE49-F238E27FC236}">
+                    <a16:creationId xmlns:a16="http://schemas.microsoft.com/office/drawing/2014/main" id="{33848017-FCF3-5D97-2BDC-17A9E0E39087}"/>
+                  </a:ext>
+                </a:extLst>
+              </p:cNvPr>
+              <p:cNvSpPr/>
+              <p:nvPr/>
+            </p:nvSpPr>
+            <p:spPr>
+              <a:xfrm>
+                <a:off x="3937518" y="1249960"/>
+                <a:ext cx="1060704" cy="914400"/>
+              </a:xfrm>
+              <a:prstGeom prst="triangle">
+                <a:avLst/>
+              </a:prstGeom>
+              <a:solidFill>
+                <a:schemeClr val="bg1"/>
+              </a:solidFill>
+              <a:ln>
+                <a:solidFill>
+                  <a:schemeClr val="tx1"/>
+                </a:solidFill>
+              </a:ln>
+            </p:spPr>
+            <p:style>
+              <a:lnRef idx="2">
+                <a:schemeClr val="accent1">
+                  <a:shade val="50000"/>
+                </a:schemeClr>
+              </a:lnRef>
+              <a:fillRef idx="1">
+                <a:schemeClr val="accent1"/>
+              </a:fillRef>
+              <a:effectRef idx="0">
+                <a:schemeClr val="accent1"/>
+              </a:effectRef>
+              <a:fontRef idx="minor">
+                <a:schemeClr val="lt1"/>
+              </a:fontRef>
+            </p:style>
+            <p:txBody>
+              <a:bodyPr rtlCol="0" anchor="ctr"/>
+              <a:lstStyle/>
+              <a:p>
+                <a:pPr algn="ctr"/>
+                <a:endParaRPr lang="en-US"/>
+              </a:p>
+            </p:txBody>
+          </p:sp>
+          <p:sp>
+            <p:nvSpPr>
+              <p:cNvPr id="7" name="Oval 6">
+                <a:extLst>
+                  <a:ext uri="{FF2B5EF4-FFF2-40B4-BE49-F238E27FC236}">
+                    <a16:creationId xmlns:a16="http://schemas.microsoft.com/office/drawing/2014/main" id="{4601C6FA-F863-ED3A-43EB-CEC91DAB855C}"/>
+                  </a:ext>
+                </a:extLst>
+              </p:cNvPr>
+              <p:cNvSpPr/>
+              <p:nvPr/>
+            </p:nvSpPr>
+            <p:spPr>
+              <a:xfrm>
+                <a:off x="4010670" y="931178"/>
+                <a:ext cx="914400" cy="914400"/>
+              </a:xfrm>
+              <a:prstGeom prst="ellipse">
+                <a:avLst/>
+              </a:prstGeom>
+              <a:solidFill>
+                <a:schemeClr val="bg1"/>
+              </a:solidFill>
+              <a:ln>
+                <a:solidFill>
+                  <a:schemeClr val="tx1"/>
+                </a:solidFill>
+              </a:ln>
+            </p:spPr>
+            <p:style>
+              <a:lnRef idx="2">
+                <a:schemeClr val="accent1">
+                  <a:shade val="50000"/>
+                </a:schemeClr>
+              </a:lnRef>
+              <a:fillRef idx="1">
+                <a:schemeClr val="accent1"/>
+              </a:fillRef>
+              <a:effectRef idx="0">
+                <a:schemeClr val="accent1"/>
+              </a:effectRef>
+              <a:fontRef idx="minor">
+                <a:schemeClr val="lt1"/>
+              </a:fontRef>
+            </p:style>
+            <p:txBody>
+              <a:bodyPr rtlCol="0" anchor="ctr"/>
+              <a:lstStyle/>
+              <a:p>
+                <a:pPr algn="ctr"/>
+                <a:endParaRPr lang="en-US"/>
+              </a:p>
+            </p:txBody>
+          </p:sp>
+        </p:grpSp>
+        <p:sp>
+          <p:nvSpPr>
+            <p:cNvPr id="10" name="Arrow: Right 9">
+              <a:extLst>
+                <a:ext uri="{FF2B5EF4-FFF2-40B4-BE49-F238E27FC236}">
+                  <a16:creationId xmlns:a16="http://schemas.microsoft.com/office/drawing/2014/main" id="{259904AB-F23D-1D96-3F60-4CB810BA7F96}"/>
+                </a:ext>
+              </a:extLst>
+            </p:cNvPr>
+            <p:cNvSpPr/>
+            <p:nvPr/>
+          </p:nvSpPr>
+          <p:spPr>
+            <a:xfrm>
+              <a:off x="2603625" y="2017655"/>
+              <a:ext cx="1233182" cy="226434"/>
+            </a:xfrm>
+            <a:prstGeom prst="rightArrow">
+              <a:avLst/>
+            </a:prstGeom>
+            <a:solidFill>
+              <a:schemeClr val="accent5"/>
+            </a:solidFill>
+          </p:spPr>
+          <p:style>
+            <a:lnRef idx="2">
+              <a:schemeClr val="accent1">
+                <a:shade val="50000"/>
+              </a:schemeClr>
+            </a:lnRef>
+            <a:fillRef idx="1">
+              <a:schemeClr val="accent1"/>
+            </a:fillRef>
+            <a:effectRef idx="0">
+              <a:schemeClr val="accent1"/>
+            </a:effectRef>
+            <a:fontRef idx="minor">
+              <a:schemeClr val="lt1"/>
+            </a:fontRef>
+          </p:style>
+          <p:txBody>
+            <a:bodyPr rtlCol="0" anchor="ctr"/>
+            <a:lstStyle/>
+            <a:p>
+              <a:pPr algn="ctr"/>
+              <a:endParaRPr lang="en-US"/>
+            </a:p>
+          </p:txBody>
+        </p:sp>
+        <p:sp>
+          <p:nvSpPr>
+            <p:cNvPr id="11" name="Rectangle 10">
+              <a:extLst>
+                <a:ext uri="{FF2B5EF4-FFF2-40B4-BE49-F238E27FC236}">
+                  <a16:creationId xmlns:a16="http://schemas.microsoft.com/office/drawing/2014/main" id="{097030ED-57A7-4636-7474-C890EC92C08B}"/>
+                </a:ext>
+              </a:extLst>
+            </p:cNvPr>
+            <p:cNvSpPr/>
+            <p:nvPr/>
+          </p:nvSpPr>
+          <p:spPr>
+            <a:xfrm>
+              <a:off x="1753576" y="1954294"/>
+              <a:ext cx="142061" cy="126722"/>
+            </a:xfrm>
+            <a:prstGeom prst="rect">
+              <a:avLst/>
+            </a:prstGeom>
+          </p:spPr>
+          <p:style>
+            <a:lnRef idx="2">
+              <a:schemeClr val="accent6">
+                <a:shade val="50000"/>
+              </a:schemeClr>
+            </a:lnRef>
+            <a:fillRef idx="1">
+              <a:schemeClr val="accent6"/>
+            </a:fillRef>
+            <a:effectRef idx="0">
+              <a:schemeClr val="accent6"/>
+            </a:effectRef>
+            <a:fontRef idx="minor">
+              <a:schemeClr val="lt1"/>
+            </a:fontRef>
+          </p:style>
+          <p:txBody>
+            <a:bodyPr rtlCol="0" anchor="ctr"/>
+            <a:lstStyle/>
+            <a:p>
+              <a:pPr algn="ctr"/>
+              <a:endParaRPr lang="en-US"/>
+            </a:p>
+          </p:txBody>
+        </p:sp>
+        <p:sp>
+          <p:nvSpPr>
+            <p:cNvPr id="12" name="Rectangle 11">
+              <a:extLst>
+                <a:ext uri="{FF2B5EF4-FFF2-40B4-BE49-F238E27FC236}">
+                  <a16:creationId xmlns:a16="http://schemas.microsoft.com/office/drawing/2014/main" id="{72D60381-00D0-B337-6A07-F53A2D1560F3}"/>
+                </a:ext>
+              </a:extLst>
+            </p:cNvPr>
+            <p:cNvSpPr/>
+            <p:nvPr/>
+          </p:nvSpPr>
+          <p:spPr>
+            <a:xfrm>
+              <a:off x="2178600" y="1954294"/>
+              <a:ext cx="142061" cy="126722"/>
+            </a:xfrm>
+            <a:prstGeom prst="rect">
+              <a:avLst/>
+            </a:prstGeom>
+          </p:spPr>
+          <p:style>
+            <a:lnRef idx="2">
+              <a:schemeClr val="accent6">
+                <a:shade val="50000"/>
+              </a:schemeClr>
+            </a:lnRef>
+            <a:fillRef idx="1">
+              <a:schemeClr val="accent6"/>
+            </a:fillRef>
+            <a:effectRef idx="0">
+              <a:schemeClr val="accent6"/>
+            </a:effectRef>
+            <a:fontRef idx="minor">
+              <a:schemeClr val="lt1"/>
+            </a:fontRef>
+          </p:style>
+          <p:txBody>
+            <a:bodyPr rtlCol="0" anchor="ctr"/>
+            <a:lstStyle/>
+            <a:p>
+              <a:pPr algn="ctr"/>
+              <a:endParaRPr lang="en-US"/>
+            </a:p>
+          </p:txBody>
+        </p:sp>
+        <p:sp>
+          <p:nvSpPr>
+            <p:cNvPr id="13" name="Rectangle 12">
+              <a:extLst>
+                <a:ext uri="{FF2B5EF4-FFF2-40B4-BE49-F238E27FC236}">
+                  <a16:creationId xmlns:a16="http://schemas.microsoft.com/office/drawing/2014/main" id="{BAE4548E-92EC-66F2-4290-183B9CF74A60}"/>
+                </a:ext>
+              </a:extLst>
+            </p:cNvPr>
+            <p:cNvSpPr/>
+            <p:nvPr/>
+          </p:nvSpPr>
+          <p:spPr>
+            <a:xfrm>
+              <a:off x="1980354" y="2244089"/>
+              <a:ext cx="142061" cy="126722"/>
+            </a:xfrm>
+            <a:prstGeom prst="rect">
+              <a:avLst/>
+            </a:prstGeom>
+          </p:spPr>
+          <p:style>
+            <a:lnRef idx="2">
+              <a:schemeClr val="accent6">
+                <a:shade val="50000"/>
+              </a:schemeClr>
+            </a:lnRef>
+            <a:fillRef idx="1">
+              <a:schemeClr val="accent6"/>
+            </a:fillRef>
+            <a:effectRef idx="0">
+              <a:schemeClr val="accent6"/>
+            </a:effectRef>
+            <a:fontRef idx="minor">
+              <a:schemeClr val="lt1"/>
+            </a:fontRef>
+          </p:style>
+          <p:txBody>
+            <a:bodyPr rtlCol="0" anchor="ctr"/>
+            <a:lstStyle/>
+            <a:p>
+              <a:pPr algn="ctr"/>
+              <a:endParaRPr lang="en-US"/>
+            </a:p>
+          </p:txBody>
+        </p:sp>
+      </p:grpSp>
+      <p:sp>
+        <p:nvSpPr>
+          <p:cNvPr id="19" name="TextBox 18">
+            <a:extLst>
+              <a:ext uri="{FF2B5EF4-FFF2-40B4-BE49-F238E27FC236}">
+                <a16:creationId xmlns:a16="http://schemas.microsoft.com/office/drawing/2014/main" id="{95820402-4911-587F-EEB0-A08406B24F5B}"/>
+              </a:ext>
+            </a:extLst>
+          </p:cNvPr>
+          <p:cNvSpPr txBox="1"/>
+          <p:nvPr/>
+        </p:nvSpPr>
+        <p:spPr>
+          <a:xfrm>
+            <a:off x="2045258" y="1420925"/>
+            <a:ext cx="3875713" cy="1384995"/>
+          </a:xfrm>
+          <a:prstGeom prst="rect">
+            <a:avLst/>
+          </a:prstGeom>
+          <a:noFill/>
+        </p:spPr>
+        <p:txBody>
+          <a:bodyPr wrap="square" rtlCol="0">
+            <a:spAutoFit/>
+          </a:bodyPr>
+          <a:lstStyle/>
+          <a:p>
+            <a:pPr algn="ctr"/>
+            <a:r>
+              <a:rPr lang="en-US" sz="2800" dirty="0"/>
+              <a:t>Let’s say this pump requires 3 units of energy for this task.</a:t>
+            </a:r>
+          </a:p>
+        </p:txBody>
+      </p:sp>
+    </p:spTree>
+    <p:extLst>
+      <p:ext uri="{BB962C8B-B14F-4D97-AF65-F5344CB8AC3E}">
+        <p14:creationId xmlns:p14="http://schemas.microsoft.com/office/powerpoint/2010/main" val="3730756045"/>
+      </p:ext>
+    </p:extLst>
+  </p:cSld>
+  <p:clrMapOvr>
+    <a:masterClrMapping/>
+  </p:clrMapOvr>
+</p:sld>
+</file>
+
+<file path=ppt/slides/slide4.xml><?xml version="1.0" encoding="utf-8"?>
+<p:sld xmlns:a="http://schemas.openxmlformats.org/drawingml/2006/main" xmlns:r="http://schemas.openxmlformats.org/officeDocument/2006/relationships" xmlns:p="http://schemas.openxmlformats.org/presentationml/2006/main">
+  <p:cSld>
+    <p:spTree>
+      <p:nvGrpSpPr>
+        <p:cNvPr id="1" name=""/>
+        <p:cNvGrpSpPr/>
+        <p:nvPr/>
+      </p:nvGrpSpPr>
+      <p:grpSpPr>
+        <a:xfrm>
+          <a:off x="0" y="0"/>
+          <a:ext cx="0" cy="0"/>
+          <a:chOff x="0" y="0"/>
+          <a:chExt cx="0" cy="0"/>
+        </a:xfrm>
+      </p:grpSpPr>
+      <p:grpSp>
+        <p:nvGrpSpPr>
+          <p:cNvPr id="14" name="Group 13">
+            <a:extLst>
+              <a:ext uri="{FF2B5EF4-FFF2-40B4-BE49-F238E27FC236}">
+                <a16:creationId xmlns:a16="http://schemas.microsoft.com/office/drawing/2014/main" id="{8C8CCF37-86D0-4B5A-5FE6-52409E5B3F47}"/>
+              </a:ext>
+            </a:extLst>
+          </p:cNvPr>
+          <p:cNvGrpSpPr/>
+          <p:nvPr/>
+        </p:nvGrpSpPr>
+        <p:grpSpPr>
+          <a:xfrm>
+            <a:off x="7340281" y="1555156"/>
+            <a:ext cx="3107094" cy="4570434"/>
+            <a:chOff x="830424" y="1597101"/>
+            <a:chExt cx="3107094" cy="4570434"/>
+          </a:xfrm>
+        </p:grpSpPr>
+        <p:sp>
+          <p:nvSpPr>
+            <p:cNvPr id="4" name="Oval 3">
+              <a:extLst>
+                <a:ext uri="{FF2B5EF4-FFF2-40B4-BE49-F238E27FC236}">
+                  <a16:creationId xmlns:a16="http://schemas.microsoft.com/office/drawing/2014/main" id="{465B2BE1-D10C-8DF9-7859-A9F433BD86CB}"/>
+                </a:ext>
+              </a:extLst>
+            </p:cNvPr>
+            <p:cNvSpPr/>
+            <p:nvPr/>
+          </p:nvSpPr>
+          <p:spPr>
+            <a:xfrm>
+              <a:off x="830424" y="5570376"/>
+              <a:ext cx="3107094" cy="597159"/>
+            </a:xfrm>
+            <a:prstGeom prst="ellipse">
+              <a:avLst/>
+            </a:prstGeom>
+          </p:spPr>
+          <p:style>
+            <a:lnRef idx="2">
+              <a:schemeClr val="accent1">
+                <a:shade val="50000"/>
+              </a:schemeClr>
+            </a:lnRef>
+            <a:fillRef idx="1">
+              <a:schemeClr val="accent1"/>
+            </a:fillRef>
+            <a:effectRef idx="0">
+              <a:schemeClr val="accent1"/>
+            </a:effectRef>
+            <a:fontRef idx="minor">
+              <a:schemeClr val="lt1"/>
+            </a:fontRef>
+          </p:style>
+          <p:txBody>
+            <a:bodyPr rtlCol="0" anchor="ctr"/>
+            <a:lstStyle/>
+            <a:p>
+              <a:pPr algn="ctr"/>
+              <a:endParaRPr lang="en-US"/>
+            </a:p>
+          </p:txBody>
+        </p:sp>
+        <p:sp>
+          <p:nvSpPr>
+            <p:cNvPr id="5" name="Rectangle 4">
+              <a:extLst>
+                <a:ext uri="{FF2B5EF4-FFF2-40B4-BE49-F238E27FC236}">
+                  <a16:creationId xmlns:a16="http://schemas.microsoft.com/office/drawing/2014/main" id="{FE712F96-E7D5-B99B-34D8-33B324238281}"/>
+                </a:ext>
+              </a:extLst>
+            </p:cNvPr>
+            <p:cNvSpPr/>
+            <p:nvPr/>
+          </p:nvSpPr>
+          <p:spPr>
+            <a:xfrm>
+              <a:off x="2021747" y="3036815"/>
+              <a:ext cx="100668" cy="2751589"/>
+            </a:xfrm>
+            <a:prstGeom prst="rect">
+              <a:avLst/>
+            </a:prstGeom>
+            <a:solidFill>
+              <a:schemeClr val="accent5"/>
+            </a:solidFill>
+            <a:ln>
+              <a:solidFill>
+                <a:schemeClr val="tx1"/>
+              </a:solidFill>
+            </a:ln>
+          </p:spPr>
+          <p:style>
+            <a:lnRef idx="2">
+              <a:schemeClr val="accent1">
+                <a:shade val="50000"/>
+              </a:schemeClr>
+            </a:lnRef>
+            <a:fillRef idx="1">
+              <a:schemeClr val="accent1"/>
+            </a:fillRef>
+            <a:effectRef idx="0">
+              <a:schemeClr val="accent1"/>
+            </a:effectRef>
+            <a:fontRef idx="minor">
+              <a:schemeClr val="lt1"/>
+            </a:fontRef>
+          </p:style>
+          <p:txBody>
+            <a:bodyPr rtlCol="0" anchor="ctr"/>
+            <a:lstStyle/>
+            <a:p>
+              <a:pPr algn="ctr"/>
+              <a:endParaRPr lang="en-US"/>
+            </a:p>
+          </p:txBody>
+        </p:sp>
+        <p:grpSp>
+          <p:nvGrpSpPr>
+            <p:cNvPr id="8" name="Group 7">
+              <a:extLst>
+                <a:ext uri="{FF2B5EF4-FFF2-40B4-BE49-F238E27FC236}">
+                  <a16:creationId xmlns:a16="http://schemas.microsoft.com/office/drawing/2014/main" id="{FF252F10-FD11-BB4A-381C-DA297D8BD3C0}"/>
+                </a:ext>
+              </a:extLst>
+            </p:cNvPr>
+            <p:cNvGrpSpPr/>
+            <p:nvPr/>
+          </p:nvGrpSpPr>
+          <p:grpSpPr>
+            <a:xfrm>
+              <a:off x="1455490" y="1597101"/>
+              <a:ext cx="1233182" cy="1439714"/>
+              <a:chOff x="3937518" y="931178"/>
+              <a:chExt cx="1060704" cy="1233182"/>
+            </a:xfrm>
+          </p:grpSpPr>
+          <p:sp>
+            <p:nvSpPr>
+              <p:cNvPr id="6" name="Isosceles Triangle 5">
+                <a:extLst>
+                  <a:ext uri="{FF2B5EF4-FFF2-40B4-BE49-F238E27FC236}">
+                    <a16:creationId xmlns:a16="http://schemas.microsoft.com/office/drawing/2014/main" id="{33848017-FCF3-5D97-2BDC-17A9E0E39087}"/>
+                  </a:ext>
+                </a:extLst>
+              </p:cNvPr>
+              <p:cNvSpPr/>
+              <p:nvPr/>
+            </p:nvSpPr>
+            <p:spPr>
+              <a:xfrm>
+                <a:off x="3937518" y="1249960"/>
+                <a:ext cx="1060704" cy="914400"/>
+              </a:xfrm>
+              <a:prstGeom prst="triangle">
+                <a:avLst/>
+              </a:prstGeom>
+              <a:solidFill>
+                <a:schemeClr val="bg1"/>
+              </a:solidFill>
+              <a:ln>
+                <a:solidFill>
+                  <a:schemeClr val="tx1"/>
+                </a:solidFill>
+              </a:ln>
+            </p:spPr>
+            <p:style>
+              <a:lnRef idx="2">
+                <a:schemeClr val="accent1">
+                  <a:shade val="50000"/>
+                </a:schemeClr>
+              </a:lnRef>
+              <a:fillRef idx="1">
+                <a:schemeClr val="accent1"/>
+              </a:fillRef>
+              <a:effectRef idx="0">
+                <a:schemeClr val="accent1"/>
+              </a:effectRef>
+              <a:fontRef idx="minor">
+                <a:schemeClr val="lt1"/>
+              </a:fontRef>
+            </p:style>
+            <p:txBody>
+              <a:bodyPr rtlCol="0" anchor="ctr"/>
+              <a:lstStyle/>
+              <a:p>
+                <a:pPr algn="ctr"/>
+                <a:endParaRPr lang="en-US"/>
+              </a:p>
+            </p:txBody>
+          </p:sp>
+          <p:sp>
+            <p:nvSpPr>
+              <p:cNvPr id="7" name="Oval 6">
+                <a:extLst>
+                  <a:ext uri="{FF2B5EF4-FFF2-40B4-BE49-F238E27FC236}">
+                    <a16:creationId xmlns:a16="http://schemas.microsoft.com/office/drawing/2014/main" id="{4601C6FA-F863-ED3A-43EB-CEC91DAB855C}"/>
+                  </a:ext>
+                </a:extLst>
+              </p:cNvPr>
+              <p:cNvSpPr/>
+              <p:nvPr/>
+            </p:nvSpPr>
+            <p:spPr>
+              <a:xfrm>
+                <a:off x="4010670" y="931178"/>
+                <a:ext cx="914400" cy="914400"/>
+              </a:xfrm>
+              <a:prstGeom prst="ellipse">
+                <a:avLst/>
+              </a:prstGeom>
+              <a:solidFill>
+                <a:schemeClr val="bg1"/>
+              </a:solidFill>
+              <a:ln>
+                <a:solidFill>
+                  <a:schemeClr val="tx1"/>
+                </a:solidFill>
+              </a:ln>
+            </p:spPr>
+            <p:style>
+              <a:lnRef idx="2">
+                <a:schemeClr val="accent1">
+                  <a:shade val="50000"/>
+                </a:schemeClr>
+              </a:lnRef>
+              <a:fillRef idx="1">
+                <a:schemeClr val="accent1"/>
+              </a:fillRef>
+              <a:effectRef idx="0">
+                <a:schemeClr val="accent1"/>
+              </a:effectRef>
+              <a:fontRef idx="minor">
+                <a:schemeClr val="lt1"/>
+              </a:fontRef>
+            </p:style>
+            <p:txBody>
+              <a:bodyPr rtlCol="0" anchor="ctr"/>
+              <a:lstStyle/>
+              <a:p>
+                <a:pPr algn="ctr"/>
+                <a:endParaRPr lang="en-US"/>
+              </a:p>
+            </p:txBody>
+          </p:sp>
+        </p:grpSp>
+        <p:sp>
+          <p:nvSpPr>
+            <p:cNvPr id="10" name="Arrow: Right 9">
+              <a:extLst>
+                <a:ext uri="{FF2B5EF4-FFF2-40B4-BE49-F238E27FC236}">
+                  <a16:creationId xmlns:a16="http://schemas.microsoft.com/office/drawing/2014/main" id="{259904AB-F23D-1D96-3F60-4CB810BA7F96}"/>
+                </a:ext>
+              </a:extLst>
+            </p:cNvPr>
+            <p:cNvSpPr/>
+            <p:nvPr/>
+          </p:nvSpPr>
+          <p:spPr>
+            <a:xfrm>
+              <a:off x="2603625" y="2017655"/>
+              <a:ext cx="1233182" cy="226434"/>
+            </a:xfrm>
+            <a:prstGeom prst="rightArrow">
+              <a:avLst/>
+            </a:prstGeom>
+            <a:solidFill>
+              <a:schemeClr val="accent5"/>
+            </a:solidFill>
+          </p:spPr>
+          <p:style>
+            <a:lnRef idx="2">
+              <a:schemeClr val="accent1">
+                <a:shade val="50000"/>
+              </a:schemeClr>
+            </a:lnRef>
+            <a:fillRef idx="1">
+              <a:schemeClr val="accent1"/>
+            </a:fillRef>
+            <a:effectRef idx="0">
+              <a:schemeClr val="accent1"/>
+            </a:effectRef>
+            <a:fontRef idx="minor">
+              <a:schemeClr val="lt1"/>
+            </a:fontRef>
+          </p:style>
+          <p:txBody>
+            <a:bodyPr rtlCol="0" anchor="ctr"/>
+            <a:lstStyle/>
+            <a:p>
+              <a:pPr algn="ctr"/>
+              <a:endParaRPr lang="en-US"/>
+            </a:p>
+          </p:txBody>
+        </p:sp>
+        <p:sp>
+          <p:nvSpPr>
+            <p:cNvPr id="11" name="Rectangle 10">
+              <a:extLst>
+                <a:ext uri="{FF2B5EF4-FFF2-40B4-BE49-F238E27FC236}">
+                  <a16:creationId xmlns:a16="http://schemas.microsoft.com/office/drawing/2014/main" id="{097030ED-57A7-4636-7474-C890EC92C08B}"/>
+                </a:ext>
+              </a:extLst>
+            </p:cNvPr>
+            <p:cNvSpPr/>
+            <p:nvPr/>
+          </p:nvSpPr>
+          <p:spPr>
+            <a:xfrm>
+              <a:off x="1753576" y="1954294"/>
+              <a:ext cx="142061" cy="126722"/>
+            </a:xfrm>
+            <a:prstGeom prst="rect">
+              <a:avLst/>
+            </a:prstGeom>
+            <a:solidFill>
+              <a:schemeClr val="bg1"/>
+            </a:solidFill>
+          </p:spPr>
+          <p:style>
+            <a:lnRef idx="2">
+              <a:schemeClr val="accent6">
+                <a:shade val="50000"/>
+              </a:schemeClr>
+            </a:lnRef>
+            <a:fillRef idx="1">
+              <a:schemeClr val="accent6"/>
+            </a:fillRef>
+            <a:effectRef idx="0">
+              <a:schemeClr val="accent6"/>
+            </a:effectRef>
+            <a:fontRef idx="minor">
+              <a:schemeClr val="lt1"/>
+            </a:fontRef>
+          </p:style>
+          <p:txBody>
+            <a:bodyPr rtlCol="0" anchor="ctr"/>
+            <a:lstStyle/>
+            <a:p>
+              <a:pPr algn="ctr"/>
+              <a:endParaRPr lang="en-US"/>
+            </a:p>
+          </p:txBody>
+        </p:sp>
+        <p:sp>
+          <p:nvSpPr>
+            <p:cNvPr id="12" name="Rectangle 11">
+              <a:extLst>
+                <a:ext uri="{FF2B5EF4-FFF2-40B4-BE49-F238E27FC236}">
+                  <a16:creationId xmlns:a16="http://schemas.microsoft.com/office/drawing/2014/main" id="{72D60381-00D0-B337-6A07-F53A2D1560F3}"/>
+                </a:ext>
+              </a:extLst>
+            </p:cNvPr>
+            <p:cNvSpPr/>
+            <p:nvPr/>
+          </p:nvSpPr>
+          <p:spPr>
+            <a:xfrm>
+              <a:off x="2178600" y="1954294"/>
+              <a:ext cx="142061" cy="126722"/>
+            </a:xfrm>
+            <a:prstGeom prst="rect">
+              <a:avLst/>
+            </a:prstGeom>
+            <a:solidFill>
+              <a:schemeClr val="bg1"/>
+            </a:solidFill>
+          </p:spPr>
+          <p:style>
+            <a:lnRef idx="2">
+              <a:schemeClr val="accent6">
+                <a:shade val="50000"/>
+              </a:schemeClr>
+            </a:lnRef>
+            <a:fillRef idx="1">
+              <a:schemeClr val="accent6"/>
+            </a:fillRef>
+            <a:effectRef idx="0">
+              <a:schemeClr val="accent6"/>
+            </a:effectRef>
+            <a:fontRef idx="minor">
+              <a:schemeClr val="lt1"/>
+            </a:fontRef>
+          </p:style>
+          <p:txBody>
+            <a:bodyPr rtlCol="0" anchor="ctr"/>
+            <a:lstStyle/>
+            <a:p>
+              <a:pPr algn="ctr"/>
+              <a:endParaRPr lang="en-US"/>
+            </a:p>
+          </p:txBody>
+        </p:sp>
+        <p:sp>
+          <p:nvSpPr>
+            <p:cNvPr id="13" name="Rectangle 12">
+              <a:extLst>
+                <a:ext uri="{FF2B5EF4-FFF2-40B4-BE49-F238E27FC236}">
+                  <a16:creationId xmlns:a16="http://schemas.microsoft.com/office/drawing/2014/main" id="{BAE4548E-92EC-66F2-4290-183B9CF74A60}"/>
+                </a:ext>
+              </a:extLst>
+            </p:cNvPr>
+            <p:cNvSpPr/>
+            <p:nvPr/>
+          </p:nvSpPr>
+          <p:spPr>
+            <a:xfrm>
+              <a:off x="1980354" y="2244089"/>
+              <a:ext cx="142061" cy="126722"/>
+            </a:xfrm>
+            <a:prstGeom prst="rect">
+              <a:avLst/>
+            </a:prstGeom>
+            <a:solidFill>
+              <a:schemeClr val="bg1"/>
+            </a:solidFill>
+          </p:spPr>
+          <p:style>
+            <a:lnRef idx="2">
+              <a:schemeClr val="accent6">
+                <a:shade val="50000"/>
+              </a:schemeClr>
+            </a:lnRef>
+            <a:fillRef idx="1">
+              <a:schemeClr val="accent6"/>
+            </a:fillRef>
+            <a:effectRef idx="0">
+              <a:schemeClr val="accent6"/>
+            </a:effectRef>
+            <a:fontRef idx="minor">
+              <a:schemeClr val="lt1"/>
+            </a:fontRef>
+          </p:style>
+          <p:txBody>
+            <a:bodyPr rtlCol="0" anchor="ctr"/>
+            <a:lstStyle/>
+            <a:p>
+              <a:pPr algn="ctr"/>
+              <a:endParaRPr lang="en-US"/>
+            </a:p>
+          </p:txBody>
+        </p:sp>
+      </p:grpSp>
+      <p:sp>
+        <p:nvSpPr>
+          <p:cNvPr id="2" name="TextBox 1">
+            <a:extLst>
+              <a:ext uri="{FF2B5EF4-FFF2-40B4-BE49-F238E27FC236}">
+                <a16:creationId xmlns:a16="http://schemas.microsoft.com/office/drawing/2014/main" id="{8ED2EC39-5780-4896-C587-D48C46B975E3}"/>
+              </a:ext>
+            </a:extLst>
+          </p:cNvPr>
+          <p:cNvSpPr txBox="1"/>
+          <p:nvPr/>
+        </p:nvSpPr>
+        <p:spPr>
+          <a:xfrm>
+            <a:off x="502458" y="439413"/>
             <a:ext cx="4634383" cy="523220"/>
           </a:xfrm>
           <a:prstGeom prst="rect">
@@ -5618,7 +8192,7 @@
 </p:sld>
 </file>
 
-<file path=ppt/slides/slide3.xml><?xml version="1.0" encoding="utf-8"?>
+<file path=ppt/slides/slide5.xml><?xml version="1.0" encoding="utf-8"?>
 <p:sld xmlns:a="http://schemas.openxmlformats.org/drawingml/2006/main" xmlns:r="http://schemas.openxmlformats.org/officeDocument/2006/relationships" xmlns:p="http://schemas.openxmlformats.org/presentationml/2006/main">
   <p:cSld>
     <p:spTree>
@@ -6371,7 +8945,7 @@
 </p:sld>
 </file>
 
-<file path=ppt/slides/slide4.xml><?xml version="1.0" encoding="utf-8"?>
+<file path=ppt/slides/slide6.xml><?xml version="1.0" encoding="utf-8"?>
 <p:sld xmlns:a="http://schemas.openxmlformats.org/drawingml/2006/main" xmlns:r="http://schemas.openxmlformats.org/officeDocument/2006/relationships" xmlns:p="http://schemas.openxmlformats.org/presentationml/2006/main">
   <p:cSld>
     <p:spTree>
@@ -7167,7 +9741,7 @@
 </p:sld>
 </file>
 
-<file path=ppt/slides/slide5.xml><?xml version="1.0" encoding="utf-8"?>
+<file path=ppt/slides/slide7.xml><?xml version="1.0" encoding="utf-8"?>
 <p:sld xmlns:a="http://schemas.openxmlformats.org/drawingml/2006/main" xmlns:r="http://schemas.openxmlformats.org/officeDocument/2006/relationships" xmlns:p="http://schemas.openxmlformats.org/presentationml/2006/main">
   <p:cSld>
     <p:spTree>
@@ -7392,7 +9966,7 @@
 </p:sld>
 </file>
 
-<file path=ppt/slides/slide6.xml><?xml version="1.0" encoding="utf-8"?>
+<file path=ppt/slides/slide8.xml><?xml version="1.0" encoding="utf-8"?>
 <p:sld xmlns:a="http://schemas.openxmlformats.org/drawingml/2006/main" xmlns:r="http://schemas.openxmlformats.org/officeDocument/2006/relationships" xmlns:p="http://schemas.openxmlformats.org/presentationml/2006/main">
   <p:cSld>
     <p:spTree>
@@ -8417,7 +10991,7 @@
 </p:sld>
 </file>
 
-<file path=ppt/slides/slide7.xml><?xml version="1.0" encoding="utf-8"?>
+<file path=ppt/slides/slide9.xml><?xml version="1.0" encoding="utf-8"?>
 <p:sld xmlns:a="http://schemas.openxmlformats.org/drawingml/2006/main" xmlns:r="http://schemas.openxmlformats.org/officeDocument/2006/relationships" xmlns:p="http://schemas.openxmlformats.org/presentationml/2006/main">
   <p:cSld>
     <p:spTree>
@@ -9728,1587 +12302,6 @@
 </p:sld>
 </file>
 
-<file path=ppt/slides/slide8.xml><?xml version="1.0" encoding="utf-8"?>
-<p:sld xmlns:a="http://schemas.openxmlformats.org/drawingml/2006/main" xmlns:r="http://schemas.openxmlformats.org/officeDocument/2006/relationships" xmlns:p="http://schemas.openxmlformats.org/presentationml/2006/main">
-  <p:cSld>
-    <p:spTree>
-      <p:nvGrpSpPr>
-        <p:cNvPr id="1" name=""/>
-        <p:cNvGrpSpPr/>
-        <p:nvPr/>
-      </p:nvGrpSpPr>
-      <p:grpSpPr>
-        <a:xfrm>
-          <a:off x="0" y="0"/>
-          <a:ext cx="0" cy="0"/>
-          <a:chOff x="0" y="0"/>
-          <a:chExt cx="0" cy="0"/>
-        </a:xfrm>
-      </p:grpSpPr>
-      <p:grpSp>
-        <p:nvGrpSpPr>
-          <p:cNvPr id="14" name="Group 13">
-            <a:extLst>
-              <a:ext uri="{FF2B5EF4-FFF2-40B4-BE49-F238E27FC236}">
-                <a16:creationId xmlns:a16="http://schemas.microsoft.com/office/drawing/2014/main" id="{8C8CCF37-86D0-4B5A-5FE6-52409E5B3F47}"/>
-              </a:ext>
-            </a:extLst>
-          </p:cNvPr>
-          <p:cNvGrpSpPr/>
-          <p:nvPr/>
-        </p:nvGrpSpPr>
-        <p:grpSpPr>
-          <a:xfrm>
-            <a:off x="7340281" y="1555156"/>
-            <a:ext cx="3107094" cy="4570434"/>
-            <a:chOff x="830424" y="1597101"/>
-            <a:chExt cx="3107094" cy="4570434"/>
-          </a:xfrm>
-        </p:grpSpPr>
-        <p:sp>
-          <p:nvSpPr>
-            <p:cNvPr id="4" name="Oval 3">
-              <a:extLst>
-                <a:ext uri="{FF2B5EF4-FFF2-40B4-BE49-F238E27FC236}">
-                  <a16:creationId xmlns:a16="http://schemas.microsoft.com/office/drawing/2014/main" id="{465B2BE1-D10C-8DF9-7859-A9F433BD86CB}"/>
-                </a:ext>
-              </a:extLst>
-            </p:cNvPr>
-            <p:cNvSpPr/>
-            <p:nvPr/>
-          </p:nvSpPr>
-          <p:spPr>
-            <a:xfrm>
-              <a:off x="830424" y="5570376"/>
-              <a:ext cx="3107094" cy="597159"/>
-            </a:xfrm>
-            <a:prstGeom prst="ellipse">
-              <a:avLst/>
-            </a:prstGeom>
-          </p:spPr>
-          <p:style>
-            <a:lnRef idx="2">
-              <a:schemeClr val="accent1">
-                <a:shade val="50000"/>
-              </a:schemeClr>
-            </a:lnRef>
-            <a:fillRef idx="1">
-              <a:schemeClr val="accent1"/>
-            </a:fillRef>
-            <a:effectRef idx="0">
-              <a:schemeClr val="accent1"/>
-            </a:effectRef>
-            <a:fontRef idx="minor">
-              <a:schemeClr val="lt1"/>
-            </a:fontRef>
-          </p:style>
-          <p:txBody>
-            <a:bodyPr rtlCol="0" anchor="ctr"/>
-            <a:lstStyle/>
-            <a:p>
-              <a:pPr algn="ctr"/>
-              <a:endParaRPr lang="en-US"/>
-            </a:p>
-          </p:txBody>
-        </p:sp>
-        <p:sp>
-          <p:nvSpPr>
-            <p:cNvPr id="5" name="Rectangle 4">
-              <a:extLst>
-                <a:ext uri="{FF2B5EF4-FFF2-40B4-BE49-F238E27FC236}">
-                  <a16:creationId xmlns:a16="http://schemas.microsoft.com/office/drawing/2014/main" id="{FE712F96-E7D5-B99B-34D8-33B324238281}"/>
-                </a:ext>
-              </a:extLst>
-            </p:cNvPr>
-            <p:cNvSpPr/>
-            <p:nvPr/>
-          </p:nvSpPr>
-          <p:spPr>
-            <a:xfrm>
-              <a:off x="2021747" y="3036815"/>
-              <a:ext cx="100668" cy="2751589"/>
-            </a:xfrm>
-            <a:prstGeom prst="rect">
-              <a:avLst/>
-            </a:prstGeom>
-            <a:solidFill>
-              <a:schemeClr val="accent5"/>
-            </a:solidFill>
-            <a:ln>
-              <a:solidFill>
-                <a:schemeClr val="tx1"/>
-              </a:solidFill>
-            </a:ln>
-          </p:spPr>
-          <p:style>
-            <a:lnRef idx="2">
-              <a:schemeClr val="accent1">
-                <a:shade val="50000"/>
-              </a:schemeClr>
-            </a:lnRef>
-            <a:fillRef idx="1">
-              <a:schemeClr val="accent1"/>
-            </a:fillRef>
-            <a:effectRef idx="0">
-              <a:schemeClr val="accent1"/>
-            </a:effectRef>
-            <a:fontRef idx="minor">
-              <a:schemeClr val="lt1"/>
-            </a:fontRef>
-          </p:style>
-          <p:txBody>
-            <a:bodyPr rtlCol="0" anchor="ctr"/>
-            <a:lstStyle/>
-            <a:p>
-              <a:pPr algn="ctr"/>
-              <a:endParaRPr lang="en-US"/>
-            </a:p>
-          </p:txBody>
-        </p:sp>
-        <p:grpSp>
-          <p:nvGrpSpPr>
-            <p:cNvPr id="8" name="Group 7">
-              <a:extLst>
-                <a:ext uri="{FF2B5EF4-FFF2-40B4-BE49-F238E27FC236}">
-                  <a16:creationId xmlns:a16="http://schemas.microsoft.com/office/drawing/2014/main" id="{FF252F10-FD11-BB4A-381C-DA297D8BD3C0}"/>
-                </a:ext>
-              </a:extLst>
-            </p:cNvPr>
-            <p:cNvGrpSpPr/>
-            <p:nvPr/>
-          </p:nvGrpSpPr>
-          <p:grpSpPr>
-            <a:xfrm>
-              <a:off x="1455490" y="1597101"/>
-              <a:ext cx="1233182" cy="1439714"/>
-              <a:chOff x="3937518" y="931178"/>
-              <a:chExt cx="1060704" cy="1233182"/>
-            </a:xfrm>
-          </p:grpSpPr>
-          <p:sp>
-            <p:nvSpPr>
-              <p:cNvPr id="6" name="Isosceles Triangle 5">
-                <a:extLst>
-                  <a:ext uri="{FF2B5EF4-FFF2-40B4-BE49-F238E27FC236}">
-                    <a16:creationId xmlns:a16="http://schemas.microsoft.com/office/drawing/2014/main" id="{33848017-FCF3-5D97-2BDC-17A9E0E39087}"/>
-                  </a:ext>
-                </a:extLst>
-              </p:cNvPr>
-              <p:cNvSpPr/>
-              <p:nvPr/>
-            </p:nvSpPr>
-            <p:spPr>
-              <a:xfrm>
-                <a:off x="3937518" y="1249960"/>
-                <a:ext cx="1060704" cy="914400"/>
-              </a:xfrm>
-              <a:prstGeom prst="triangle">
-                <a:avLst/>
-              </a:prstGeom>
-              <a:solidFill>
-                <a:schemeClr val="bg1"/>
-              </a:solidFill>
-              <a:ln>
-                <a:solidFill>
-                  <a:schemeClr val="tx1"/>
-                </a:solidFill>
-              </a:ln>
-            </p:spPr>
-            <p:style>
-              <a:lnRef idx="2">
-                <a:schemeClr val="accent1">
-                  <a:shade val="50000"/>
-                </a:schemeClr>
-              </a:lnRef>
-              <a:fillRef idx="1">
-                <a:schemeClr val="accent1"/>
-              </a:fillRef>
-              <a:effectRef idx="0">
-                <a:schemeClr val="accent1"/>
-              </a:effectRef>
-              <a:fontRef idx="minor">
-                <a:schemeClr val="lt1"/>
-              </a:fontRef>
-            </p:style>
-            <p:txBody>
-              <a:bodyPr rtlCol="0" anchor="ctr"/>
-              <a:lstStyle/>
-              <a:p>
-                <a:pPr algn="ctr"/>
-                <a:endParaRPr lang="en-US"/>
-              </a:p>
-            </p:txBody>
-          </p:sp>
-          <p:sp>
-            <p:nvSpPr>
-              <p:cNvPr id="7" name="Oval 6">
-                <a:extLst>
-                  <a:ext uri="{FF2B5EF4-FFF2-40B4-BE49-F238E27FC236}">
-                    <a16:creationId xmlns:a16="http://schemas.microsoft.com/office/drawing/2014/main" id="{4601C6FA-F863-ED3A-43EB-CEC91DAB855C}"/>
-                  </a:ext>
-                </a:extLst>
-              </p:cNvPr>
-              <p:cNvSpPr/>
-              <p:nvPr/>
-            </p:nvSpPr>
-            <p:spPr>
-              <a:xfrm>
-                <a:off x="4010670" y="931178"/>
-                <a:ext cx="914400" cy="914400"/>
-              </a:xfrm>
-              <a:prstGeom prst="ellipse">
-                <a:avLst/>
-              </a:prstGeom>
-              <a:solidFill>
-                <a:schemeClr val="bg1"/>
-              </a:solidFill>
-              <a:ln>
-                <a:solidFill>
-                  <a:schemeClr val="tx1"/>
-                </a:solidFill>
-              </a:ln>
-            </p:spPr>
-            <p:style>
-              <a:lnRef idx="2">
-                <a:schemeClr val="accent1">
-                  <a:shade val="50000"/>
-                </a:schemeClr>
-              </a:lnRef>
-              <a:fillRef idx="1">
-                <a:schemeClr val="accent1"/>
-              </a:fillRef>
-              <a:effectRef idx="0">
-                <a:schemeClr val="accent1"/>
-              </a:effectRef>
-              <a:fontRef idx="minor">
-                <a:schemeClr val="lt1"/>
-              </a:fontRef>
-            </p:style>
-            <p:txBody>
-              <a:bodyPr rtlCol="0" anchor="ctr"/>
-              <a:lstStyle/>
-              <a:p>
-                <a:pPr algn="ctr"/>
-                <a:endParaRPr lang="en-US"/>
-              </a:p>
-            </p:txBody>
-          </p:sp>
-        </p:grpSp>
-        <p:sp>
-          <p:nvSpPr>
-            <p:cNvPr id="10" name="Arrow: Right 9">
-              <a:extLst>
-                <a:ext uri="{FF2B5EF4-FFF2-40B4-BE49-F238E27FC236}">
-                  <a16:creationId xmlns:a16="http://schemas.microsoft.com/office/drawing/2014/main" id="{259904AB-F23D-1D96-3F60-4CB810BA7F96}"/>
-                </a:ext>
-              </a:extLst>
-            </p:cNvPr>
-            <p:cNvSpPr/>
-            <p:nvPr/>
-          </p:nvSpPr>
-          <p:spPr>
-            <a:xfrm>
-              <a:off x="2603625" y="2017655"/>
-              <a:ext cx="1233182" cy="226434"/>
-            </a:xfrm>
-            <a:prstGeom prst="rightArrow">
-              <a:avLst/>
-            </a:prstGeom>
-            <a:solidFill>
-              <a:schemeClr val="accent5"/>
-            </a:solidFill>
-          </p:spPr>
-          <p:style>
-            <a:lnRef idx="2">
-              <a:schemeClr val="accent1">
-                <a:shade val="50000"/>
-              </a:schemeClr>
-            </a:lnRef>
-            <a:fillRef idx="1">
-              <a:schemeClr val="accent1"/>
-            </a:fillRef>
-            <a:effectRef idx="0">
-              <a:schemeClr val="accent1"/>
-            </a:effectRef>
-            <a:fontRef idx="minor">
-              <a:schemeClr val="lt1"/>
-            </a:fontRef>
-          </p:style>
-          <p:txBody>
-            <a:bodyPr rtlCol="0" anchor="ctr"/>
-            <a:lstStyle/>
-            <a:p>
-              <a:pPr algn="ctr"/>
-              <a:endParaRPr lang="en-US"/>
-            </a:p>
-          </p:txBody>
-        </p:sp>
-        <p:sp>
-          <p:nvSpPr>
-            <p:cNvPr id="11" name="Rectangle 10">
-              <a:extLst>
-                <a:ext uri="{FF2B5EF4-FFF2-40B4-BE49-F238E27FC236}">
-                  <a16:creationId xmlns:a16="http://schemas.microsoft.com/office/drawing/2014/main" id="{097030ED-57A7-4636-7474-C890EC92C08B}"/>
-                </a:ext>
-              </a:extLst>
-            </p:cNvPr>
-            <p:cNvSpPr/>
-            <p:nvPr/>
-          </p:nvSpPr>
-          <p:spPr>
-            <a:xfrm>
-              <a:off x="1753576" y="1954294"/>
-              <a:ext cx="142061" cy="126722"/>
-            </a:xfrm>
-            <a:prstGeom prst="rect">
-              <a:avLst/>
-            </a:prstGeom>
-            <a:solidFill>
-              <a:schemeClr val="bg1"/>
-            </a:solidFill>
-          </p:spPr>
-          <p:style>
-            <a:lnRef idx="2">
-              <a:schemeClr val="accent6">
-                <a:shade val="50000"/>
-              </a:schemeClr>
-            </a:lnRef>
-            <a:fillRef idx="1">
-              <a:schemeClr val="accent6"/>
-            </a:fillRef>
-            <a:effectRef idx="0">
-              <a:schemeClr val="accent6"/>
-            </a:effectRef>
-            <a:fontRef idx="minor">
-              <a:schemeClr val="lt1"/>
-            </a:fontRef>
-          </p:style>
-          <p:txBody>
-            <a:bodyPr rtlCol="0" anchor="ctr"/>
-            <a:lstStyle/>
-            <a:p>
-              <a:pPr algn="ctr"/>
-              <a:endParaRPr lang="en-US"/>
-            </a:p>
-          </p:txBody>
-        </p:sp>
-        <p:sp>
-          <p:nvSpPr>
-            <p:cNvPr id="12" name="Rectangle 11">
-              <a:extLst>
-                <a:ext uri="{FF2B5EF4-FFF2-40B4-BE49-F238E27FC236}">
-                  <a16:creationId xmlns:a16="http://schemas.microsoft.com/office/drawing/2014/main" id="{72D60381-00D0-B337-6A07-F53A2D1560F3}"/>
-                </a:ext>
-              </a:extLst>
-            </p:cNvPr>
-            <p:cNvSpPr/>
-            <p:nvPr/>
-          </p:nvSpPr>
-          <p:spPr>
-            <a:xfrm>
-              <a:off x="2178600" y="1954294"/>
-              <a:ext cx="142061" cy="126722"/>
-            </a:xfrm>
-            <a:prstGeom prst="rect">
-              <a:avLst/>
-            </a:prstGeom>
-            <a:solidFill>
-              <a:schemeClr val="bg1"/>
-            </a:solidFill>
-          </p:spPr>
-          <p:style>
-            <a:lnRef idx="2">
-              <a:schemeClr val="accent6">
-                <a:shade val="50000"/>
-              </a:schemeClr>
-            </a:lnRef>
-            <a:fillRef idx="1">
-              <a:schemeClr val="accent6"/>
-            </a:fillRef>
-            <a:effectRef idx="0">
-              <a:schemeClr val="accent6"/>
-            </a:effectRef>
-            <a:fontRef idx="minor">
-              <a:schemeClr val="lt1"/>
-            </a:fontRef>
-          </p:style>
-          <p:txBody>
-            <a:bodyPr rtlCol="0" anchor="ctr"/>
-            <a:lstStyle/>
-            <a:p>
-              <a:pPr algn="ctr"/>
-              <a:endParaRPr lang="en-US"/>
-            </a:p>
-          </p:txBody>
-        </p:sp>
-        <p:sp>
-          <p:nvSpPr>
-            <p:cNvPr id="13" name="Rectangle 12">
-              <a:extLst>
-                <a:ext uri="{FF2B5EF4-FFF2-40B4-BE49-F238E27FC236}">
-                  <a16:creationId xmlns:a16="http://schemas.microsoft.com/office/drawing/2014/main" id="{BAE4548E-92EC-66F2-4290-183B9CF74A60}"/>
-                </a:ext>
-              </a:extLst>
-            </p:cNvPr>
-            <p:cNvSpPr/>
-            <p:nvPr/>
-          </p:nvSpPr>
-          <p:spPr>
-            <a:xfrm>
-              <a:off x="1980354" y="2244089"/>
-              <a:ext cx="142061" cy="126722"/>
-            </a:xfrm>
-            <a:prstGeom prst="rect">
-              <a:avLst/>
-            </a:prstGeom>
-            <a:solidFill>
-              <a:schemeClr val="bg1"/>
-            </a:solidFill>
-          </p:spPr>
-          <p:style>
-            <a:lnRef idx="2">
-              <a:schemeClr val="accent6">
-                <a:shade val="50000"/>
-              </a:schemeClr>
-            </a:lnRef>
-            <a:fillRef idx="1">
-              <a:schemeClr val="accent6"/>
-            </a:fillRef>
-            <a:effectRef idx="0">
-              <a:schemeClr val="accent6"/>
-            </a:effectRef>
-            <a:fontRef idx="minor">
-              <a:schemeClr val="lt1"/>
-            </a:fontRef>
-          </p:style>
-          <p:txBody>
-            <a:bodyPr rtlCol="0" anchor="ctr"/>
-            <a:lstStyle/>
-            <a:p>
-              <a:pPr algn="ctr"/>
-              <a:endParaRPr lang="en-US"/>
-            </a:p>
-          </p:txBody>
-        </p:sp>
-      </p:grpSp>
-      <p:sp>
-        <p:nvSpPr>
-          <p:cNvPr id="15" name="Rectangle: Top Corners Rounded 14">
-            <a:extLst>
-              <a:ext uri="{FF2B5EF4-FFF2-40B4-BE49-F238E27FC236}">
-                <a16:creationId xmlns:a16="http://schemas.microsoft.com/office/drawing/2014/main" id="{AACC89AC-C5E6-28C3-1301-4DE46ABEF622}"/>
-              </a:ext>
-            </a:extLst>
-          </p:cNvPr>
-          <p:cNvSpPr/>
-          <p:nvPr/>
-        </p:nvSpPr>
-        <p:spPr>
-          <a:xfrm>
-            <a:off x="6462302" y="732410"/>
-            <a:ext cx="1375795" cy="1067543"/>
-          </a:xfrm>
-          <a:prstGeom prst="round2SameRect">
-            <a:avLst/>
-          </a:prstGeom>
-        </p:spPr>
-        <p:style>
-          <a:lnRef idx="2">
-            <a:schemeClr val="accent2">
-              <a:shade val="50000"/>
-            </a:schemeClr>
-          </a:lnRef>
-          <a:fillRef idx="1">
-            <a:schemeClr val="accent2"/>
-          </a:fillRef>
-          <a:effectRef idx="0">
-            <a:schemeClr val="accent2"/>
-          </a:effectRef>
-          <a:fontRef idx="minor">
-            <a:schemeClr val="lt1"/>
-          </a:fontRef>
-        </p:style>
-        <p:txBody>
-          <a:bodyPr rtlCol="0" anchor="ctr"/>
-          <a:lstStyle/>
-          <a:p>
-            <a:pPr algn="ctr"/>
-            <a:endParaRPr lang="en-US"/>
-          </a:p>
-        </p:txBody>
-      </p:sp>
-      <p:sp>
-        <p:nvSpPr>
-          <p:cNvPr id="16" name="Rectangle 15">
-            <a:extLst>
-              <a:ext uri="{FF2B5EF4-FFF2-40B4-BE49-F238E27FC236}">
-                <a16:creationId xmlns:a16="http://schemas.microsoft.com/office/drawing/2014/main" id="{21230576-4A87-E48C-9802-0EBB6F7ECCF3}"/>
-              </a:ext>
-            </a:extLst>
-          </p:cNvPr>
-          <p:cNvSpPr/>
-          <p:nvPr/>
-        </p:nvSpPr>
-        <p:spPr>
-          <a:xfrm>
-            <a:off x="6866649" y="1104581"/>
-            <a:ext cx="142061" cy="126722"/>
-          </a:xfrm>
-          <a:prstGeom prst="rect">
-            <a:avLst/>
-          </a:prstGeom>
-          <a:solidFill>
-            <a:schemeClr val="bg1"/>
-          </a:solidFill>
-        </p:spPr>
-        <p:style>
-          <a:lnRef idx="2">
-            <a:schemeClr val="accent6">
-              <a:shade val="50000"/>
-            </a:schemeClr>
-          </a:lnRef>
-          <a:fillRef idx="1">
-            <a:schemeClr val="accent6"/>
-          </a:fillRef>
-          <a:effectRef idx="0">
-            <a:schemeClr val="accent6"/>
-          </a:effectRef>
-          <a:fontRef idx="minor">
-            <a:schemeClr val="lt1"/>
-          </a:fontRef>
-        </p:style>
-        <p:txBody>
-          <a:bodyPr rtlCol="0" anchor="ctr"/>
-          <a:lstStyle/>
-          <a:p>
-            <a:pPr algn="ctr"/>
-            <a:endParaRPr lang="en-US"/>
-          </a:p>
-        </p:txBody>
-      </p:sp>
-      <p:sp>
-        <p:nvSpPr>
-          <p:cNvPr id="17" name="Rectangle 16">
-            <a:extLst>
-              <a:ext uri="{FF2B5EF4-FFF2-40B4-BE49-F238E27FC236}">
-                <a16:creationId xmlns:a16="http://schemas.microsoft.com/office/drawing/2014/main" id="{7640ED9B-B87E-5C3A-F9F2-B5221FFBF672}"/>
-              </a:ext>
-            </a:extLst>
-          </p:cNvPr>
-          <p:cNvSpPr/>
-          <p:nvPr/>
-        </p:nvSpPr>
-        <p:spPr>
-          <a:xfrm>
-            <a:off x="7291673" y="1104581"/>
-            <a:ext cx="142061" cy="126722"/>
-          </a:xfrm>
-          <a:prstGeom prst="rect">
-            <a:avLst/>
-          </a:prstGeom>
-          <a:solidFill>
-            <a:schemeClr val="bg1"/>
-          </a:solidFill>
-        </p:spPr>
-        <p:style>
-          <a:lnRef idx="2">
-            <a:schemeClr val="accent6">
-              <a:shade val="50000"/>
-            </a:schemeClr>
-          </a:lnRef>
-          <a:fillRef idx="1">
-            <a:schemeClr val="accent6"/>
-          </a:fillRef>
-          <a:effectRef idx="0">
-            <a:schemeClr val="accent6"/>
-          </a:effectRef>
-          <a:fontRef idx="minor">
-            <a:schemeClr val="lt1"/>
-          </a:fontRef>
-        </p:style>
-        <p:txBody>
-          <a:bodyPr rtlCol="0" anchor="ctr"/>
-          <a:lstStyle/>
-          <a:p>
-            <a:pPr algn="ctr"/>
-            <a:endParaRPr lang="en-US"/>
-          </a:p>
-        </p:txBody>
-      </p:sp>
-      <p:sp>
-        <p:nvSpPr>
-          <p:cNvPr id="18" name="Rectangle 17">
-            <a:extLst>
-              <a:ext uri="{FF2B5EF4-FFF2-40B4-BE49-F238E27FC236}">
-                <a16:creationId xmlns:a16="http://schemas.microsoft.com/office/drawing/2014/main" id="{8293DFAF-577F-9BA8-1071-5DF7C7C56FDD}"/>
-              </a:ext>
-            </a:extLst>
-          </p:cNvPr>
-          <p:cNvSpPr/>
-          <p:nvPr/>
-        </p:nvSpPr>
-        <p:spPr>
-          <a:xfrm>
-            <a:off x="7093427" y="1394376"/>
-            <a:ext cx="142061" cy="126722"/>
-          </a:xfrm>
-          <a:prstGeom prst="rect">
-            <a:avLst/>
-          </a:prstGeom>
-          <a:solidFill>
-            <a:schemeClr val="bg1"/>
-          </a:solidFill>
-        </p:spPr>
-        <p:style>
-          <a:lnRef idx="2">
-            <a:schemeClr val="accent6">
-              <a:shade val="50000"/>
-            </a:schemeClr>
-          </a:lnRef>
-          <a:fillRef idx="1">
-            <a:schemeClr val="accent6"/>
-          </a:fillRef>
-          <a:effectRef idx="0">
-            <a:schemeClr val="accent6"/>
-          </a:effectRef>
-          <a:fontRef idx="minor">
-            <a:schemeClr val="lt1"/>
-          </a:fontRef>
-        </p:style>
-        <p:txBody>
-          <a:bodyPr rtlCol="0" anchor="ctr"/>
-          <a:lstStyle/>
-          <a:p>
-            <a:pPr algn="ctr"/>
-            <a:endParaRPr lang="en-US"/>
-          </a:p>
-        </p:txBody>
-      </p:sp>
-      <p:sp>
-        <p:nvSpPr>
-          <p:cNvPr id="2" name="TextBox 1">
-            <a:extLst>
-              <a:ext uri="{FF2B5EF4-FFF2-40B4-BE49-F238E27FC236}">
-                <a16:creationId xmlns:a16="http://schemas.microsoft.com/office/drawing/2014/main" id="{8ED2EC39-5780-4896-C587-D48C46B975E3}"/>
-              </a:ext>
-            </a:extLst>
-          </p:cNvPr>
-          <p:cNvSpPr txBox="1"/>
-          <p:nvPr/>
-        </p:nvSpPr>
-        <p:spPr>
-          <a:xfrm>
-            <a:off x="502458" y="439413"/>
-            <a:ext cx="4634383" cy="523220"/>
-          </a:xfrm>
-          <a:prstGeom prst="rect">
-            <a:avLst/>
-          </a:prstGeom>
-          <a:noFill/>
-        </p:spPr>
-        <p:txBody>
-          <a:bodyPr wrap="square" rtlCol="0">
-            <a:spAutoFit/>
-          </a:bodyPr>
-          <a:lstStyle/>
-          <a:p>
-            <a:pPr algn="ctr"/>
-            <a:r>
-              <a:rPr lang="en-US" sz="2800" i="1" dirty="0"/>
-              <a:t>Say the pump uses diesel.</a:t>
-            </a:r>
-          </a:p>
-        </p:txBody>
-      </p:sp>
-      <p:sp>
-        <p:nvSpPr>
-          <p:cNvPr id="3" name="TextBox 2">
-            <a:extLst>
-              <a:ext uri="{FF2B5EF4-FFF2-40B4-BE49-F238E27FC236}">
-                <a16:creationId xmlns:a16="http://schemas.microsoft.com/office/drawing/2014/main" id="{807C7986-C97E-7089-23D8-5FFC7985C8C8}"/>
-              </a:ext>
-            </a:extLst>
-          </p:cNvPr>
-          <p:cNvSpPr txBox="1"/>
-          <p:nvPr/>
-        </p:nvSpPr>
-        <p:spPr>
-          <a:xfrm>
-            <a:off x="261853" y="2088927"/>
-            <a:ext cx="4634383" cy="1384995"/>
-          </a:xfrm>
-          <a:prstGeom prst="rect">
-            <a:avLst/>
-          </a:prstGeom>
-          <a:noFill/>
-        </p:spPr>
-        <p:txBody>
-          <a:bodyPr wrap="square" rtlCol="0">
-            <a:spAutoFit/>
-          </a:bodyPr>
-          <a:lstStyle/>
-          <a:p>
-            <a:pPr algn="ctr"/>
-            <a:r>
-              <a:rPr lang="en-US" sz="2800" dirty="0"/>
-              <a:t>You will therefore actually need 3 units of diesel to run the pump. </a:t>
-            </a:r>
-          </a:p>
-        </p:txBody>
-      </p:sp>
-      <p:sp>
-        <p:nvSpPr>
-          <p:cNvPr id="21" name="Rectangle 20">
-            <a:extLst>
-              <a:ext uri="{FF2B5EF4-FFF2-40B4-BE49-F238E27FC236}">
-                <a16:creationId xmlns:a16="http://schemas.microsoft.com/office/drawing/2014/main" id="{273B94B4-C584-53A3-2066-E27EE720BE2B}"/>
-              </a:ext>
-            </a:extLst>
-          </p:cNvPr>
-          <p:cNvSpPr/>
-          <p:nvPr/>
-        </p:nvSpPr>
-        <p:spPr>
-          <a:xfrm>
-            <a:off x="8260344" y="1912349"/>
-            <a:ext cx="142061" cy="126722"/>
-          </a:xfrm>
-          <a:prstGeom prst="rect">
-            <a:avLst/>
-          </a:prstGeom>
-        </p:spPr>
-        <p:style>
-          <a:lnRef idx="2">
-            <a:schemeClr val="accent6">
-              <a:shade val="50000"/>
-            </a:schemeClr>
-          </a:lnRef>
-          <a:fillRef idx="1">
-            <a:schemeClr val="accent6"/>
-          </a:fillRef>
-          <a:effectRef idx="0">
-            <a:schemeClr val="accent6"/>
-          </a:effectRef>
-          <a:fontRef idx="minor">
-            <a:schemeClr val="lt1"/>
-          </a:fontRef>
-        </p:style>
-        <p:txBody>
-          <a:bodyPr rtlCol="0" anchor="ctr"/>
-          <a:lstStyle/>
-          <a:p>
-            <a:pPr algn="ctr"/>
-            <a:endParaRPr lang="en-US"/>
-          </a:p>
-        </p:txBody>
-      </p:sp>
-      <p:sp>
-        <p:nvSpPr>
-          <p:cNvPr id="9" name="Rectangle: Top Corners Rounded 8">
-            <a:extLst>
-              <a:ext uri="{FF2B5EF4-FFF2-40B4-BE49-F238E27FC236}">
-                <a16:creationId xmlns:a16="http://schemas.microsoft.com/office/drawing/2014/main" id="{7794CDA2-F6FB-200B-B9A3-D548D4F6AD8B}"/>
-              </a:ext>
-            </a:extLst>
-          </p:cNvPr>
-          <p:cNvSpPr/>
-          <p:nvPr/>
-        </p:nvSpPr>
-        <p:spPr>
-          <a:xfrm>
-            <a:off x="6462302" y="2039071"/>
-            <a:ext cx="1375795" cy="1067543"/>
-          </a:xfrm>
-          <a:prstGeom prst="round2SameRect">
-            <a:avLst/>
-          </a:prstGeom>
-        </p:spPr>
-        <p:style>
-          <a:lnRef idx="2">
-            <a:schemeClr val="accent2">
-              <a:shade val="50000"/>
-            </a:schemeClr>
-          </a:lnRef>
-          <a:fillRef idx="1">
-            <a:schemeClr val="accent2"/>
-          </a:fillRef>
-          <a:effectRef idx="0">
-            <a:schemeClr val="accent2"/>
-          </a:effectRef>
-          <a:fontRef idx="minor">
-            <a:schemeClr val="lt1"/>
-          </a:fontRef>
-        </p:style>
-        <p:txBody>
-          <a:bodyPr rtlCol="0" anchor="ctr"/>
-          <a:lstStyle/>
-          <a:p>
-            <a:pPr algn="ctr"/>
-            <a:endParaRPr lang="en-US"/>
-          </a:p>
-        </p:txBody>
-      </p:sp>
-      <p:sp>
-        <p:nvSpPr>
-          <p:cNvPr id="22" name="Rectangle 21">
-            <a:extLst>
-              <a:ext uri="{FF2B5EF4-FFF2-40B4-BE49-F238E27FC236}">
-                <a16:creationId xmlns:a16="http://schemas.microsoft.com/office/drawing/2014/main" id="{0AC3551A-8361-C3A0-DB98-229F8215A00C}"/>
-              </a:ext>
-            </a:extLst>
-          </p:cNvPr>
-          <p:cNvSpPr/>
-          <p:nvPr/>
-        </p:nvSpPr>
-        <p:spPr>
-          <a:xfrm>
-            <a:off x="6866649" y="2411242"/>
-            <a:ext cx="142061" cy="126722"/>
-          </a:xfrm>
-          <a:prstGeom prst="rect">
-            <a:avLst/>
-          </a:prstGeom>
-          <a:solidFill>
-            <a:schemeClr val="bg1"/>
-          </a:solidFill>
-        </p:spPr>
-        <p:style>
-          <a:lnRef idx="2">
-            <a:schemeClr val="accent6">
-              <a:shade val="50000"/>
-            </a:schemeClr>
-          </a:lnRef>
-          <a:fillRef idx="1">
-            <a:schemeClr val="accent6"/>
-          </a:fillRef>
-          <a:effectRef idx="0">
-            <a:schemeClr val="accent6"/>
-          </a:effectRef>
-          <a:fontRef idx="minor">
-            <a:schemeClr val="lt1"/>
-          </a:fontRef>
-        </p:style>
-        <p:txBody>
-          <a:bodyPr rtlCol="0" anchor="ctr"/>
-          <a:lstStyle/>
-          <a:p>
-            <a:pPr algn="ctr"/>
-            <a:endParaRPr lang="en-US"/>
-          </a:p>
-        </p:txBody>
-      </p:sp>
-      <p:sp>
-        <p:nvSpPr>
-          <p:cNvPr id="24" name="Rectangle 23">
-            <a:extLst>
-              <a:ext uri="{FF2B5EF4-FFF2-40B4-BE49-F238E27FC236}">
-                <a16:creationId xmlns:a16="http://schemas.microsoft.com/office/drawing/2014/main" id="{D35BFFB4-62D0-8AE0-C13A-B02ED3E62F52}"/>
-              </a:ext>
-            </a:extLst>
-          </p:cNvPr>
-          <p:cNvSpPr/>
-          <p:nvPr/>
-        </p:nvSpPr>
-        <p:spPr>
-          <a:xfrm>
-            <a:off x="7291673" y="2411242"/>
-            <a:ext cx="142061" cy="126722"/>
-          </a:xfrm>
-          <a:prstGeom prst="rect">
-            <a:avLst/>
-          </a:prstGeom>
-          <a:solidFill>
-            <a:schemeClr val="bg1"/>
-          </a:solidFill>
-        </p:spPr>
-        <p:style>
-          <a:lnRef idx="2">
-            <a:schemeClr val="accent6">
-              <a:shade val="50000"/>
-            </a:schemeClr>
-          </a:lnRef>
-          <a:fillRef idx="1">
-            <a:schemeClr val="accent6"/>
-          </a:fillRef>
-          <a:effectRef idx="0">
-            <a:schemeClr val="accent6"/>
-          </a:effectRef>
-          <a:fontRef idx="minor">
-            <a:schemeClr val="lt1"/>
-          </a:fontRef>
-        </p:style>
-        <p:txBody>
-          <a:bodyPr rtlCol="0" anchor="ctr"/>
-          <a:lstStyle/>
-          <a:p>
-            <a:pPr algn="ctr"/>
-            <a:endParaRPr lang="en-US"/>
-          </a:p>
-        </p:txBody>
-      </p:sp>
-      <p:sp>
-        <p:nvSpPr>
-          <p:cNvPr id="26" name="Rectangle 25">
-            <a:extLst>
-              <a:ext uri="{FF2B5EF4-FFF2-40B4-BE49-F238E27FC236}">
-                <a16:creationId xmlns:a16="http://schemas.microsoft.com/office/drawing/2014/main" id="{AC3459C3-27A5-F24B-0706-024D51E6D53E}"/>
-              </a:ext>
-            </a:extLst>
-          </p:cNvPr>
-          <p:cNvSpPr/>
-          <p:nvPr/>
-        </p:nvSpPr>
-        <p:spPr>
-          <a:xfrm>
-            <a:off x="7093427" y="2701037"/>
-            <a:ext cx="142061" cy="126722"/>
-          </a:xfrm>
-          <a:prstGeom prst="rect">
-            <a:avLst/>
-          </a:prstGeom>
-          <a:solidFill>
-            <a:schemeClr val="accent6"/>
-          </a:solidFill>
-        </p:spPr>
-        <p:style>
-          <a:lnRef idx="2">
-            <a:schemeClr val="accent6">
-              <a:shade val="50000"/>
-            </a:schemeClr>
-          </a:lnRef>
-          <a:fillRef idx="1">
-            <a:schemeClr val="accent6"/>
-          </a:fillRef>
-          <a:effectRef idx="0">
-            <a:schemeClr val="accent6"/>
-          </a:effectRef>
-          <a:fontRef idx="minor">
-            <a:schemeClr val="lt1"/>
-          </a:fontRef>
-        </p:style>
-        <p:txBody>
-          <a:bodyPr rtlCol="0" anchor="ctr"/>
-          <a:lstStyle/>
-          <a:p>
-            <a:pPr algn="ctr"/>
-            <a:endParaRPr lang="en-US"/>
-          </a:p>
-        </p:txBody>
-      </p:sp>
-      <p:sp>
-        <p:nvSpPr>
-          <p:cNvPr id="27" name="Rectangle: Top Corners Rounded 26">
-            <a:extLst>
-              <a:ext uri="{FF2B5EF4-FFF2-40B4-BE49-F238E27FC236}">
-                <a16:creationId xmlns:a16="http://schemas.microsoft.com/office/drawing/2014/main" id="{78597618-615C-1621-8057-EFD9EF1B2F33}"/>
-              </a:ext>
-            </a:extLst>
-          </p:cNvPr>
-          <p:cNvSpPr/>
-          <p:nvPr/>
-        </p:nvSpPr>
-        <p:spPr>
-          <a:xfrm>
-            <a:off x="6464616" y="3378367"/>
-            <a:ext cx="1375795" cy="1067543"/>
-          </a:xfrm>
-          <a:prstGeom prst="round2SameRect">
-            <a:avLst/>
-          </a:prstGeom>
-        </p:spPr>
-        <p:style>
-          <a:lnRef idx="2">
-            <a:schemeClr val="accent2">
-              <a:shade val="50000"/>
-            </a:schemeClr>
-          </a:lnRef>
-          <a:fillRef idx="1">
-            <a:schemeClr val="accent2"/>
-          </a:fillRef>
-          <a:effectRef idx="0">
-            <a:schemeClr val="accent2"/>
-          </a:effectRef>
-          <a:fontRef idx="minor">
-            <a:schemeClr val="lt1"/>
-          </a:fontRef>
-        </p:style>
-        <p:txBody>
-          <a:bodyPr rtlCol="0" anchor="ctr"/>
-          <a:lstStyle/>
-          <a:p>
-            <a:pPr algn="ctr"/>
-            <a:endParaRPr lang="en-US"/>
-          </a:p>
-        </p:txBody>
-      </p:sp>
-      <p:sp>
-        <p:nvSpPr>
-          <p:cNvPr id="29" name="Rectangle 28">
-            <a:extLst>
-              <a:ext uri="{FF2B5EF4-FFF2-40B4-BE49-F238E27FC236}">
-                <a16:creationId xmlns:a16="http://schemas.microsoft.com/office/drawing/2014/main" id="{70B86746-FDA2-CB49-B94E-9C0214CEB2A0}"/>
-              </a:ext>
-            </a:extLst>
-          </p:cNvPr>
-          <p:cNvSpPr/>
-          <p:nvPr/>
-        </p:nvSpPr>
-        <p:spPr>
-          <a:xfrm>
-            <a:off x="6868963" y="3750538"/>
-            <a:ext cx="142061" cy="126722"/>
-          </a:xfrm>
-          <a:prstGeom prst="rect">
-            <a:avLst/>
-          </a:prstGeom>
-          <a:solidFill>
-            <a:schemeClr val="bg1"/>
-          </a:solidFill>
-        </p:spPr>
-        <p:style>
-          <a:lnRef idx="2">
-            <a:schemeClr val="accent6">
-              <a:shade val="50000"/>
-            </a:schemeClr>
-          </a:lnRef>
-          <a:fillRef idx="1">
-            <a:schemeClr val="accent6"/>
-          </a:fillRef>
-          <a:effectRef idx="0">
-            <a:schemeClr val="accent6"/>
-          </a:effectRef>
-          <a:fontRef idx="minor">
-            <a:schemeClr val="lt1"/>
-          </a:fontRef>
-        </p:style>
-        <p:txBody>
-          <a:bodyPr rtlCol="0" anchor="ctr"/>
-          <a:lstStyle/>
-          <a:p>
-            <a:pPr algn="ctr"/>
-            <a:endParaRPr lang="en-US"/>
-          </a:p>
-        </p:txBody>
-      </p:sp>
-      <p:sp>
-        <p:nvSpPr>
-          <p:cNvPr id="30" name="Rectangle 29">
-            <a:extLst>
-              <a:ext uri="{FF2B5EF4-FFF2-40B4-BE49-F238E27FC236}">
-                <a16:creationId xmlns:a16="http://schemas.microsoft.com/office/drawing/2014/main" id="{6442A2E0-B241-7868-C30D-522586AA10B4}"/>
-              </a:ext>
-            </a:extLst>
-          </p:cNvPr>
-          <p:cNvSpPr/>
-          <p:nvPr/>
-        </p:nvSpPr>
-        <p:spPr>
-          <a:xfrm>
-            <a:off x="7293987" y="3750538"/>
-            <a:ext cx="142061" cy="126722"/>
-          </a:xfrm>
-          <a:prstGeom prst="rect">
-            <a:avLst/>
-          </a:prstGeom>
-          <a:solidFill>
-            <a:schemeClr val="bg1"/>
-          </a:solidFill>
-        </p:spPr>
-        <p:style>
-          <a:lnRef idx="2">
-            <a:schemeClr val="accent6">
-              <a:shade val="50000"/>
-            </a:schemeClr>
-          </a:lnRef>
-          <a:fillRef idx="1">
-            <a:schemeClr val="accent6"/>
-          </a:fillRef>
-          <a:effectRef idx="0">
-            <a:schemeClr val="accent6"/>
-          </a:effectRef>
-          <a:fontRef idx="minor">
-            <a:schemeClr val="lt1"/>
-          </a:fontRef>
-        </p:style>
-        <p:txBody>
-          <a:bodyPr rtlCol="0" anchor="ctr"/>
-          <a:lstStyle/>
-          <a:p>
-            <a:pPr algn="ctr"/>
-            <a:endParaRPr lang="en-US"/>
-          </a:p>
-        </p:txBody>
-      </p:sp>
-      <p:sp>
-        <p:nvSpPr>
-          <p:cNvPr id="31" name="Rectangle 30">
-            <a:extLst>
-              <a:ext uri="{FF2B5EF4-FFF2-40B4-BE49-F238E27FC236}">
-                <a16:creationId xmlns:a16="http://schemas.microsoft.com/office/drawing/2014/main" id="{1AEB48C7-6EF5-85CB-9165-E37674A76AB7}"/>
-              </a:ext>
-            </a:extLst>
-          </p:cNvPr>
-          <p:cNvSpPr/>
-          <p:nvPr/>
-        </p:nvSpPr>
-        <p:spPr>
-          <a:xfrm>
-            <a:off x="7095741" y="4040333"/>
-            <a:ext cx="142061" cy="126722"/>
-          </a:xfrm>
-          <a:prstGeom prst="rect">
-            <a:avLst/>
-          </a:prstGeom>
-          <a:solidFill>
-            <a:schemeClr val="accent6"/>
-          </a:solidFill>
-        </p:spPr>
-        <p:style>
-          <a:lnRef idx="2">
-            <a:schemeClr val="accent6">
-              <a:shade val="50000"/>
-            </a:schemeClr>
-          </a:lnRef>
-          <a:fillRef idx="1">
-            <a:schemeClr val="accent6"/>
-          </a:fillRef>
-          <a:effectRef idx="0">
-            <a:schemeClr val="accent6"/>
-          </a:effectRef>
-          <a:fontRef idx="minor">
-            <a:schemeClr val="lt1"/>
-          </a:fontRef>
-        </p:style>
-        <p:txBody>
-          <a:bodyPr rtlCol="0" anchor="ctr"/>
-          <a:lstStyle/>
-          <a:p>
-            <a:pPr algn="ctr"/>
-            <a:endParaRPr lang="en-US"/>
-          </a:p>
-        </p:txBody>
-      </p:sp>
-      <p:sp>
-        <p:nvSpPr>
-          <p:cNvPr id="32" name="Rectangle 31">
-            <a:extLst>
-              <a:ext uri="{FF2B5EF4-FFF2-40B4-BE49-F238E27FC236}">
-                <a16:creationId xmlns:a16="http://schemas.microsoft.com/office/drawing/2014/main" id="{34ADCD22-39EA-95E7-0DE1-A415013AF1B9}"/>
-              </a:ext>
-            </a:extLst>
-          </p:cNvPr>
-          <p:cNvSpPr/>
-          <p:nvPr/>
-        </p:nvSpPr>
-        <p:spPr>
-          <a:xfrm>
-            <a:off x="8475054" y="2202144"/>
-            <a:ext cx="142061" cy="126722"/>
-          </a:xfrm>
-          <a:prstGeom prst="rect">
-            <a:avLst/>
-          </a:prstGeom>
-        </p:spPr>
-        <p:style>
-          <a:lnRef idx="2">
-            <a:schemeClr val="accent6">
-              <a:shade val="50000"/>
-            </a:schemeClr>
-          </a:lnRef>
-          <a:fillRef idx="1">
-            <a:schemeClr val="accent6"/>
-          </a:fillRef>
-          <a:effectRef idx="0">
-            <a:schemeClr val="accent6"/>
-          </a:effectRef>
-          <a:fontRef idx="minor">
-            <a:schemeClr val="lt1"/>
-          </a:fontRef>
-        </p:style>
-        <p:txBody>
-          <a:bodyPr rtlCol="0" anchor="ctr"/>
-          <a:lstStyle/>
-          <a:p>
-            <a:pPr algn="ctr"/>
-            <a:endParaRPr lang="en-US"/>
-          </a:p>
-        </p:txBody>
-      </p:sp>
-      <p:sp>
-        <p:nvSpPr>
-          <p:cNvPr id="33" name="Rectangle 32">
-            <a:extLst>
-              <a:ext uri="{FF2B5EF4-FFF2-40B4-BE49-F238E27FC236}">
-                <a16:creationId xmlns:a16="http://schemas.microsoft.com/office/drawing/2014/main" id="{DAB563DC-94A1-6EF5-4DEC-ABF7AAFB861C}"/>
-              </a:ext>
-            </a:extLst>
-          </p:cNvPr>
-          <p:cNvSpPr/>
-          <p:nvPr/>
-        </p:nvSpPr>
-        <p:spPr>
-          <a:xfrm>
-            <a:off x="8692351" y="1907562"/>
-            <a:ext cx="142061" cy="126722"/>
-          </a:xfrm>
-          <a:prstGeom prst="rect">
-            <a:avLst/>
-          </a:prstGeom>
-        </p:spPr>
-        <p:style>
-          <a:lnRef idx="2">
-            <a:schemeClr val="accent6">
-              <a:shade val="50000"/>
-            </a:schemeClr>
-          </a:lnRef>
-          <a:fillRef idx="1">
-            <a:schemeClr val="accent6"/>
-          </a:fillRef>
-          <a:effectRef idx="0">
-            <a:schemeClr val="accent6"/>
-          </a:effectRef>
-          <a:fontRef idx="minor">
-            <a:schemeClr val="lt1"/>
-          </a:fontRef>
-        </p:style>
-        <p:txBody>
-          <a:bodyPr rtlCol="0" anchor="ctr"/>
-          <a:lstStyle/>
-          <a:p>
-            <a:pPr algn="ctr"/>
-            <a:endParaRPr lang="en-US"/>
-          </a:p>
-        </p:txBody>
-      </p:sp>
-      <p:sp>
-        <p:nvSpPr>
-          <p:cNvPr id="39" name="Rectangle 38">
-            <a:extLst>
-              <a:ext uri="{FF2B5EF4-FFF2-40B4-BE49-F238E27FC236}">
-                <a16:creationId xmlns:a16="http://schemas.microsoft.com/office/drawing/2014/main" id="{71B58748-CF19-5B3F-0475-EAFDFA21C315}"/>
-              </a:ext>
-            </a:extLst>
-          </p:cNvPr>
-          <p:cNvSpPr/>
-          <p:nvPr/>
-        </p:nvSpPr>
-        <p:spPr>
-          <a:xfrm>
-            <a:off x="7093427" y="1401865"/>
-            <a:ext cx="142061" cy="126722"/>
-          </a:xfrm>
-          <a:prstGeom prst="rect">
-            <a:avLst/>
-          </a:prstGeom>
-        </p:spPr>
-        <p:style>
-          <a:lnRef idx="2">
-            <a:schemeClr val="accent6">
-              <a:shade val="50000"/>
-            </a:schemeClr>
-          </a:lnRef>
-          <a:fillRef idx="1">
-            <a:schemeClr val="accent6"/>
-          </a:fillRef>
-          <a:effectRef idx="0">
-            <a:schemeClr val="accent6"/>
-          </a:effectRef>
-          <a:fontRef idx="minor">
-            <a:schemeClr val="lt1"/>
-          </a:fontRef>
-        </p:style>
-        <p:txBody>
-          <a:bodyPr rtlCol="0" anchor="ctr"/>
-          <a:lstStyle/>
-          <a:p>
-            <a:pPr algn="ctr"/>
-            <a:endParaRPr lang="en-US"/>
-          </a:p>
-        </p:txBody>
-      </p:sp>
-      <p:sp>
-        <p:nvSpPr>
-          <p:cNvPr id="19" name="TextBox 18">
-            <a:extLst>
-              <a:ext uri="{FF2B5EF4-FFF2-40B4-BE49-F238E27FC236}">
-                <a16:creationId xmlns:a16="http://schemas.microsoft.com/office/drawing/2014/main" id="{D06948E1-EA55-1B13-85BF-B628BE910C83}"/>
-              </a:ext>
-            </a:extLst>
-          </p:cNvPr>
-          <p:cNvSpPr txBox="1"/>
-          <p:nvPr/>
-        </p:nvSpPr>
-        <p:spPr>
-          <a:xfrm>
-            <a:off x="416896" y="3877260"/>
-            <a:ext cx="4634383" cy="1815882"/>
-          </a:xfrm>
-          <a:prstGeom prst="rect">
-            <a:avLst/>
-          </a:prstGeom>
-          <a:noFill/>
-        </p:spPr>
-        <p:txBody>
-          <a:bodyPr wrap="square" rtlCol="0">
-            <a:spAutoFit/>
-          </a:bodyPr>
-          <a:lstStyle/>
-          <a:p>
-            <a:pPr algn="ctr"/>
-            <a:r>
-              <a:rPr lang="en-US" sz="2800" dirty="0"/>
-              <a:t>This translates to needing 9 units of energy for this pump, when you are using diesel to power it. </a:t>
-            </a:r>
-          </a:p>
-        </p:txBody>
-      </p:sp>
-    </p:spTree>
-    <p:extLst>
-      <p:ext uri="{BB962C8B-B14F-4D97-AF65-F5344CB8AC3E}">
-        <p14:creationId xmlns:p14="http://schemas.microsoft.com/office/powerpoint/2010/main" val="3364723588"/>
-      </p:ext>
-    </p:extLst>
-  </p:cSld>
-  <p:clrMapOvr>
-    <a:masterClrMapping/>
-  </p:clrMapOvr>
-</p:sld>
-</file>
-
-<file path=ppt/slides/slide9.xml><?xml version="1.0" encoding="utf-8"?>
-<p:sld xmlns:a="http://schemas.openxmlformats.org/drawingml/2006/main" xmlns:r="http://schemas.openxmlformats.org/officeDocument/2006/relationships" xmlns:p="http://schemas.openxmlformats.org/presentationml/2006/main">
-  <p:cSld>
-    <p:spTree>
-      <p:nvGrpSpPr>
-        <p:cNvPr id="1" name=""/>
-        <p:cNvGrpSpPr/>
-        <p:nvPr/>
-      </p:nvGrpSpPr>
-      <p:grpSpPr>
-        <a:xfrm>
-          <a:off x="0" y="0"/>
-          <a:ext cx="0" cy="0"/>
-          <a:chOff x="0" y="0"/>
-          <a:chExt cx="0" cy="0"/>
-        </a:xfrm>
-      </p:grpSpPr>
-      <p:graphicFrame>
-        <p:nvGraphicFramePr>
-          <p:cNvPr id="4" name="Table 4">
-            <a:extLst>
-              <a:ext uri="{FF2B5EF4-FFF2-40B4-BE49-F238E27FC236}">
-                <a16:creationId xmlns:a16="http://schemas.microsoft.com/office/drawing/2014/main" id="{E74CF41D-972B-EFA0-6089-DDCEA5FC7137}"/>
-              </a:ext>
-            </a:extLst>
-          </p:cNvPr>
-          <p:cNvGraphicFramePr>
-            <a:graphicFrameLocks noGrp="1"/>
-          </p:cNvGraphicFramePr>
-          <p:nvPr>
-            <p:extLst>
-              <p:ext uri="{D42A27DB-BD31-4B8C-83A1-F6EECF244321}">
-                <p14:modId xmlns:p14="http://schemas.microsoft.com/office/powerpoint/2010/main" val="163927209"/>
-              </p:ext>
-            </p:extLst>
-          </p:nvPr>
-        </p:nvGraphicFramePr>
-        <p:xfrm>
-          <a:off x="2032000" y="1147504"/>
-          <a:ext cx="8127999" cy="1554480"/>
-        </p:xfrm>
-        <a:graphic>
-          <a:graphicData uri="http://schemas.openxmlformats.org/drawingml/2006/table">
-            <a:tbl>
-              <a:tblPr firstRow="1" bandRow="1">
-                <a:tableStyleId>{5C22544A-7EE6-4342-B048-85BDC9FD1C3A}</a:tableStyleId>
-              </a:tblPr>
-              <a:tblGrid>
-                <a:gridCol w="2709333">
-                  <a:extLst>
-                    <a:ext uri="{9D8B030D-6E8A-4147-A177-3AD203B41FA5}">
-                      <a16:colId xmlns:a16="http://schemas.microsoft.com/office/drawing/2014/main" val="3650148558"/>
-                    </a:ext>
-                  </a:extLst>
-                </a:gridCol>
-                <a:gridCol w="2709333">
-                  <a:extLst>
-                    <a:ext uri="{9D8B030D-6E8A-4147-A177-3AD203B41FA5}">
-                      <a16:colId xmlns:a16="http://schemas.microsoft.com/office/drawing/2014/main" val="3171507288"/>
-                    </a:ext>
-                  </a:extLst>
-                </a:gridCol>
-                <a:gridCol w="2709333">
-                  <a:extLst>
-                    <a:ext uri="{9D8B030D-6E8A-4147-A177-3AD203B41FA5}">
-                      <a16:colId xmlns:a16="http://schemas.microsoft.com/office/drawing/2014/main" val="2069442028"/>
-                    </a:ext>
-                  </a:extLst>
-                </a:gridCol>
-              </a:tblGrid>
-              <a:tr h="370840">
-                <a:tc>
-                  <a:txBody>
-                    <a:bodyPr/>
-                    <a:lstStyle/>
-                    <a:p>
-                      <a:pPr algn="ctr"/>
-                      <a:r>
-                        <a:rPr lang="en-US" sz="2800" dirty="0"/>
-                        <a:t>Methodology</a:t>
-                      </a:r>
-                    </a:p>
-                  </a:txBody>
-                  <a:tcPr/>
-                </a:tc>
-                <a:tc>
-                  <a:txBody>
-                    <a:bodyPr/>
-                    <a:lstStyle/>
-                    <a:p>
-                      <a:pPr algn="ctr"/>
-                      <a:r>
-                        <a:rPr lang="en-US" sz="2800" dirty="0"/>
-                        <a:t>Energy use</a:t>
-                      </a:r>
-                    </a:p>
-                  </a:txBody>
-                  <a:tcPr/>
-                </a:tc>
-                <a:tc>
-                  <a:txBody>
-                    <a:bodyPr/>
-                    <a:lstStyle/>
-                    <a:p>
-                      <a:pPr algn="ctr"/>
-                      <a:r>
-                        <a:rPr lang="en-US" sz="2800" dirty="0"/>
-                        <a:t>Diesel use</a:t>
-                      </a:r>
-                    </a:p>
-                  </a:txBody>
-                  <a:tcPr/>
-                </a:tc>
-                <a:extLst>
-                  <a:ext uri="{0D108BD9-81ED-4DB2-BD59-A6C34878D82A}">
-                    <a16:rowId xmlns:a16="http://schemas.microsoft.com/office/drawing/2014/main" val="994233569"/>
-                  </a:ext>
-                </a:extLst>
-              </a:tr>
-              <a:tr h="370840">
-                <a:tc>
-                  <a:txBody>
-                    <a:bodyPr/>
-                    <a:lstStyle/>
-                    <a:p>
-                      <a:pPr algn="ctr"/>
-                      <a:r>
-                        <a:rPr lang="en-US" sz="2800" dirty="0"/>
-                        <a:t>FTM</a:t>
-                      </a:r>
-                    </a:p>
-                  </a:txBody>
-                  <a:tcPr/>
-                </a:tc>
-                <a:tc>
-                  <a:txBody>
-                    <a:bodyPr/>
-                    <a:lstStyle/>
-                    <a:p>
-                      <a:pPr algn="ctr"/>
-                      <a:r>
-                        <a:rPr lang="en-US" sz="2800" dirty="0"/>
-                        <a:t>3 units</a:t>
-                      </a:r>
-                    </a:p>
-                  </a:txBody>
-                  <a:tcPr/>
-                </a:tc>
-                <a:tc>
-                  <a:txBody>
-                    <a:bodyPr/>
-                    <a:lstStyle/>
-                    <a:p>
-                      <a:pPr algn="ctr"/>
-                      <a:r>
-                        <a:rPr lang="en-US" sz="2800" dirty="0"/>
-                        <a:t>1 unit</a:t>
-                      </a:r>
-                    </a:p>
-                  </a:txBody>
-                  <a:tcPr/>
-                </a:tc>
-                <a:extLst>
-                  <a:ext uri="{0D108BD9-81ED-4DB2-BD59-A6C34878D82A}">
-                    <a16:rowId xmlns:a16="http://schemas.microsoft.com/office/drawing/2014/main" val="2448194996"/>
-                  </a:ext>
-                </a:extLst>
-              </a:tr>
-              <a:tr h="370840">
-                <a:tc>
-                  <a:txBody>
-                    <a:bodyPr/>
-                    <a:lstStyle/>
-                    <a:p>
-                      <a:pPr algn="ctr"/>
-                      <a:r>
-                        <a:rPr lang="en-US" sz="2800" dirty="0"/>
-                        <a:t>NRCS</a:t>
-                      </a:r>
-                    </a:p>
-                  </a:txBody>
-                  <a:tcPr/>
-                </a:tc>
-                <a:tc>
-                  <a:txBody>
-                    <a:bodyPr/>
-                    <a:lstStyle/>
-                    <a:p>
-                      <a:pPr algn="ctr"/>
-                      <a:r>
-                        <a:rPr lang="en-US" sz="2800" dirty="0"/>
-                        <a:t>9 units</a:t>
-                      </a:r>
-                    </a:p>
-                  </a:txBody>
-                  <a:tcPr/>
-                </a:tc>
-                <a:tc>
-                  <a:txBody>
-                    <a:bodyPr/>
-                    <a:lstStyle/>
-                    <a:p>
-                      <a:pPr algn="ctr"/>
-                      <a:r>
-                        <a:rPr lang="en-US" sz="2800" dirty="0"/>
-                        <a:t>3 units</a:t>
-                      </a:r>
-                    </a:p>
-                  </a:txBody>
-                  <a:tcPr/>
-                </a:tc>
-                <a:extLst>
-                  <a:ext uri="{0D108BD9-81ED-4DB2-BD59-A6C34878D82A}">
-                    <a16:rowId xmlns:a16="http://schemas.microsoft.com/office/drawing/2014/main" val="4267585830"/>
-                  </a:ext>
-                </a:extLst>
-              </a:tr>
-            </a:tbl>
-          </a:graphicData>
-        </a:graphic>
-      </p:graphicFrame>
-    </p:spTree>
-    <p:extLst>
-      <p:ext uri="{BB962C8B-B14F-4D97-AF65-F5344CB8AC3E}">
-        <p14:creationId xmlns:p14="http://schemas.microsoft.com/office/powerpoint/2010/main" val="3134908222"/>
-      </p:ext>
-    </p:extLst>
-  </p:cSld>
-  <p:clrMapOvr>
-    <a:masterClrMapping/>
-  </p:clrMapOvr>
-</p:sld>
-</file>
-
 <file path=ppt/theme/theme1.xml><?xml version="1.0" encoding="utf-8"?>
 <a:theme xmlns:a="http://schemas.openxmlformats.org/drawingml/2006/main" name="Office Theme">
   <a:themeElements>
